--- a/trunk/Dev_uCOS-II/Oufff2013/Conception/Projet2013.pptx
+++ b/trunk/Dev_uCOS-II/Oufff2013/Conception/Projet2013.pptx
@@ -329,7 +329,7 @@
               <a:pPr>
                 <a:defRPr/>
               </a:pPr>
-              <a:t>01/11/2012</a:t>
+              <a:t>10/03/2013</a:t>
             </a:fld>
             <a:endParaRPr lang="fr-FR"/>
           </a:p>
@@ -521,7 +521,7 @@
               <a:pPr>
                 <a:defRPr/>
               </a:pPr>
-              <a:t>01/11/2012</a:t>
+              <a:t>10/03/2013</a:t>
             </a:fld>
             <a:endParaRPr lang="fr-FR"/>
           </a:p>
@@ -723,7 +723,7 @@
               <a:pPr>
                 <a:defRPr/>
               </a:pPr>
-              <a:t>01/11/2012</a:t>
+              <a:t>10/03/2013</a:t>
             </a:fld>
             <a:endParaRPr lang="fr-FR"/>
           </a:p>
@@ -915,7 +915,7 @@
               <a:pPr>
                 <a:defRPr/>
               </a:pPr>
-              <a:t>01/11/2012</a:t>
+              <a:t>10/03/2013</a:t>
             </a:fld>
             <a:endParaRPr lang="fr-FR"/>
           </a:p>
@@ -1183,7 +1183,7 @@
               <a:pPr>
                 <a:defRPr/>
               </a:pPr>
-              <a:t>01/11/2012</a:t>
+              <a:t>10/03/2013</a:t>
             </a:fld>
             <a:endParaRPr lang="fr-FR"/>
           </a:p>
@@ -1493,7 +1493,7 @@
               <a:pPr>
                 <a:defRPr/>
               </a:pPr>
-              <a:t>01/11/2012</a:t>
+              <a:t>10/03/2013</a:t>
             </a:fld>
             <a:endParaRPr lang="fr-FR"/>
           </a:p>
@@ -1937,7 +1937,7 @@
               <a:pPr>
                 <a:defRPr/>
               </a:pPr>
-              <a:t>01/11/2012</a:t>
+              <a:t>10/03/2013</a:t>
             </a:fld>
             <a:endParaRPr lang="fr-FR"/>
           </a:p>
@@ -2077,7 +2077,7 @@
               <a:pPr>
                 <a:defRPr/>
               </a:pPr>
-              <a:t>01/11/2012</a:t>
+              <a:t>10/03/2013</a:t>
             </a:fld>
             <a:endParaRPr lang="fr-FR"/>
           </a:p>
@@ -2194,7 +2194,7 @@
               <a:pPr>
                 <a:defRPr/>
               </a:pPr>
-              <a:t>01/11/2012</a:t>
+              <a:t>10/03/2013</a:t>
             </a:fld>
             <a:endParaRPr lang="fr-FR"/>
           </a:p>
@@ -2493,7 +2493,7 @@
               <a:pPr>
                 <a:defRPr/>
               </a:pPr>
-              <a:t>01/11/2012</a:t>
+              <a:t>10/03/2013</a:t>
             </a:fld>
             <a:endParaRPr lang="fr-FR"/>
           </a:p>
@@ -2771,7 +2771,7 @@
               <a:pPr>
                 <a:defRPr/>
               </a:pPr>
-              <a:t>01/11/2012</a:t>
+              <a:t>10/03/2013</a:t>
             </a:fld>
             <a:endParaRPr lang="fr-FR"/>
           </a:p>
@@ -3027,7 +3027,7 @@
               <a:pPr>
                 <a:defRPr/>
               </a:pPr>
-              <a:t>01/11/2012</a:t>
+              <a:t>10/03/2013</a:t>
             </a:fld>
             <a:endParaRPr lang="fr-FR"/>
           </a:p>
@@ -3564,7 +3564,7 @@
         <p:spPr>
           <a:xfrm>
             <a:off x="0" y="0"/>
-            <a:ext cx="9144000" cy="476250"/>
+            <a:ext cx="9144000" cy="620688"/>
           </a:xfrm>
         </p:spPr>
         <p:txBody>
@@ -3573,13 +3573,8 @@
           <a:p>
             <a:r>
               <a:rPr lang="fr-FR" sz="2800" dirty="0" smtClean="0"/>
-              <a:t>Projet </a:t>
+              <a:t>Projet 2013</a:t>
             </a:r>
-            <a:r>
-              <a:rPr lang="fr-FR" sz="2800" dirty="0" smtClean="0"/>
-              <a:t>2013</a:t>
-            </a:r>
-            <a:endParaRPr lang="fr-FR" sz="2800" dirty="0" smtClean="0"/>
           </a:p>
         </p:txBody>
       </p:sp>
@@ -3589,18 +3584,302 @@
           <p:cNvGraphicFramePr>
             <a:graphicFrameLocks noGrp="1"/>
           </p:cNvGraphicFramePr>
-          <p:nvPr/>
+          <p:nvPr>
+            <p:extLst>
+              <p:ext uri="{D42A27DB-BD31-4B8C-83A1-F6EECF244321}">
+                <p14:modId xmlns:p14="http://schemas.microsoft.com/office/powerpoint/2010/main" val="1773811710"/>
+              </p:ext>
+            </p:extLst>
+          </p:nvPr>
         </p:nvGraphicFramePr>
         <p:xfrm>
-          <a:off x="5076825" y="981075"/>
-          <a:ext cx="1441450" cy="1540193"/>
+          <a:off x="4788024" y="2101417"/>
+          <a:ext cx="2016224" cy="926974"/>
         </p:xfrm>
         <a:graphic>
           <a:graphicData uri="http://schemas.openxmlformats.org/drawingml/2006/table">
             <a:tbl>
               <a:tblPr/>
               <a:tblGrid>
-                <a:gridCol w="1441450"/>
+                <a:gridCol w="2016224"/>
+              </a:tblGrid>
+              <a:tr h="228766">
+                <a:tc>
+                  <a:txBody>
+                    <a:bodyPr/>
+                    <a:lstStyle/>
+                    <a:p>
+                      <a:pPr marL="0" marR="0" lvl="0" indent="0" algn="ctr" defTabSz="914400" rtl="0" eaLnBrk="1" fontAlgn="base" latinLnBrk="0" hangingPunct="1">
+                        <a:lnSpc>
+                          <a:spcPct val="100000"/>
+                        </a:lnSpc>
+                        <a:spcBef>
+                          <a:spcPct val="0"/>
+                        </a:spcBef>
+                        <a:spcAft>
+                          <a:spcPct val="0"/>
+                        </a:spcAft>
+                        <a:buClrTx/>
+                        <a:buSzTx/>
+                        <a:buFontTx/>
+                        <a:buNone/>
+                        <a:tabLst/>
+                      </a:pPr>
+                      <a:r>
+                        <a:rPr kumimoji="0" lang="fr-FR" sz="1600" b="1" i="0" u="none" strike="noStrike" cap="none" normalizeH="0" baseline="0" dirty="0" err="1" smtClean="0">
+                          <a:ln>
+                            <a:noFill/>
+                          </a:ln>
+                          <a:solidFill>
+                            <a:schemeClr val="tx1"/>
+                          </a:solidFill>
+                          <a:effectLst/>
+                          <a:latin typeface="Calibri" pitchFamily="34" charset="0"/>
+                          <a:cs typeface="Arial" charset="0"/>
+                        </a:rPr>
+                        <a:t>TaskMain</a:t>
+                      </a:r>
+                      <a:endParaRPr kumimoji="0" lang="fr-FR" sz="1600" b="1" i="0" u="none" strike="noStrike" cap="none" normalizeH="0" baseline="0" dirty="0" smtClean="0">
+                        <a:ln>
+                          <a:noFill/>
+                        </a:ln>
+                        <a:solidFill>
+                          <a:schemeClr val="tx1"/>
+                        </a:solidFill>
+                        <a:effectLst/>
+                        <a:latin typeface="Calibri" pitchFamily="34" charset="0"/>
+                        <a:cs typeface="Arial" charset="0"/>
+                      </a:endParaRPr>
+                    </a:p>
+                  </a:txBody>
+                  <a:tcPr horzOverflow="overflow">
+                    <a:lnL w="12700" cap="flat" cmpd="sng" algn="ctr">
+                      <a:solidFill>
+                        <a:schemeClr val="tx1"/>
+                      </a:solidFill>
+                      <a:prstDash val="solid"/>
+                      <a:round/>
+                      <a:headEnd type="none" w="med" len="med"/>
+                      <a:tailEnd type="none" w="med" len="med"/>
+                    </a:lnL>
+                    <a:lnR w="12700" cap="flat" cmpd="sng" algn="ctr">
+                      <a:solidFill>
+                        <a:schemeClr val="tx1"/>
+                      </a:solidFill>
+                      <a:prstDash val="solid"/>
+                      <a:round/>
+                      <a:headEnd type="none" w="med" len="med"/>
+                      <a:tailEnd type="none" w="med" len="med"/>
+                    </a:lnR>
+                    <a:lnT w="12700" cap="flat" cmpd="sng" algn="ctr">
+                      <a:solidFill>
+                        <a:schemeClr val="tx1"/>
+                      </a:solidFill>
+                      <a:prstDash val="solid"/>
+                      <a:round/>
+                      <a:headEnd type="none" w="med" len="med"/>
+                      <a:tailEnd type="none" w="med" len="med"/>
+                    </a:lnT>
+                    <a:lnB w="12700" cap="flat" cmpd="sng" algn="ctr">
+                      <a:solidFill>
+                        <a:schemeClr val="tx1"/>
+                      </a:solidFill>
+                      <a:prstDash val="solid"/>
+                      <a:round/>
+                      <a:headEnd type="none" w="med" len="med"/>
+                      <a:tailEnd type="none" w="med" len="med"/>
+                    </a:lnB>
+                    <a:lnTlToBr>
+                      <a:noFill/>
+                    </a:lnTlToBr>
+                    <a:lnBlToTr>
+                      <a:noFill/>
+                    </a:lnBlToTr>
+                    <a:gradFill rotWithShape="1">
+                      <a:gsLst>
+                        <a:gs pos="0">
+                          <a:srgbClr val="83D3FF"/>
+                        </a:gs>
+                        <a:gs pos="50000">
+                          <a:srgbClr val="B5E2FF"/>
+                        </a:gs>
+                        <a:gs pos="100000">
+                          <a:srgbClr val="DBF0FF"/>
+                        </a:gs>
+                      </a:gsLst>
+                      <a:path path="rect">
+                        <a:fillToRect l="50000" t="50000" r="50000" b="50000"/>
+                      </a:path>
+                    </a:gradFill>
+                  </a:tcPr>
+                </a:tc>
+              </a:tr>
+              <a:tr h="591694">
+                <a:tc>
+                  <a:txBody>
+                    <a:bodyPr/>
+                    <a:lstStyle/>
+                    <a:p>
+                      <a:pPr marL="0" marR="0" lvl="0" indent="0" algn="ctr" defTabSz="914400" rtl="0" eaLnBrk="1" fontAlgn="base" latinLnBrk="0" hangingPunct="1">
+                        <a:lnSpc>
+                          <a:spcPct val="100000"/>
+                        </a:lnSpc>
+                        <a:spcBef>
+                          <a:spcPct val="0"/>
+                        </a:spcBef>
+                        <a:spcAft>
+                          <a:spcPct val="0"/>
+                        </a:spcAft>
+                        <a:buClrTx/>
+                        <a:buSzTx/>
+                        <a:buFontTx/>
+                        <a:buChar char="-"/>
+                        <a:tabLst/>
+                      </a:pPr>
+                      <a:r>
+                        <a:rPr kumimoji="0" lang="fr-FR" sz="1200" b="0" i="0" u="none" strike="noStrike" cap="none" normalizeH="0" baseline="0" dirty="0" smtClean="0">
+                          <a:ln>
+                            <a:noFill/>
+                          </a:ln>
+                          <a:solidFill>
+                            <a:schemeClr val="tx1"/>
+                          </a:solidFill>
+                          <a:effectLst/>
+                          <a:latin typeface="Calibri" pitchFamily="34" charset="0"/>
+                          <a:cs typeface="Arial" charset="0"/>
+                        </a:rPr>
+                        <a:t> </a:t>
+                      </a:r>
+                      <a:r>
+                        <a:rPr kumimoji="0" lang="fr-FR" sz="1200" b="0" i="0" u="none" strike="noStrike" cap="none" normalizeH="0" baseline="0" dirty="0" err="1" smtClean="0">
+                          <a:ln>
+                            <a:noFill/>
+                          </a:ln>
+                          <a:solidFill>
+                            <a:schemeClr val="tx1"/>
+                          </a:solidFill>
+                          <a:effectLst/>
+                          <a:latin typeface="Calibri" pitchFamily="34" charset="0"/>
+                          <a:cs typeface="Arial" charset="0"/>
+                        </a:rPr>
+                        <a:t>Synchronize</a:t>
+                      </a:r>
+                      <a:r>
+                        <a:rPr kumimoji="0" lang="fr-FR" sz="1200" b="0" i="0" u="none" strike="noStrike" cap="none" normalizeH="0" baseline="0" dirty="0" smtClean="0">
+                          <a:ln>
+                            <a:noFill/>
+                          </a:ln>
+                          <a:solidFill>
+                            <a:schemeClr val="tx1"/>
+                          </a:solidFill>
+                          <a:effectLst/>
+                          <a:latin typeface="Calibri" pitchFamily="34" charset="0"/>
+                          <a:cs typeface="Arial" charset="0"/>
+                        </a:rPr>
+                        <a:t> all </a:t>
+                      </a:r>
+                      <a:r>
+                        <a:rPr kumimoji="0" lang="fr-FR" sz="1200" b="0" i="0" u="none" strike="noStrike" cap="none" normalizeH="0" baseline="0" dirty="0" err="1" smtClean="0">
+                          <a:ln>
+                            <a:noFill/>
+                          </a:ln>
+                          <a:solidFill>
+                            <a:schemeClr val="tx1"/>
+                          </a:solidFill>
+                          <a:effectLst/>
+                          <a:latin typeface="Calibri" pitchFamily="34" charset="0"/>
+                          <a:cs typeface="Arial" charset="0"/>
+                        </a:rPr>
+                        <a:t>tasks</a:t>
+                      </a:r>
+                      <a:endParaRPr kumimoji="0" lang="fr-FR" sz="1200" b="0" i="0" u="none" strike="noStrike" cap="none" normalizeH="0" baseline="0" dirty="0" smtClean="0">
+                        <a:ln>
+                          <a:noFill/>
+                        </a:ln>
+                        <a:solidFill>
+                          <a:schemeClr val="tx1"/>
+                        </a:solidFill>
+                        <a:effectLst/>
+                        <a:latin typeface="Calibri" pitchFamily="34" charset="0"/>
+                        <a:cs typeface="Arial" charset="0"/>
+                      </a:endParaRPr>
+                    </a:p>
+                  </a:txBody>
+                  <a:tcPr horzOverflow="overflow">
+                    <a:lnL w="12700" cap="flat" cmpd="sng" algn="ctr">
+                      <a:solidFill>
+                        <a:schemeClr val="tx1"/>
+                      </a:solidFill>
+                      <a:prstDash val="solid"/>
+                      <a:round/>
+                      <a:headEnd type="none" w="med" len="med"/>
+                      <a:tailEnd type="none" w="med" len="med"/>
+                    </a:lnL>
+                    <a:lnR w="12700" cap="flat" cmpd="sng" algn="ctr">
+                      <a:solidFill>
+                        <a:schemeClr val="tx1"/>
+                      </a:solidFill>
+                      <a:prstDash val="solid"/>
+                      <a:round/>
+                      <a:headEnd type="none" w="med" len="med"/>
+                      <a:tailEnd type="none" w="med" len="med"/>
+                    </a:lnR>
+                    <a:lnT w="12700" cap="flat" cmpd="sng" algn="ctr">
+                      <a:solidFill>
+                        <a:schemeClr val="tx1"/>
+                      </a:solidFill>
+                      <a:prstDash val="solid"/>
+                      <a:round/>
+                      <a:headEnd type="none" w="med" len="med"/>
+                      <a:tailEnd type="none" w="med" len="med"/>
+                    </a:lnT>
+                    <a:lnB w="12700" cap="flat" cmpd="sng" algn="ctr">
+                      <a:solidFill>
+                        <a:schemeClr val="tx1"/>
+                      </a:solidFill>
+                      <a:prstDash val="solid"/>
+                      <a:round/>
+                      <a:headEnd type="none" w="med" len="med"/>
+                      <a:tailEnd type="none" w="med" len="med"/>
+                    </a:lnB>
+                    <a:lnTlToBr>
+                      <a:noFill/>
+                    </a:lnTlToBr>
+                    <a:lnBlToTr>
+                      <a:noFill/>
+                    </a:lnBlToTr>
+                    <a:noFill/>
+                  </a:tcPr>
+                </a:tc>
+              </a:tr>
+            </a:tbl>
+          </a:graphicData>
+        </a:graphic>
+      </p:graphicFrame>
+      <p:graphicFrame>
+        <p:nvGraphicFramePr>
+          <p:cNvPr id="6" name="Tableau 5"/>
+          <p:cNvGraphicFramePr>
+            <a:graphicFrameLocks noGrp="1"/>
+          </p:cNvGraphicFramePr>
+          <p:nvPr>
+            <p:extLst>
+              <p:ext uri="{D42A27DB-BD31-4B8C-83A1-F6EECF244321}">
+                <p14:modId xmlns:p14="http://schemas.microsoft.com/office/powerpoint/2010/main" val="4237497926"/>
+              </p:ext>
+            </p:extLst>
+          </p:nvPr>
+        </p:nvGraphicFramePr>
+        <p:xfrm>
+          <a:off x="7019925" y="1960815"/>
+          <a:ext cx="1660525" cy="1540193"/>
+        </p:xfrm>
+        <a:graphic>
+          <a:graphicData uri="http://schemas.openxmlformats.org/drawingml/2006/table">
+            <a:tbl>
+              <a:tblPr/>
+              <a:tblGrid>
+                <a:gridCol w="1660525"/>
               </a:tblGrid>
               <a:tr h="250825">
                 <a:tc>
@@ -3636,7 +3915,7 @@
                           <a:latin typeface="Calibri" pitchFamily="34" charset="0"/>
                           <a:cs typeface="Arial" charset="0"/>
                         </a:rPr>
-                        <a:t>TaskMain</a:t>
+                        <a:t>TaskSensors</a:t>
                       </a:r>
                       <a:endParaRPr kumimoji="0" lang="fr-FR" sz="1600" b="1" i="0" u="none" strike="noStrike" cap="none" normalizeH="0" baseline="0" dirty="0" smtClean="0">
                         <a:ln>
@@ -3747,6 +4026,34 @@
                           <a:latin typeface="Calibri" pitchFamily="34" charset="0"/>
                           <a:cs typeface="Arial" charset="0"/>
                         </a:rPr>
+                        <a:t> Set or </a:t>
+                      </a:r>
+                      <a:r>
+                        <a:rPr kumimoji="0" lang="fr-FR" sz="1200" b="0" i="0" u="none" strike="noStrike" cap="none" normalizeH="0" baseline="0" dirty="0" err="1" smtClean="0">
+                          <a:ln>
+                            <a:noFill/>
+                          </a:ln>
+                          <a:solidFill>
+                            <a:schemeClr val="tx1"/>
+                          </a:solidFill>
+                          <a:effectLst/>
+                          <a:latin typeface="Calibri" pitchFamily="34" charset="0"/>
+                          <a:cs typeface="Arial" charset="0"/>
+                        </a:rPr>
+                        <a:t>Clear</a:t>
+                      </a:r>
+                      <a:r>
+                        <a:rPr kumimoji="0" lang="fr-FR" sz="1200" b="0" i="0" u="none" strike="noStrike" cap="none" normalizeH="0" baseline="0" dirty="0" smtClean="0">
+                          <a:ln>
+                            <a:noFill/>
+                          </a:ln>
+                          <a:solidFill>
+                            <a:schemeClr val="tx1"/>
+                          </a:solidFill>
+                          <a:effectLst/>
+                          <a:latin typeface="Calibri" pitchFamily="34" charset="0"/>
+                          <a:cs typeface="Arial" charset="0"/>
+                        </a:rPr>
                         <a:t> </a:t>
                       </a:r>
                       <a:r>
@@ -3761,7 +4068,7 @@
                           <a:latin typeface="Calibri" pitchFamily="34" charset="0"/>
                           <a:cs typeface="Arial" charset="0"/>
                         </a:rPr>
-                        <a:t>Synchronize</a:t>
+                        <a:t>Bumpers</a:t>
                       </a:r>
                       <a:r>
                         <a:rPr kumimoji="0" lang="fr-FR" sz="1200" b="0" i="0" u="none" strike="noStrike" cap="none" normalizeH="0" baseline="0" dirty="0" smtClean="0">
@@ -3775,7 +4082,7 @@
                           <a:latin typeface="Calibri" pitchFamily="34" charset="0"/>
                           <a:cs typeface="Arial" charset="0"/>
                         </a:rPr>
-                        <a:t> all </a:t>
+                        <a:t> flags </a:t>
                       </a:r>
                       <a:r>
                         <a:rPr kumimoji="0" lang="fr-FR" sz="1200" b="0" i="0" u="none" strike="noStrike" cap="none" normalizeH="0" baseline="0" dirty="0" err="1" smtClean="0">
@@ -3789,7 +4096,151 @@
                           <a:latin typeface="Calibri" pitchFamily="34" charset="0"/>
                           <a:cs typeface="Arial" charset="0"/>
                         </a:rPr>
-                        <a:t>tasks</a:t>
+                        <a:t>according</a:t>
+                      </a:r>
+                      <a:r>
+                        <a:rPr kumimoji="0" lang="fr-FR" sz="1200" b="0" i="0" u="none" strike="noStrike" cap="none" normalizeH="0" baseline="0" dirty="0" smtClean="0">
+                          <a:ln>
+                            <a:noFill/>
+                          </a:ln>
+                          <a:solidFill>
+                            <a:schemeClr val="tx1"/>
+                          </a:solidFill>
+                          <a:effectLst/>
+                          <a:latin typeface="Calibri" pitchFamily="34" charset="0"/>
+                          <a:cs typeface="Arial" charset="0"/>
+                        </a:rPr>
+                        <a:t> to </a:t>
+                      </a:r>
+                      <a:r>
+                        <a:rPr kumimoji="0" lang="fr-FR" sz="1200" b="0" i="0" u="none" strike="noStrike" cap="none" normalizeH="0" baseline="0" dirty="0" err="1" smtClean="0">
+                          <a:ln>
+                            <a:noFill/>
+                          </a:ln>
+                          <a:solidFill>
+                            <a:schemeClr val="tx1"/>
+                          </a:solidFill>
+                          <a:effectLst/>
+                          <a:latin typeface="Calibri" pitchFamily="34" charset="0"/>
+                          <a:cs typeface="Arial" charset="0"/>
+                        </a:rPr>
+                        <a:t>sensors</a:t>
+                      </a:r>
+                      <a:r>
+                        <a:rPr kumimoji="0" lang="fr-FR" sz="1200" b="0" i="0" u="none" strike="noStrike" cap="none" normalizeH="0" baseline="0" dirty="0" smtClean="0">
+                          <a:ln>
+                            <a:noFill/>
+                          </a:ln>
+                          <a:solidFill>
+                            <a:schemeClr val="tx1"/>
+                          </a:solidFill>
+                          <a:effectLst/>
+                          <a:latin typeface="Calibri" pitchFamily="34" charset="0"/>
+                          <a:cs typeface="Arial" charset="0"/>
+                        </a:rPr>
+                        <a:t> state</a:t>
+                      </a:r>
+                    </a:p>
+                    <a:p>
+                      <a:pPr marL="0" marR="0" lvl="0" indent="0" algn="ctr" defTabSz="914400" rtl="0" eaLnBrk="1" fontAlgn="base" latinLnBrk="0" hangingPunct="1">
+                        <a:lnSpc>
+                          <a:spcPct val="100000"/>
+                        </a:lnSpc>
+                        <a:spcBef>
+                          <a:spcPct val="0"/>
+                        </a:spcBef>
+                        <a:spcAft>
+                          <a:spcPct val="0"/>
+                        </a:spcAft>
+                        <a:buClrTx/>
+                        <a:buSzTx/>
+                        <a:buFontTx/>
+                        <a:buChar char="-"/>
+                        <a:tabLst/>
+                      </a:pPr>
+                      <a:r>
+                        <a:rPr kumimoji="0" lang="fr-FR" sz="1200" b="0" i="0" u="none" strike="noStrike" cap="none" normalizeH="0" baseline="0" dirty="0" smtClean="0">
+                          <a:ln>
+                            <a:noFill/>
+                          </a:ln>
+                          <a:solidFill>
+                            <a:schemeClr val="tx1"/>
+                          </a:solidFill>
+                          <a:effectLst/>
+                          <a:latin typeface="Calibri" pitchFamily="34" charset="0"/>
+                          <a:cs typeface="Arial" charset="0"/>
+                        </a:rPr>
+                        <a:t> </a:t>
+                      </a:r>
+                      <a:r>
+                        <a:rPr kumimoji="0" lang="fr-FR" sz="1200" b="0" i="0" u="none" strike="noStrike" cap="none" normalizeH="0" baseline="0" dirty="0" err="1" smtClean="0">
+                          <a:ln>
+                            <a:noFill/>
+                          </a:ln>
+                          <a:solidFill>
+                            <a:schemeClr val="tx1"/>
+                          </a:solidFill>
+                          <a:effectLst/>
+                          <a:latin typeface="Calibri" pitchFamily="34" charset="0"/>
+                          <a:cs typeface="Arial" charset="0"/>
+                        </a:rPr>
+                        <a:t>Execute</a:t>
+                      </a:r>
+                      <a:r>
+                        <a:rPr kumimoji="0" lang="fr-FR" sz="1200" b="0" i="0" u="none" strike="noStrike" cap="none" normalizeH="0" baseline="0" dirty="0" smtClean="0">
+                          <a:ln>
+                            <a:noFill/>
+                          </a:ln>
+                          <a:solidFill>
+                            <a:schemeClr val="tx1"/>
+                          </a:solidFill>
+                          <a:effectLst/>
+                          <a:latin typeface="Calibri" pitchFamily="34" charset="0"/>
+                          <a:cs typeface="Arial" charset="0"/>
+                        </a:rPr>
+                        <a:t> command </a:t>
+                      </a:r>
+                      <a:r>
+                        <a:rPr kumimoji="0" lang="fr-FR" sz="1200" b="0" i="0" u="none" strike="noStrike" cap="none" normalizeH="0" baseline="0" dirty="0" err="1" smtClean="0">
+                          <a:ln>
+                            <a:noFill/>
+                          </a:ln>
+                          <a:solidFill>
+                            <a:schemeClr val="tx1"/>
+                          </a:solidFill>
+                          <a:effectLst/>
+                          <a:latin typeface="Calibri" pitchFamily="34" charset="0"/>
+                          <a:cs typeface="Arial" charset="0"/>
+                        </a:rPr>
+                        <a:t>from</a:t>
+                      </a:r>
+                      <a:r>
+                        <a:rPr kumimoji="0" lang="fr-FR" sz="1200" b="0" i="0" u="none" strike="noStrike" cap="none" normalizeH="0" baseline="0" dirty="0" smtClean="0">
+                          <a:ln>
+                            <a:noFill/>
+                          </a:ln>
+                          <a:solidFill>
+                            <a:schemeClr val="tx1"/>
+                          </a:solidFill>
+                          <a:effectLst/>
+                          <a:latin typeface="Calibri" pitchFamily="34" charset="0"/>
+                          <a:cs typeface="Arial" charset="0"/>
+                        </a:rPr>
+                        <a:t> </a:t>
+                      </a:r>
+                      <a:r>
+                        <a:rPr kumimoji="0" lang="fr-FR" sz="1200" b="0" i="0" u="none" strike="noStrike" cap="none" normalizeH="0" baseline="0" dirty="0" err="1" smtClean="0">
+                          <a:ln>
+                            <a:noFill/>
+                          </a:ln>
+                          <a:solidFill>
+                            <a:schemeClr val="tx1"/>
+                          </a:solidFill>
+                          <a:effectLst/>
+                          <a:latin typeface="Calibri" pitchFamily="34" charset="0"/>
+                          <a:cs typeface="Arial" charset="0"/>
+                        </a:rPr>
+                        <a:t>TaskMain</a:t>
                       </a:r>
                       <a:endParaRPr kumimoji="0" lang="fr-FR" sz="1200" b="0" i="0" u="none" strike="noStrike" cap="none" normalizeH="0" baseline="0" dirty="0" smtClean="0">
                         <a:ln>
@@ -3802,246 +4253,6 @@
                         <a:latin typeface="Calibri" pitchFamily="34" charset="0"/>
                         <a:cs typeface="Arial" charset="0"/>
                       </a:endParaRPr>
-                    </a:p>
-                  </a:txBody>
-                  <a:tcPr horzOverflow="overflow">
-                    <a:lnL w="12700" cap="flat" cmpd="sng" algn="ctr">
-                      <a:solidFill>
-                        <a:schemeClr val="tx1"/>
-                      </a:solidFill>
-                      <a:prstDash val="solid"/>
-                      <a:round/>
-                      <a:headEnd type="none" w="med" len="med"/>
-                      <a:tailEnd type="none" w="med" len="med"/>
-                    </a:lnL>
-                    <a:lnR w="12700" cap="flat" cmpd="sng" algn="ctr">
-                      <a:solidFill>
-                        <a:schemeClr val="tx1"/>
-                      </a:solidFill>
-                      <a:prstDash val="solid"/>
-                      <a:round/>
-                      <a:headEnd type="none" w="med" len="med"/>
-                      <a:tailEnd type="none" w="med" len="med"/>
-                    </a:lnR>
-                    <a:lnT w="12700" cap="flat" cmpd="sng" algn="ctr">
-                      <a:solidFill>
-                        <a:schemeClr val="tx1"/>
-                      </a:solidFill>
-                      <a:prstDash val="solid"/>
-                      <a:round/>
-                      <a:headEnd type="none" w="med" len="med"/>
-                      <a:tailEnd type="none" w="med" len="med"/>
-                    </a:lnT>
-                    <a:lnB w="12700" cap="flat" cmpd="sng" algn="ctr">
-                      <a:solidFill>
-                        <a:schemeClr val="tx1"/>
-                      </a:solidFill>
-                      <a:prstDash val="solid"/>
-                      <a:round/>
-                      <a:headEnd type="none" w="med" len="med"/>
-                      <a:tailEnd type="none" w="med" len="med"/>
-                    </a:lnB>
-                    <a:lnTlToBr>
-                      <a:noFill/>
-                    </a:lnTlToBr>
-                    <a:lnBlToTr>
-                      <a:noFill/>
-                    </a:lnBlToTr>
-                    <a:noFill/>
-                  </a:tcPr>
-                </a:tc>
-              </a:tr>
-            </a:tbl>
-          </a:graphicData>
-        </a:graphic>
-      </p:graphicFrame>
-      <p:graphicFrame>
-        <p:nvGraphicFramePr>
-          <p:cNvPr id="6" name="Tableau 5"/>
-          <p:cNvGraphicFramePr>
-            <a:graphicFrameLocks noGrp="1"/>
-          </p:cNvGraphicFramePr>
-          <p:nvPr/>
-        </p:nvGraphicFramePr>
-        <p:xfrm>
-          <a:off x="7019925" y="981075"/>
-          <a:ext cx="1660525" cy="1540193"/>
-        </p:xfrm>
-        <a:graphic>
-          <a:graphicData uri="http://schemas.openxmlformats.org/drawingml/2006/table">
-            <a:tbl>
-              <a:tblPr/>
-              <a:tblGrid>
-                <a:gridCol w="1660525"/>
-              </a:tblGrid>
-              <a:tr h="250825">
-                <a:tc>
-                  <a:txBody>
-                    <a:bodyPr/>
-                    <a:lstStyle/>
-                    <a:p>
-                      <a:pPr marL="0" marR="0" lvl="0" indent="0" algn="ctr" defTabSz="914400" rtl="0" eaLnBrk="1" fontAlgn="base" latinLnBrk="0" hangingPunct="1">
-                        <a:lnSpc>
-                          <a:spcPct val="100000"/>
-                        </a:lnSpc>
-                        <a:spcBef>
-                          <a:spcPct val="0"/>
-                        </a:spcBef>
-                        <a:spcAft>
-                          <a:spcPct val="0"/>
-                        </a:spcAft>
-                        <a:buClrTx/>
-                        <a:buSzTx/>
-                        <a:buFontTx/>
-                        <a:buNone/>
-                        <a:tabLst/>
-                      </a:pPr>
-                      <a:r>
-                        <a:rPr kumimoji="0" lang="fr-FR" sz="1600" b="1" i="0" u="none" strike="noStrike" cap="none" normalizeH="0" baseline="0" smtClean="0">
-                          <a:ln>
-                            <a:noFill/>
-                          </a:ln>
-                          <a:solidFill>
-                            <a:schemeClr val="tx1"/>
-                          </a:solidFill>
-                          <a:effectLst/>
-                          <a:latin typeface="Calibri" pitchFamily="34" charset="0"/>
-                          <a:cs typeface="Arial" charset="0"/>
-                        </a:rPr>
-                        <a:t>TaskSensors</a:t>
-                      </a:r>
-                    </a:p>
-                  </a:txBody>
-                  <a:tcPr horzOverflow="overflow">
-                    <a:lnL w="12700" cap="flat" cmpd="sng" algn="ctr">
-                      <a:solidFill>
-                        <a:schemeClr val="tx1"/>
-                      </a:solidFill>
-                      <a:prstDash val="solid"/>
-                      <a:round/>
-                      <a:headEnd type="none" w="med" len="med"/>
-                      <a:tailEnd type="none" w="med" len="med"/>
-                    </a:lnL>
-                    <a:lnR w="12700" cap="flat" cmpd="sng" algn="ctr">
-                      <a:solidFill>
-                        <a:schemeClr val="tx1"/>
-                      </a:solidFill>
-                      <a:prstDash val="solid"/>
-                      <a:round/>
-                      <a:headEnd type="none" w="med" len="med"/>
-                      <a:tailEnd type="none" w="med" len="med"/>
-                    </a:lnR>
-                    <a:lnT w="12700" cap="flat" cmpd="sng" algn="ctr">
-                      <a:solidFill>
-                        <a:schemeClr val="tx1"/>
-                      </a:solidFill>
-                      <a:prstDash val="solid"/>
-                      <a:round/>
-                      <a:headEnd type="none" w="med" len="med"/>
-                      <a:tailEnd type="none" w="med" len="med"/>
-                    </a:lnT>
-                    <a:lnB w="12700" cap="flat" cmpd="sng" algn="ctr">
-                      <a:solidFill>
-                        <a:schemeClr val="tx1"/>
-                      </a:solidFill>
-                      <a:prstDash val="solid"/>
-                      <a:round/>
-                      <a:headEnd type="none" w="med" len="med"/>
-                      <a:tailEnd type="none" w="med" len="med"/>
-                    </a:lnB>
-                    <a:lnTlToBr>
-                      <a:noFill/>
-                    </a:lnTlToBr>
-                    <a:lnBlToTr>
-                      <a:noFill/>
-                    </a:lnBlToTr>
-                    <a:gradFill rotWithShape="1">
-                      <a:gsLst>
-                        <a:gs pos="0">
-                          <a:srgbClr val="83D3FF"/>
-                        </a:gs>
-                        <a:gs pos="50000">
-                          <a:srgbClr val="B5E2FF"/>
-                        </a:gs>
-                        <a:gs pos="100000">
-                          <a:srgbClr val="DBF0FF"/>
-                        </a:gs>
-                      </a:gsLst>
-                      <a:path path="rect">
-                        <a:fillToRect l="50000" t="50000" r="50000" b="50000"/>
-                      </a:path>
-                    </a:gradFill>
-                  </a:tcPr>
-                </a:tc>
-              </a:tr>
-              <a:tr h="1204913">
-                <a:tc>
-                  <a:txBody>
-                    <a:bodyPr/>
-                    <a:lstStyle/>
-                    <a:p>
-                      <a:pPr marL="0" marR="0" lvl="0" indent="0" algn="ctr" defTabSz="914400" rtl="0" eaLnBrk="1" fontAlgn="base" latinLnBrk="0" hangingPunct="1">
-                        <a:lnSpc>
-                          <a:spcPct val="100000"/>
-                        </a:lnSpc>
-                        <a:spcBef>
-                          <a:spcPct val="0"/>
-                        </a:spcBef>
-                        <a:spcAft>
-                          <a:spcPct val="0"/>
-                        </a:spcAft>
-                        <a:buClrTx/>
-                        <a:buSzTx/>
-                        <a:buFontTx/>
-                        <a:buChar char="-"/>
-                        <a:tabLst/>
-                      </a:pPr>
-                      <a:r>
-                        <a:rPr kumimoji="0" lang="fr-FR" sz="1200" b="0" i="0" u="none" strike="noStrike" cap="none" normalizeH="0" baseline="0" smtClean="0">
-                          <a:ln>
-                            <a:noFill/>
-                          </a:ln>
-                          <a:solidFill>
-                            <a:schemeClr val="tx1"/>
-                          </a:solidFill>
-                          <a:effectLst/>
-                          <a:latin typeface="Calibri" pitchFamily="34" charset="0"/>
-                          <a:cs typeface="Arial" charset="0"/>
-                        </a:rPr>
-                        <a:t> Set or Clear Bumpers flags according to sensors state</a:t>
-                      </a:r>
-                    </a:p>
-                    <a:p>
-                      <a:pPr marL="0" marR="0" lvl="0" indent="0" algn="ctr" defTabSz="914400" rtl="0" eaLnBrk="1" fontAlgn="base" latinLnBrk="0" hangingPunct="1">
-                        <a:lnSpc>
-                          <a:spcPct val="100000"/>
-                        </a:lnSpc>
-                        <a:spcBef>
-                          <a:spcPct val="0"/>
-                        </a:spcBef>
-                        <a:spcAft>
-                          <a:spcPct val="0"/>
-                        </a:spcAft>
-                        <a:buClrTx/>
-                        <a:buSzTx/>
-                        <a:buFontTx/>
-                        <a:buChar char="-"/>
-                        <a:tabLst/>
-                      </a:pPr>
-                      <a:r>
-                        <a:rPr kumimoji="0" lang="fr-FR" sz="1200" b="0" i="0" u="none" strike="noStrike" cap="none" normalizeH="0" baseline="0" smtClean="0">
-                          <a:ln>
-                            <a:noFill/>
-                          </a:ln>
-                          <a:solidFill>
-                            <a:schemeClr val="tx1"/>
-                          </a:solidFill>
-                          <a:effectLst/>
-                          <a:latin typeface="Calibri" pitchFamily="34" charset="0"/>
-                          <a:cs typeface="Arial" charset="0"/>
-                        </a:rPr>
-                        <a:t> Execute command from TaskMain</a:t>
-                      </a:r>
                     </a:p>
                   </a:txBody>
                   <a:tcPr horzOverflow="overflow">
@@ -4730,2045 +4941,6 @@
                         </a:rPr>
                         <a:t>- Wait 90s and set TIMER_STATUS</a:t>
                       </a:r>
-                    </a:p>
-                  </a:txBody>
-                  <a:tcPr horzOverflow="overflow">
-                    <a:lnL w="12700" cap="flat" cmpd="sng" algn="ctr">
-                      <a:solidFill>
-                        <a:schemeClr val="tx1"/>
-                      </a:solidFill>
-                      <a:prstDash val="solid"/>
-                      <a:round/>
-                      <a:headEnd type="none" w="med" len="med"/>
-                      <a:tailEnd type="none" w="med" len="med"/>
-                    </a:lnL>
-                    <a:lnR w="12700" cap="flat" cmpd="sng" algn="ctr">
-                      <a:solidFill>
-                        <a:schemeClr val="tx1"/>
-                      </a:solidFill>
-                      <a:prstDash val="solid"/>
-                      <a:round/>
-                      <a:headEnd type="none" w="med" len="med"/>
-                      <a:tailEnd type="none" w="med" len="med"/>
-                    </a:lnR>
-                    <a:lnT w="12700" cap="flat" cmpd="sng" algn="ctr">
-                      <a:solidFill>
-                        <a:schemeClr val="tx1"/>
-                      </a:solidFill>
-                      <a:prstDash val="solid"/>
-                      <a:round/>
-                      <a:headEnd type="none" w="med" len="med"/>
-                      <a:tailEnd type="none" w="med" len="med"/>
-                    </a:lnT>
-                    <a:lnB w="12700" cap="flat" cmpd="sng" algn="ctr">
-                      <a:solidFill>
-                        <a:schemeClr val="tx1"/>
-                      </a:solidFill>
-                      <a:prstDash val="solid"/>
-                      <a:round/>
-                      <a:headEnd type="none" w="med" len="med"/>
-                      <a:tailEnd type="none" w="med" len="med"/>
-                    </a:lnB>
-                    <a:lnTlToBr>
-                      <a:noFill/>
-                    </a:lnTlToBr>
-                    <a:lnBlToTr>
-                      <a:noFill/>
-                    </a:lnBlToTr>
-                    <a:noFill/>
-                  </a:tcPr>
-                </a:tc>
-              </a:tr>
-            </a:tbl>
-          </a:graphicData>
-        </a:graphic>
-      </p:graphicFrame>
-      <p:graphicFrame>
-        <p:nvGraphicFramePr>
-          <p:cNvPr id="11" name="Tableau 10"/>
-          <p:cNvGraphicFramePr>
-            <a:graphicFrameLocks noGrp="1"/>
-          </p:cNvGraphicFramePr>
-          <p:nvPr/>
-        </p:nvGraphicFramePr>
-        <p:xfrm>
-          <a:off x="6584950" y="2997200"/>
-          <a:ext cx="1947863" cy="1540193"/>
-        </p:xfrm>
-        <a:graphic>
-          <a:graphicData uri="http://schemas.openxmlformats.org/drawingml/2006/table">
-            <a:tbl>
-              <a:tblPr/>
-              <a:tblGrid>
-                <a:gridCol w="1947863"/>
-              </a:tblGrid>
-              <a:tr h="250825">
-                <a:tc>
-                  <a:txBody>
-                    <a:bodyPr/>
-                    <a:lstStyle/>
-                    <a:p>
-                      <a:pPr marL="0" marR="0" lvl="0" indent="0" algn="ctr" defTabSz="914400" rtl="0" eaLnBrk="1" fontAlgn="base" latinLnBrk="0" hangingPunct="1">
-                        <a:lnSpc>
-                          <a:spcPct val="100000"/>
-                        </a:lnSpc>
-                        <a:spcBef>
-                          <a:spcPct val="0"/>
-                        </a:spcBef>
-                        <a:spcAft>
-                          <a:spcPct val="0"/>
-                        </a:spcAft>
-                        <a:buClrTx/>
-                        <a:buSzTx/>
-                        <a:buFontTx/>
-                        <a:buNone/>
-                        <a:tabLst/>
-                      </a:pPr>
-                      <a:r>
-                        <a:rPr kumimoji="0" lang="fr-FR" sz="1600" b="1" i="0" u="none" strike="noStrike" cap="none" normalizeH="0" baseline="0" smtClean="0">
-                          <a:ln>
-                            <a:noFill/>
-                          </a:ln>
-                          <a:solidFill>
-                            <a:schemeClr val="tx1"/>
-                          </a:solidFill>
-                          <a:effectLst/>
-                          <a:latin typeface="Calibri" pitchFamily="34" charset="0"/>
-                          <a:cs typeface="Arial" charset="0"/>
-                        </a:rPr>
-                        <a:t>QSensors</a:t>
-                      </a:r>
-                    </a:p>
-                  </a:txBody>
-                  <a:tcPr horzOverflow="overflow">
-                    <a:lnL w="12700" cap="flat" cmpd="sng" algn="ctr">
-                      <a:solidFill>
-                        <a:schemeClr val="tx1"/>
-                      </a:solidFill>
-                      <a:prstDash val="solid"/>
-                      <a:round/>
-                      <a:headEnd type="none" w="med" len="med"/>
-                      <a:tailEnd type="none" w="med" len="med"/>
-                    </a:lnL>
-                    <a:lnR w="12700" cap="flat" cmpd="sng" algn="ctr">
-                      <a:solidFill>
-                        <a:schemeClr val="tx1"/>
-                      </a:solidFill>
-                      <a:prstDash val="solid"/>
-                      <a:round/>
-                      <a:headEnd type="none" w="med" len="med"/>
-                      <a:tailEnd type="none" w="med" len="med"/>
-                    </a:lnR>
-                    <a:lnT w="12700" cap="flat" cmpd="sng" algn="ctr">
-                      <a:solidFill>
-                        <a:schemeClr val="tx1"/>
-                      </a:solidFill>
-                      <a:prstDash val="solid"/>
-                      <a:round/>
-                      <a:headEnd type="none" w="med" len="med"/>
-                      <a:tailEnd type="none" w="med" len="med"/>
-                    </a:lnT>
-                    <a:lnB w="12700" cap="flat" cmpd="sng" algn="ctr">
-                      <a:solidFill>
-                        <a:schemeClr val="tx1"/>
-                      </a:solidFill>
-                      <a:prstDash val="solid"/>
-                      <a:round/>
-                      <a:headEnd type="none" w="med" len="med"/>
-                      <a:tailEnd type="none" w="med" len="med"/>
-                    </a:lnB>
-                    <a:lnTlToBr>
-                      <a:noFill/>
-                    </a:lnTlToBr>
-                    <a:lnBlToTr>
-                      <a:noFill/>
-                    </a:lnBlToTr>
-                    <a:gradFill rotWithShape="1">
-                      <a:gsLst>
-                        <a:gs pos="0">
-                          <a:srgbClr val="FF8080"/>
-                        </a:gs>
-                        <a:gs pos="50000">
-                          <a:srgbClr val="FFB3B3"/>
-                        </a:gs>
-                        <a:gs pos="100000">
-                          <a:srgbClr val="FFDADA"/>
-                        </a:gs>
-                      </a:gsLst>
-                      <a:path path="rect">
-                        <a:fillToRect l="50000" t="50000" r="50000" b="50000"/>
-                      </a:path>
-                    </a:gradFill>
-                  </a:tcPr>
-                </a:tc>
-              </a:tr>
-              <a:tr h="1204913">
-                <a:tc>
-                  <a:txBody>
-                    <a:bodyPr/>
-                    <a:lstStyle/>
-                    <a:p>
-                      <a:pPr marL="0" marR="0" lvl="0" indent="0" algn="ctr" defTabSz="914400" rtl="0" eaLnBrk="1" fontAlgn="base" latinLnBrk="0" hangingPunct="1">
-                        <a:lnSpc>
-                          <a:spcPct val="100000"/>
-                        </a:lnSpc>
-                        <a:spcBef>
-                          <a:spcPct val="0"/>
-                        </a:spcBef>
-                        <a:spcAft>
-                          <a:spcPct val="0"/>
-                        </a:spcAft>
-                        <a:buClrTx/>
-                        <a:buSzTx/>
-                        <a:buFontTx/>
-                        <a:buChar char="-"/>
-                        <a:tabLst/>
-                      </a:pPr>
-                      <a:r>
-                        <a:rPr kumimoji="0" lang="fr-FR" sz="1200" b="0" i="0" u="none" strike="noStrike" cap="none" normalizeH="0" baseline="0" dirty="0" smtClean="0">
-                          <a:ln>
-                            <a:noFill/>
-                          </a:ln>
-                          <a:solidFill>
-                            <a:schemeClr val="tx1"/>
-                          </a:solidFill>
-                          <a:effectLst/>
-                          <a:latin typeface="Calibri" pitchFamily="34" charset="0"/>
-                          <a:cs typeface="Arial" charset="0"/>
-                        </a:rPr>
-                        <a:t>Queue </a:t>
-                      </a:r>
-                      <a:r>
-                        <a:rPr kumimoji="0" lang="fr-FR" sz="1200" b="0" i="0" u="none" strike="noStrike" cap="none" normalizeH="0" baseline="0" dirty="0" err="1" smtClean="0">
-                          <a:ln>
-                            <a:noFill/>
-                          </a:ln>
-                          <a:solidFill>
-                            <a:schemeClr val="tx1"/>
-                          </a:solidFill>
-                          <a:effectLst/>
-                          <a:latin typeface="Calibri" pitchFamily="34" charset="0"/>
-                          <a:cs typeface="Arial" charset="0"/>
-                        </a:rPr>
-                        <a:t>used</a:t>
-                      </a:r>
-                      <a:r>
-                        <a:rPr kumimoji="0" lang="fr-FR" sz="1200" b="0" i="0" u="none" strike="noStrike" cap="none" normalizeH="0" baseline="0" dirty="0" smtClean="0">
-                          <a:ln>
-                            <a:noFill/>
-                          </a:ln>
-                          <a:solidFill>
-                            <a:schemeClr val="tx1"/>
-                          </a:solidFill>
-                          <a:effectLst/>
-                          <a:latin typeface="Calibri" pitchFamily="34" charset="0"/>
-                          <a:cs typeface="Arial" charset="0"/>
-                        </a:rPr>
-                        <a:t> to </a:t>
-                      </a:r>
-                      <a:r>
-                        <a:rPr kumimoji="0" lang="fr-FR" sz="1200" b="0" i="0" u="none" strike="noStrike" cap="none" normalizeH="0" baseline="0" dirty="0" err="1" smtClean="0">
-                          <a:ln>
-                            <a:noFill/>
-                          </a:ln>
-                          <a:solidFill>
-                            <a:schemeClr val="tx1"/>
-                          </a:solidFill>
-                          <a:effectLst/>
-                          <a:latin typeface="Calibri" pitchFamily="34" charset="0"/>
-                          <a:cs typeface="Arial" charset="0"/>
-                        </a:rPr>
-                        <a:t>send</a:t>
-                      </a:r>
-                      <a:r>
-                        <a:rPr kumimoji="0" lang="fr-FR" sz="1200" b="0" i="0" u="none" strike="noStrike" cap="none" normalizeH="0" baseline="0" dirty="0" smtClean="0">
-                          <a:ln>
-                            <a:noFill/>
-                          </a:ln>
-                          <a:solidFill>
-                            <a:schemeClr val="tx1"/>
-                          </a:solidFill>
-                          <a:effectLst/>
-                          <a:latin typeface="Calibri" pitchFamily="34" charset="0"/>
-                          <a:cs typeface="Arial" charset="0"/>
-                        </a:rPr>
-                        <a:t> command </a:t>
-                      </a:r>
-                      <a:r>
-                        <a:rPr kumimoji="0" lang="fr-FR" sz="1200" b="0" i="0" u="none" strike="noStrike" cap="none" normalizeH="0" baseline="0" dirty="0" err="1" smtClean="0">
-                          <a:ln>
-                            <a:noFill/>
-                          </a:ln>
-                          <a:solidFill>
-                            <a:schemeClr val="tx1"/>
-                          </a:solidFill>
-                          <a:effectLst/>
-                          <a:latin typeface="Calibri" pitchFamily="34" charset="0"/>
-                          <a:cs typeface="Arial" charset="0"/>
-                        </a:rPr>
-                        <a:t>from</a:t>
-                      </a:r>
-                      <a:r>
-                        <a:rPr kumimoji="0" lang="fr-FR" sz="1200" b="0" i="0" u="none" strike="noStrike" cap="none" normalizeH="0" baseline="0" dirty="0" smtClean="0">
-                          <a:ln>
-                            <a:noFill/>
-                          </a:ln>
-                          <a:solidFill>
-                            <a:schemeClr val="tx1"/>
-                          </a:solidFill>
-                          <a:effectLst/>
-                          <a:latin typeface="Calibri" pitchFamily="34" charset="0"/>
-                          <a:cs typeface="Arial" charset="0"/>
-                        </a:rPr>
-                        <a:t> </a:t>
-                      </a:r>
-                      <a:r>
-                        <a:rPr kumimoji="0" lang="fr-FR" sz="1200" b="0" i="0" u="none" strike="noStrike" cap="none" normalizeH="0" baseline="0" dirty="0" err="1" smtClean="0">
-                          <a:ln>
-                            <a:noFill/>
-                          </a:ln>
-                          <a:solidFill>
-                            <a:schemeClr val="tx1"/>
-                          </a:solidFill>
-                          <a:effectLst/>
-                          <a:latin typeface="Calibri" pitchFamily="34" charset="0"/>
-                          <a:cs typeface="Arial" charset="0"/>
-                        </a:rPr>
-                        <a:t>TaskMain</a:t>
-                      </a:r>
-                      <a:r>
-                        <a:rPr kumimoji="0" lang="fr-FR" sz="1200" b="0" i="0" u="none" strike="noStrike" cap="none" normalizeH="0" baseline="0" dirty="0" smtClean="0">
-                          <a:ln>
-                            <a:noFill/>
-                          </a:ln>
-                          <a:solidFill>
-                            <a:schemeClr val="tx1"/>
-                          </a:solidFill>
-                          <a:effectLst/>
-                          <a:latin typeface="Calibri" pitchFamily="34" charset="0"/>
-                          <a:cs typeface="Arial" charset="0"/>
-                        </a:rPr>
-                        <a:t> to </a:t>
-                      </a:r>
-                      <a:r>
-                        <a:rPr kumimoji="0" lang="fr-FR" sz="1200" b="0" i="0" u="none" strike="noStrike" cap="none" normalizeH="0" baseline="0" dirty="0" err="1" smtClean="0">
-                          <a:ln>
-                            <a:noFill/>
-                          </a:ln>
-                          <a:solidFill>
-                            <a:schemeClr val="tx1"/>
-                          </a:solidFill>
-                          <a:effectLst/>
-                          <a:latin typeface="Calibri" pitchFamily="34" charset="0"/>
-                          <a:cs typeface="Arial" charset="0"/>
-                        </a:rPr>
-                        <a:t>TaskSensor</a:t>
-                      </a:r>
-                      <a:endParaRPr kumimoji="0" lang="fr-FR" sz="1200" b="0" i="0" u="none" strike="noStrike" cap="none" normalizeH="0" baseline="0" dirty="0" smtClean="0">
-                        <a:ln>
-                          <a:noFill/>
-                        </a:ln>
-                        <a:solidFill>
-                          <a:schemeClr val="tx1"/>
-                        </a:solidFill>
-                        <a:effectLst/>
-                        <a:latin typeface="Calibri" pitchFamily="34" charset="0"/>
-                        <a:cs typeface="Arial" charset="0"/>
-                      </a:endParaRPr>
-                    </a:p>
-                    <a:p>
-                      <a:pPr marL="0" marR="0" lvl="0" indent="0" algn="ctr" defTabSz="914400" rtl="0" eaLnBrk="1" fontAlgn="base" latinLnBrk="0" hangingPunct="1">
-                        <a:lnSpc>
-                          <a:spcPct val="100000"/>
-                        </a:lnSpc>
-                        <a:spcBef>
-                          <a:spcPct val="0"/>
-                        </a:spcBef>
-                        <a:spcAft>
-                          <a:spcPct val="0"/>
-                        </a:spcAft>
-                        <a:buClrTx/>
-                        <a:buSzTx/>
-                        <a:buFontTx/>
-                        <a:buChar char="-"/>
-                        <a:tabLst/>
-                      </a:pPr>
-                      <a:r>
-                        <a:rPr kumimoji="0" lang="fr-FR" sz="1200" b="0" i="0" u="none" strike="noStrike" cap="none" normalizeH="0" baseline="0" dirty="0" smtClean="0">
-                          <a:ln>
-                            <a:noFill/>
-                          </a:ln>
-                          <a:solidFill>
-                            <a:schemeClr val="tx1"/>
-                          </a:solidFill>
-                          <a:effectLst/>
-                          <a:latin typeface="Calibri" pitchFamily="34" charset="0"/>
-                          <a:cs typeface="Arial" charset="0"/>
-                        </a:rPr>
-                        <a:t> </a:t>
-                      </a:r>
-                      <a:r>
-                        <a:rPr kumimoji="0" lang="fr-FR" sz="1200" b="0" i="0" u="none" strike="noStrike" cap="none" normalizeH="0" baseline="0" dirty="0" err="1" smtClean="0">
-                          <a:ln>
-                            <a:noFill/>
-                          </a:ln>
-                          <a:solidFill>
-                            <a:schemeClr val="tx1"/>
-                          </a:solidFill>
-                          <a:effectLst/>
-                          <a:latin typeface="Calibri" pitchFamily="34" charset="0"/>
-                          <a:cs typeface="Arial" charset="0"/>
-                        </a:rPr>
-                        <a:t>Results</a:t>
-                      </a:r>
-                      <a:r>
-                        <a:rPr kumimoji="0" lang="fr-FR" sz="1200" b="0" i="0" u="none" strike="noStrike" cap="none" normalizeH="0" baseline="0" dirty="0" smtClean="0">
-                          <a:ln>
-                            <a:noFill/>
-                          </a:ln>
-                          <a:solidFill>
-                            <a:schemeClr val="tx1"/>
-                          </a:solidFill>
-                          <a:effectLst/>
-                          <a:latin typeface="Calibri" pitchFamily="34" charset="0"/>
-                          <a:cs typeface="Arial" charset="0"/>
-                        </a:rPr>
-                        <a:t> are sent by </a:t>
-                      </a:r>
-                      <a:r>
-                        <a:rPr kumimoji="0" lang="fr-FR" sz="1200" b="0" i="0" u="none" strike="noStrike" cap="none" normalizeH="0" baseline="0" dirty="0" err="1" smtClean="0">
-                          <a:ln>
-                            <a:noFill/>
-                          </a:ln>
-                          <a:solidFill>
-                            <a:schemeClr val="tx1"/>
-                          </a:solidFill>
-                          <a:effectLst/>
-                          <a:latin typeface="Calibri" pitchFamily="34" charset="0"/>
-                          <a:cs typeface="Arial" charset="0"/>
-                        </a:rPr>
-                        <a:t>using</a:t>
-                      </a:r>
-                      <a:r>
-                        <a:rPr kumimoji="0" lang="fr-FR" sz="1200" b="0" i="0" u="none" strike="noStrike" cap="none" normalizeH="0" baseline="0" dirty="0" smtClean="0">
-                          <a:ln>
-                            <a:noFill/>
-                          </a:ln>
-                          <a:solidFill>
-                            <a:schemeClr val="tx1"/>
-                          </a:solidFill>
-                          <a:effectLst/>
-                          <a:latin typeface="Calibri" pitchFamily="34" charset="0"/>
-                          <a:cs typeface="Arial" charset="0"/>
-                        </a:rPr>
-                        <a:t> ACTION_STATUS Flag</a:t>
-                      </a:r>
-                    </a:p>
-                  </a:txBody>
-                  <a:tcPr horzOverflow="overflow">
-                    <a:lnL w="12700" cap="flat" cmpd="sng" algn="ctr">
-                      <a:solidFill>
-                        <a:schemeClr val="tx1"/>
-                      </a:solidFill>
-                      <a:prstDash val="solid"/>
-                      <a:round/>
-                      <a:headEnd type="none" w="med" len="med"/>
-                      <a:tailEnd type="none" w="med" len="med"/>
-                    </a:lnL>
-                    <a:lnR w="12700" cap="flat" cmpd="sng" algn="ctr">
-                      <a:solidFill>
-                        <a:schemeClr val="tx1"/>
-                      </a:solidFill>
-                      <a:prstDash val="solid"/>
-                      <a:round/>
-                      <a:headEnd type="none" w="med" len="med"/>
-                      <a:tailEnd type="none" w="med" len="med"/>
-                    </a:lnR>
-                    <a:lnT w="12700" cap="flat" cmpd="sng" algn="ctr">
-                      <a:solidFill>
-                        <a:schemeClr val="tx1"/>
-                      </a:solidFill>
-                      <a:prstDash val="solid"/>
-                      <a:round/>
-                      <a:headEnd type="none" w="med" len="med"/>
-                      <a:tailEnd type="none" w="med" len="med"/>
-                    </a:lnT>
-                    <a:lnB w="12700" cap="flat" cmpd="sng" algn="ctr">
-                      <a:solidFill>
-                        <a:schemeClr val="tx1"/>
-                      </a:solidFill>
-                      <a:prstDash val="solid"/>
-                      <a:round/>
-                      <a:headEnd type="none" w="med" len="med"/>
-                      <a:tailEnd type="none" w="med" len="med"/>
-                    </a:lnB>
-                    <a:lnTlToBr>
-                      <a:noFill/>
-                    </a:lnTlToBr>
-                    <a:lnBlToTr>
-                      <a:noFill/>
-                    </a:lnBlToTr>
-                    <a:noFill/>
-                  </a:tcPr>
-                </a:tc>
-              </a:tr>
-            </a:tbl>
-          </a:graphicData>
-        </a:graphic>
-      </p:graphicFrame>
-      <p:graphicFrame>
-        <p:nvGraphicFramePr>
-          <p:cNvPr id="13408" name="Group 96"/>
-          <p:cNvGraphicFramePr>
-            <a:graphicFrameLocks noGrp="1"/>
-          </p:cNvGraphicFramePr>
-          <p:nvPr>
-            <p:extLst>
-              <p:ext uri="{D42A27DB-BD31-4B8C-83A1-F6EECF244321}">
-                <p14:modId xmlns:p14="http://schemas.microsoft.com/office/powerpoint/2010/main" val="1230071322"/>
-              </p:ext>
-            </p:extLst>
-          </p:nvPr>
-        </p:nvGraphicFramePr>
-        <p:xfrm>
-          <a:off x="2916238" y="4868863"/>
-          <a:ext cx="5759450" cy="1706880"/>
-        </p:xfrm>
-        <a:graphic>
-          <a:graphicData uri="http://schemas.openxmlformats.org/drawingml/2006/table">
-            <a:tbl>
-              <a:tblPr/>
-              <a:tblGrid>
-                <a:gridCol w="1439862"/>
-                <a:gridCol w="1439863"/>
-                <a:gridCol w="1439862"/>
-                <a:gridCol w="1439863"/>
-              </a:tblGrid>
-              <a:tr h="250825">
-                <a:tc gridSpan="4">
-                  <a:txBody>
-                    <a:bodyPr/>
-                    <a:lstStyle/>
-                    <a:p>
-                      <a:pPr marL="0" marR="0" lvl="0" indent="0" algn="ctr" defTabSz="914400" rtl="0" eaLnBrk="1" fontAlgn="base" latinLnBrk="0" hangingPunct="1">
-                        <a:lnSpc>
-                          <a:spcPct val="100000"/>
-                        </a:lnSpc>
-                        <a:spcBef>
-                          <a:spcPct val="0"/>
-                        </a:spcBef>
-                        <a:spcAft>
-                          <a:spcPct val="0"/>
-                        </a:spcAft>
-                        <a:buClrTx/>
-                        <a:buSzTx/>
-                        <a:buFontTx/>
-                        <a:buNone/>
-                        <a:tabLst/>
-                      </a:pPr>
-                      <a:r>
-                        <a:rPr kumimoji="0" lang="fr-FR" sz="1600" b="1" i="0" u="none" strike="noStrike" cap="none" normalizeH="0" baseline="0" dirty="0" smtClean="0">
-                          <a:ln>
-                            <a:noFill/>
-                          </a:ln>
-                          <a:solidFill>
-                            <a:schemeClr val="tx1"/>
-                          </a:solidFill>
-                          <a:effectLst/>
-                          <a:latin typeface="Calibri" pitchFamily="34" charset="0"/>
-                          <a:cs typeface="Arial" charset="0"/>
-                        </a:rPr>
-                        <a:t>App Flags (32 bits)</a:t>
-                      </a:r>
-                    </a:p>
-                  </a:txBody>
-                  <a:tcPr horzOverflow="overflow">
-                    <a:lnL w="12700" cap="flat" cmpd="sng" algn="ctr">
-                      <a:solidFill>
-                        <a:schemeClr val="tx1"/>
-                      </a:solidFill>
-                      <a:prstDash val="solid"/>
-                      <a:round/>
-                      <a:headEnd type="none" w="med" len="med"/>
-                      <a:tailEnd type="none" w="med" len="med"/>
-                    </a:lnL>
-                    <a:lnR w="12700" cap="flat" cmpd="sng" algn="ctr">
-                      <a:solidFill>
-                        <a:schemeClr val="tx1"/>
-                      </a:solidFill>
-                      <a:prstDash val="solid"/>
-                      <a:round/>
-                      <a:headEnd type="none" w="med" len="med"/>
-                      <a:tailEnd type="none" w="med" len="med"/>
-                    </a:lnR>
-                    <a:lnT w="12700" cap="flat" cmpd="sng" algn="ctr">
-                      <a:solidFill>
-                        <a:schemeClr val="tx1"/>
-                      </a:solidFill>
-                      <a:prstDash val="solid"/>
-                      <a:round/>
-                      <a:headEnd type="none" w="med" len="med"/>
-                      <a:tailEnd type="none" w="med" len="med"/>
-                    </a:lnT>
-                    <a:lnB w="12700" cap="flat" cmpd="sng" algn="ctr">
-                      <a:solidFill>
-                        <a:schemeClr val="tx1"/>
-                      </a:solidFill>
-                      <a:prstDash val="solid"/>
-                      <a:round/>
-                      <a:headEnd type="none" w="med" len="med"/>
-                      <a:tailEnd type="none" w="med" len="med"/>
-                    </a:lnB>
-                    <a:lnTlToBr>
-                      <a:noFill/>
-                    </a:lnTlToBr>
-                    <a:lnBlToTr>
-                      <a:noFill/>
-                    </a:lnBlToTr>
-                    <a:gradFill rotWithShape="1">
-                      <a:gsLst>
-                        <a:gs pos="0">
-                          <a:srgbClr val="FF8080"/>
-                        </a:gs>
-                        <a:gs pos="50000">
-                          <a:srgbClr val="FFB3B3"/>
-                        </a:gs>
-                        <a:gs pos="100000">
-                          <a:srgbClr val="FFDADA"/>
-                        </a:gs>
-                      </a:gsLst>
-                      <a:path path="rect">
-                        <a:fillToRect l="50000" t="50000" r="50000" b="50000"/>
-                      </a:path>
-                    </a:gradFill>
-                  </a:tcPr>
-                </a:tc>
-                <a:tc hMerge="1">
-                  <a:txBody>
-                    <a:bodyPr/>
-                    <a:lstStyle/>
-                    <a:p>
-                      <a:endParaRPr lang="fr-FR"/>
-                    </a:p>
-                  </a:txBody>
-                  <a:tcPr/>
-                </a:tc>
-                <a:tc hMerge="1">
-                  <a:txBody>
-                    <a:bodyPr/>
-                    <a:lstStyle/>
-                    <a:p>
-                      <a:endParaRPr lang="fr-FR"/>
-                    </a:p>
-                  </a:txBody>
-                  <a:tcPr/>
-                </a:tc>
-                <a:tc hMerge="1">
-                  <a:txBody>
-                    <a:bodyPr/>
-                    <a:lstStyle/>
-                    <a:p>
-                      <a:endParaRPr lang="fr-FR"/>
-                    </a:p>
-                  </a:txBody>
-                  <a:tcPr/>
-                </a:tc>
-              </a:tr>
-              <a:tr h="1204913">
-                <a:tc>
-                  <a:txBody>
-                    <a:bodyPr/>
-                    <a:lstStyle/>
-                    <a:p>
-                      <a:pPr marL="0" marR="0" lvl="0" indent="0" algn="ctr" defTabSz="914400" rtl="0" eaLnBrk="1" fontAlgn="base" latinLnBrk="0" hangingPunct="1">
-                        <a:lnSpc>
-                          <a:spcPct val="100000"/>
-                        </a:lnSpc>
-                        <a:spcBef>
-                          <a:spcPct val="0"/>
-                        </a:spcBef>
-                        <a:spcAft>
-                          <a:spcPct val="0"/>
-                        </a:spcAft>
-                        <a:buClrTx/>
-                        <a:buSzTx/>
-                        <a:buFontTx/>
-                        <a:buNone/>
-                        <a:tabLst/>
-                      </a:pPr>
-                      <a:r>
-                        <a:rPr kumimoji="0" lang="fr-FR" sz="1200" b="1" i="0" u="sng" strike="noStrike" cap="none" normalizeH="0" baseline="0" dirty="0" smtClean="0">
-                          <a:ln>
-                            <a:noFill/>
-                          </a:ln>
-                          <a:solidFill>
-                            <a:schemeClr val="tx1"/>
-                          </a:solidFill>
-                          <a:effectLst/>
-                          <a:latin typeface="Calibri" pitchFamily="34" charset="0"/>
-                          <a:cs typeface="Arial" charset="0"/>
-                        </a:rPr>
-                        <a:t>State</a:t>
-                      </a:r>
-                    </a:p>
-                    <a:p>
-                      <a:pPr marL="0" marR="0" lvl="0" indent="0" algn="l" defTabSz="914400" rtl="0" eaLnBrk="1" fontAlgn="base" latinLnBrk="0" hangingPunct="1">
-                        <a:lnSpc>
-                          <a:spcPct val="100000"/>
-                        </a:lnSpc>
-                        <a:spcBef>
-                          <a:spcPct val="0"/>
-                        </a:spcBef>
-                        <a:spcAft>
-                          <a:spcPct val="0"/>
-                        </a:spcAft>
-                        <a:buClrTx/>
-                        <a:buSzTx/>
-                        <a:buFontTx/>
-                        <a:buNone/>
-                        <a:tabLst/>
-                      </a:pPr>
-                      <a:r>
-                        <a:rPr kumimoji="0" lang="fr-FR" sz="900" b="0" i="0" u="none" strike="noStrike" cap="none" normalizeH="0" baseline="0" dirty="0" smtClean="0">
-                          <a:ln>
-                            <a:noFill/>
-                          </a:ln>
-                          <a:solidFill>
-                            <a:schemeClr val="tx1"/>
-                          </a:solidFill>
-                          <a:effectLst/>
-                          <a:latin typeface="Calibri" pitchFamily="34" charset="0"/>
-                          <a:cs typeface="Arial" charset="0"/>
-                        </a:rPr>
-                        <a:t>0 - START_BUTTON</a:t>
-                      </a:r>
-                    </a:p>
-                    <a:p>
-                      <a:pPr marL="0" marR="0" lvl="0" indent="0" algn="l" defTabSz="914400" rtl="0" eaLnBrk="1" fontAlgn="base" latinLnBrk="0" hangingPunct="1">
-                        <a:lnSpc>
-                          <a:spcPct val="100000"/>
-                        </a:lnSpc>
-                        <a:spcBef>
-                          <a:spcPct val="0"/>
-                        </a:spcBef>
-                        <a:spcAft>
-                          <a:spcPct val="0"/>
-                        </a:spcAft>
-                        <a:buClrTx/>
-                        <a:buSzTx/>
-                        <a:buFontTx/>
-                        <a:buNone/>
-                        <a:tabLst/>
-                      </a:pPr>
-                      <a:r>
-                        <a:rPr kumimoji="0" lang="fr-FR" sz="900" b="0" i="0" u="none" strike="noStrike" cap="none" normalizeH="0" baseline="0" dirty="0" smtClean="0">
-                          <a:ln>
-                            <a:noFill/>
-                          </a:ln>
-                          <a:solidFill>
-                            <a:schemeClr val="tx1"/>
-                          </a:solidFill>
-                          <a:effectLst/>
-                          <a:latin typeface="Calibri" pitchFamily="34" charset="0"/>
-                          <a:cs typeface="Arial" charset="0"/>
-                        </a:rPr>
-                        <a:t>1 - </a:t>
-                      </a:r>
-                    </a:p>
-                    <a:p>
-                      <a:pPr marL="0" marR="0" lvl="0" indent="0" algn="l" defTabSz="914400" rtl="0" eaLnBrk="1" fontAlgn="base" latinLnBrk="0" hangingPunct="1">
-                        <a:lnSpc>
-                          <a:spcPct val="100000"/>
-                        </a:lnSpc>
-                        <a:spcBef>
-                          <a:spcPct val="0"/>
-                        </a:spcBef>
-                        <a:spcAft>
-                          <a:spcPct val="0"/>
-                        </a:spcAft>
-                        <a:buClrTx/>
-                        <a:buSzTx/>
-                        <a:buFontTx/>
-                        <a:buNone/>
-                        <a:tabLst/>
-                      </a:pPr>
-                      <a:r>
-                        <a:rPr kumimoji="0" lang="fr-FR" sz="900" b="0" i="0" u="none" strike="noStrike" cap="none" normalizeH="0" baseline="0" dirty="0" smtClean="0">
-                          <a:ln>
-                            <a:noFill/>
-                          </a:ln>
-                          <a:solidFill>
-                            <a:schemeClr val="tx1"/>
-                          </a:solidFill>
-                          <a:effectLst/>
-                          <a:latin typeface="Calibri" pitchFamily="34" charset="0"/>
-                          <a:cs typeface="Arial" charset="0"/>
-                        </a:rPr>
-                        <a:t>2 -</a:t>
-                      </a:r>
-                    </a:p>
-                    <a:p>
-                      <a:pPr marL="0" marR="0" lvl="0" indent="0" algn="l" defTabSz="914400" rtl="0" eaLnBrk="1" fontAlgn="base" latinLnBrk="0" hangingPunct="1">
-                        <a:lnSpc>
-                          <a:spcPct val="100000"/>
-                        </a:lnSpc>
-                        <a:spcBef>
-                          <a:spcPct val="0"/>
-                        </a:spcBef>
-                        <a:spcAft>
-                          <a:spcPct val="0"/>
-                        </a:spcAft>
-                        <a:buClrTx/>
-                        <a:buSzTx/>
-                        <a:buFontTx/>
-                        <a:buNone/>
-                        <a:tabLst/>
-                      </a:pPr>
-                      <a:r>
-                        <a:rPr kumimoji="0" lang="fr-FR" sz="900" b="0" i="0" u="none" strike="noStrike" cap="none" normalizeH="0" baseline="0" dirty="0" smtClean="0">
-                          <a:ln>
-                            <a:noFill/>
-                          </a:ln>
-                          <a:solidFill>
-                            <a:schemeClr val="tx1"/>
-                          </a:solidFill>
-                          <a:effectLst/>
-                          <a:latin typeface="Calibri" pitchFamily="34" charset="0"/>
-                          <a:cs typeface="Arial" charset="0"/>
-                        </a:rPr>
-                        <a:t>3 -</a:t>
-                      </a:r>
-                    </a:p>
-                    <a:p>
-                      <a:pPr marL="0" marR="0" lvl="0" indent="0" algn="l" defTabSz="914400" rtl="0" eaLnBrk="1" fontAlgn="base" latinLnBrk="0" hangingPunct="1">
-                        <a:lnSpc>
-                          <a:spcPct val="100000"/>
-                        </a:lnSpc>
-                        <a:spcBef>
-                          <a:spcPct val="0"/>
-                        </a:spcBef>
-                        <a:spcAft>
-                          <a:spcPct val="0"/>
-                        </a:spcAft>
-                        <a:buClrTx/>
-                        <a:buSzTx/>
-                        <a:buFontTx/>
-                        <a:buNone/>
-                        <a:tabLst/>
-                      </a:pPr>
-                      <a:r>
-                        <a:rPr kumimoji="0" lang="fr-FR" sz="900" b="0" i="0" u="none" strike="noStrike" cap="none" normalizeH="0" baseline="0" dirty="0" smtClean="0">
-                          <a:ln>
-                            <a:noFill/>
-                          </a:ln>
-                          <a:solidFill>
-                            <a:schemeClr val="tx1"/>
-                          </a:solidFill>
-                          <a:effectLst/>
-                          <a:latin typeface="Calibri" pitchFamily="34" charset="0"/>
-                          <a:cs typeface="Arial" charset="0"/>
-                        </a:rPr>
-                        <a:t>4 -</a:t>
-                      </a:r>
-                    </a:p>
-                    <a:p>
-                      <a:pPr marL="0" marR="0" lvl="0" indent="0" algn="l" defTabSz="914400" rtl="0" eaLnBrk="1" fontAlgn="base" latinLnBrk="0" hangingPunct="1">
-                        <a:lnSpc>
-                          <a:spcPct val="100000"/>
-                        </a:lnSpc>
-                        <a:spcBef>
-                          <a:spcPct val="0"/>
-                        </a:spcBef>
-                        <a:spcAft>
-                          <a:spcPct val="0"/>
-                        </a:spcAft>
-                        <a:buClrTx/>
-                        <a:buSzTx/>
-                        <a:buFontTx/>
-                        <a:buNone/>
-                        <a:tabLst/>
-                      </a:pPr>
-                      <a:r>
-                        <a:rPr kumimoji="0" lang="fr-FR" sz="900" b="0" i="0" u="none" strike="noStrike" cap="none" normalizeH="0" baseline="0" dirty="0" smtClean="0">
-                          <a:ln>
-                            <a:noFill/>
-                          </a:ln>
-                          <a:solidFill>
-                            <a:schemeClr val="tx1"/>
-                          </a:solidFill>
-                          <a:effectLst/>
-                          <a:latin typeface="Calibri" pitchFamily="34" charset="0"/>
-                          <a:cs typeface="Arial" charset="0"/>
-                        </a:rPr>
-                        <a:t>5 -</a:t>
-                      </a:r>
-                    </a:p>
-                    <a:p>
-                      <a:pPr marL="0" marR="0" lvl="0" indent="0" algn="l" defTabSz="914400" rtl="0" eaLnBrk="1" fontAlgn="base" latinLnBrk="0" hangingPunct="1">
-                        <a:lnSpc>
-                          <a:spcPct val="100000"/>
-                        </a:lnSpc>
-                        <a:spcBef>
-                          <a:spcPct val="0"/>
-                        </a:spcBef>
-                        <a:spcAft>
-                          <a:spcPct val="0"/>
-                        </a:spcAft>
-                        <a:buClrTx/>
-                        <a:buSzTx/>
-                        <a:buFontTx/>
-                        <a:buNone/>
-                        <a:tabLst/>
-                      </a:pPr>
-                      <a:r>
-                        <a:rPr kumimoji="0" lang="fr-FR" sz="900" b="0" i="0" u="none" strike="noStrike" cap="none" normalizeH="0" baseline="0" dirty="0" smtClean="0">
-                          <a:ln>
-                            <a:noFill/>
-                          </a:ln>
-                          <a:solidFill>
-                            <a:schemeClr val="tx1"/>
-                          </a:solidFill>
-                          <a:effectLst/>
-                          <a:latin typeface="Calibri" pitchFamily="34" charset="0"/>
-                          <a:cs typeface="Arial" charset="0"/>
-                        </a:rPr>
-                        <a:t>6 – ACTION_STATUS</a:t>
-                      </a:r>
-                    </a:p>
-                    <a:p>
-                      <a:pPr marL="0" marR="0" lvl="0" indent="0" algn="l" defTabSz="914400" rtl="0" eaLnBrk="1" fontAlgn="base" latinLnBrk="0" hangingPunct="1">
-                        <a:lnSpc>
-                          <a:spcPct val="100000"/>
-                        </a:lnSpc>
-                        <a:spcBef>
-                          <a:spcPct val="0"/>
-                        </a:spcBef>
-                        <a:spcAft>
-                          <a:spcPct val="0"/>
-                        </a:spcAft>
-                        <a:buClrTx/>
-                        <a:buSzTx/>
-                        <a:buFontTx/>
-                        <a:buNone/>
-                        <a:tabLst/>
-                      </a:pPr>
-                      <a:r>
-                        <a:rPr kumimoji="0" lang="fr-FR" sz="900" b="0" i="0" u="none" strike="noStrike" cap="none" normalizeH="0" baseline="0" dirty="0" smtClean="0">
-                          <a:ln>
-                            <a:noFill/>
-                          </a:ln>
-                          <a:solidFill>
-                            <a:schemeClr val="tx1"/>
-                          </a:solidFill>
-                          <a:effectLst/>
-                          <a:latin typeface="Calibri" pitchFamily="34" charset="0"/>
-                          <a:cs typeface="Arial" charset="0"/>
-                        </a:rPr>
-                        <a:t>7 – TIMER_STATUS</a:t>
-                      </a:r>
-                    </a:p>
-                  </a:txBody>
-                  <a:tcPr horzOverflow="overflow">
-                    <a:lnL w="12700" cap="flat" cmpd="sng" algn="ctr">
-                      <a:solidFill>
-                        <a:schemeClr val="tx1"/>
-                      </a:solidFill>
-                      <a:prstDash val="solid"/>
-                      <a:round/>
-                      <a:headEnd type="none" w="med" len="med"/>
-                      <a:tailEnd type="none" w="med" len="med"/>
-                    </a:lnL>
-                    <a:lnR w="12700" cap="flat" cmpd="sng" algn="ctr">
-                      <a:solidFill>
-                        <a:schemeClr val="tx1"/>
-                      </a:solidFill>
-                      <a:prstDash val="solid"/>
-                      <a:round/>
-                      <a:headEnd type="none" w="med" len="med"/>
-                      <a:tailEnd type="none" w="med" len="med"/>
-                    </a:lnR>
-                    <a:lnT w="12700" cap="flat" cmpd="sng" algn="ctr">
-                      <a:solidFill>
-                        <a:schemeClr val="tx1"/>
-                      </a:solidFill>
-                      <a:prstDash val="solid"/>
-                      <a:round/>
-                      <a:headEnd type="none" w="med" len="med"/>
-                      <a:tailEnd type="none" w="med" len="med"/>
-                    </a:lnT>
-                    <a:lnB w="12700" cap="flat" cmpd="sng" algn="ctr">
-                      <a:solidFill>
-                        <a:schemeClr val="tx1"/>
-                      </a:solidFill>
-                      <a:prstDash val="solid"/>
-                      <a:round/>
-                      <a:headEnd type="none" w="med" len="med"/>
-                      <a:tailEnd type="none" w="med" len="med"/>
-                    </a:lnB>
-                    <a:lnTlToBr>
-                      <a:noFill/>
-                    </a:lnTlToBr>
-                    <a:lnBlToTr>
-                      <a:noFill/>
-                    </a:lnBlToTr>
-                    <a:noFill/>
-                  </a:tcPr>
-                </a:tc>
-                <a:tc>
-                  <a:txBody>
-                    <a:bodyPr/>
-                    <a:lstStyle/>
-                    <a:p>
-                      <a:pPr marL="0" marR="0" lvl="0" indent="0" algn="ctr" defTabSz="914400" rtl="0" eaLnBrk="1" fontAlgn="base" latinLnBrk="0" hangingPunct="1">
-                        <a:lnSpc>
-                          <a:spcPct val="100000"/>
-                        </a:lnSpc>
-                        <a:spcBef>
-                          <a:spcPct val="0"/>
-                        </a:spcBef>
-                        <a:spcAft>
-                          <a:spcPct val="0"/>
-                        </a:spcAft>
-                        <a:buClrTx/>
-                        <a:buSzTx/>
-                        <a:buFontTx/>
-                        <a:buNone/>
-                        <a:tabLst/>
-                      </a:pPr>
-                      <a:r>
-                        <a:rPr kumimoji="0" lang="fr-FR" sz="1200" b="1" i="0" u="sng" strike="noStrike" cap="none" normalizeH="0" baseline="0" dirty="0" err="1" smtClean="0">
-                          <a:ln>
-                            <a:noFill/>
-                          </a:ln>
-                          <a:solidFill>
-                            <a:schemeClr val="tx1"/>
-                          </a:solidFill>
-                          <a:effectLst/>
-                          <a:latin typeface="Calibri" pitchFamily="34" charset="0"/>
-                          <a:cs typeface="Arial" charset="0"/>
-                        </a:rPr>
-                        <a:t>Bumpers</a:t>
-                      </a:r>
-                      <a:r>
-                        <a:rPr kumimoji="0" lang="fr-FR" sz="1200" b="1" i="0" u="sng" strike="noStrike" cap="none" normalizeH="0" baseline="0" dirty="0" smtClean="0">
-                          <a:ln>
-                            <a:noFill/>
-                          </a:ln>
-                          <a:solidFill>
-                            <a:schemeClr val="tx1"/>
-                          </a:solidFill>
-                          <a:effectLst/>
-                          <a:latin typeface="Calibri" pitchFamily="34" charset="0"/>
-                          <a:cs typeface="Arial" charset="0"/>
-                        </a:rPr>
-                        <a:t> (GP2)</a:t>
-                      </a:r>
-                    </a:p>
-                    <a:p>
-                      <a:pPr marL="0" marR="0" lvl="0" indent="0" algn="l" defTabSz="914400" rtl="0" eaLnBrk="1" fontAlgn="base" latinLnBrk="0" hangingPunct="1">
-                        <a:lnSpc>
-                          <a:spcPct val="100000"/>
-                        </a:lnSpc>
-                        <a:spcBef>
-                          <a:spcPct val="0"/>
-                        </a:spcBef>
-                        <a:spcAft>
-                          <a:spcPct val="0"/>
-                        </a:spcAft>
-                        <a:buClrTx/>
-                        <a:buSzTx/>
-                        <a:buFontTx/>
-                        <a:buNone/>
-                        <a:tabLst/>
-                      </a:pPr>
-                      <a:r>
-                        <a:rPr kumimoji="0" lang="fr-FR" sz="900" b="0" i="0" u="none" strike="noStrike" cap="none" normalizeH="0" baseline="0" dirty="0" smtClean="0">
-                          <a:ln>
-                            <a:noFill/>
-                          </a:ln>
-                          <a:solidFill>
-                            <a:srgbClr val="000000"/>
-                          </a:solidFill>
-                          <a:effectLst/>
-                          <a:latin typeface="Calibri" pitchFamily="34" charset="0"/>
-                          <a:cs typeface="Arial" charset="0"/>
-                        </a:rPr>
-                        <a:t>8 - GP2_FRONT </a:t>
-                      </a:r>
-                    </a:p>
-                    <a:p>
-                      <a:pPr marL="0" marR="0" lvl="0" indent="0" algn="l" defTabSz="914400" rtl="0" eaLnBrk="1" fontAlgn="base" latinLnBrk="0" hangingPunct="1">
-                        <a:lnSpc>
-                          <a:spcPct val="100000"/>
-                        </a:lnSpc>
-                        <a:spcBef>
-                          <a:spcPct val="0"/>
-                        </a:spcBef>
-                        <a:spcAft>
-                          <a:spcPct val="0"/>
-                        </a:spcAft>
-                        <a:buClrTx/>
-                        <a:buSzTx/>
-                        <a:buFontTx/>
-                        <a:buNone/>
-                        <a:tabLst/>
-                      </a:pPr>
-                      <a:r>
-                        <a:rPr kumimoji="0" lang="fr-FR" sz="900" b="0" i="0" u="none" strike="noStrike" cap="none" normalizeH="0" baseline="0" dirty="0" smtClean="0">
-                          <a:ln>
-                            <a:noFill/>
-                          </a:ln>
-                          <a:solidFill>
-                            <a:srgbClr val="000000"/>
-                          </a:solidFill>
-                          <a:effectLst/>
-                          <a:latin typeface="Calibri" pitchFamily="34" charset="0"/>
-                          <a:cs typeface="Arial" charset="0"/>
-                        </a:rPr>
-                        <a:t>9 – GP2_BACK </a:t>
-                      </a:r>
-                    </a:p>
-                    <a:p>
-                      <a:pPr marL="0" marR="0" lvl="0" indent="0" algn="l" defTabSz="914400" rtl="0" eaLnBrk="1" fontAlgn="base" latinLnBrk="0" hangingPunct="1">
-                        <a:lnSpc>
-                          <a:spcPct val="100000"/>
-                        </a:lnSpc>
-                        <a:spcBef>
-                          <a:spcPct val="0"/>
-                        </a:spcBef>
-                        <a:spcAft>
-                          <a:spcPct val="0"/>
-                        </a:spcAft>
-                        <a:buClrTx/>
-                        <a:buSzTx/>
-                        <a:buFontTx/>
-                        <a:buNone/>
-                        <a:tabLst/>
-                      </a:pPr>
-                      <a:r>
-                        <a:rPr kumimoji="0" lang="fr-FR" sz="900" b="0" i="0" u="none" strike="noStrike" cap="none" normalizeH="0" baseline="0" dirty="0" smtClean="0">
-                          <a:ln>
-                            <a:noFill/>
-                          </a:ln>
-                          <a:solidFill>
-                            <a:srgbClr val="000000"/>
-                          </a:solidFill>
-                          <a:effectLst/>
-                          <a:latin typeface="Calibri" pitchFamily="34" charset="0"/>
-                          <a:cs typeface="Arial" charset="0"/>
-                        </a:rPr>
-                        <a:t>10 – GP2_HOLDER</a:t>
-                      </a:r>
-                    </a:p>
-                    <a:p>
-                      <a:pPr marL="0" marR="0" lvl="0" indent="0" algn="l" defTabSz="914400" rtl="0" eaLnBrk="1" fontAlgn="base" latinLnBrk="0" hangingPunct="1">
-                        <a:lnSpc>
-                          <a:spcPct val="100000"/>
-                        </a:lnSpc>
-                        <a:spcBef>
-                          <a:spcPct val="0"/>
-                        </a:spcBef>
-                        <a:spcAft>
-                          <a:spcPct val="0"/>
-                        </a:spcAft>
-                        <a:buClrTx/>
-                        <a:buSzTx/>
-                        <a:buFontTx/>
-                        <a:buNone/>
-                        <a:tabLst/>
-                      </a:pPr>
-                      <a:r>
-                        <a:rPr kumimoji="0" lang="fr-FR" sz="900" b="0" i="0" u="none" strike="noStrike" cap="none" normalizeH="0" baseline="0" dirty="0" smtClean="0">
-                          <a:ln>
-                            <a:noFill/>
-                          </a:ln>
-                          <a:solidFill>
-                            <a:srgbClr val="000000"/>
-                          </a:solidFill>
-                          <a:effectLst/>
-                          <a:latin typeface="Calibri" pitchFamily="34" charset="0"/>
-                          <a:cs typeface="Arial" charset="0"/>
-                        </a:rPr>
-                        <a:t>11 -</a:t>
-                      </a:r>
-                    </a:p>
-                    <a:p>
-                      <a:pPr marL="0" marR="0" lvl="0" indent="0" algn="l" defTabSz="914400" rtl="0" eaLnBrk="1" fontAlgn="base" latinLnBrk="0" hangingPunct="1">
-                        <a:lnSpc>
-                          <a:spcPct val="100000"/>
-                        </a:lnSpc>
-                        <a:spcBef>
-                          <a:spcPct val="0"/>
-                        </a:spcBef>
-                        <a:spcAft>
-                          <a:spcPct val="0"/>
-                        </a:spcAft>
-                        <a:buClrTx/>
-                        <a:buSzTx/>
-                        <a:buFontTx/>
-                        <a:buNone/>
-                        <a:tabLst/>
-                      </a:pPr>
-                      <a:r>
-                        <a:rPr kumimoji="0" lang="fr-FR" sz="900" b="0" i="0" u="none" strike="noStrike" cap="none" normalizeH="0" baseline="0" dirty="0" smtClean="0">
-                          <a:ln>
-                            <a:noFill/>
-                          </a:ln>
-                          <a:solidFill>
-                            <a:srgbClr val="000000"/>
-                          </a:solidFill>
-                          <a:effectLst/>
-                          <a:latin typeface="Calibri" pitchFamily="34" charset="0"/>
-                          <a:cs typeface="Arial" charset="0"/>
-                        </a:rPr>
-                        <a:t>12 -</a:t>
-                      </a:r>
-                    </a:p>
-                    <a:p>
-                      <a:pPr marL="0" marR="0" lvl="0" indent="0" algn="l" defTabSz="914400" rtl="0" eaLnBrk="1" fontAlgn="base" latinLnBrk="0" hangingPunct="1">
-                        <a:lnSpc>
-                          <a:spcPct val="100000"/>
-                        </a:lnSpc>
-                        <a:spcBef>
-                          <a:spcPct val="0"/>
-                        </a:spcBef>
-                        <a:spcAft>
-                          <a:spcPct val="0"/>
-                        </a:spcAft>
-                        <a:buClrTx/>
-                        <a:buSzTx/>
-                        <a:buFontTx/>
-                        <a:buNone/>
-                        <a:tabLst/>
-                      </a:pPr>
-                      <a:r>
-                        <a:rPr kumimoji="0" lang="fr-FR" sz="900" b="0" i="0" u="none" strike="noStrike" cap="none" normalizeH="0" baseline="0" dirty="0" smtClean="0">
-                          <a:ln>
-                            <a:noFill/>
-                          </a:ln>
-                          <a:solidFill>
-                            <a:srgbClr val="000000"/>
-                          </a:solidFill>
-                          <a:effectLst/>
-                          <a:latin typeface="Calibri" pitchFamily="34" charset="0"/>
-                          <a:cs typeface="Arial" charset="0"/>
-                        </a:rPr>
-                        <a:t>13 -</a:t>
-                      </a:r>
-                    </a:p>
-                    <a:p>
-                      <a:pPr marL="0" marR="0" lvl="0" indent="0" algn="l" defTabSz="914400" rtl="0" eaLnBrk="1" fontAlgn="base" latinLnBrk="0" hangingPunct="1">
-                        <a:lnSpc>
-                          <a:spcPct val="100000"/>
-                        </a:lnSpc>
-                        <a:spcBef>
-                          <a:spcPct val="0"/>
-                        </a:spcBef>
-                        <a:spcAft>
-                          <a:spcPct val="0"/>
-                        </a:spcAft>
-                        <a:buClrTx/>
-                        <a:buSzTx/>
-                        <a:buFontTx/>
-                        <a:buNone/>
-                        <a:tabLst/>
-                      </a:pPr>
-                      <a:r>
-                        <a:rPr kumimoji="0" lang="fr-FR" sz="900" b="0" i="0" u="none" strike="noStrike" cap="none" normalizeH="0" baseline="0" dirty="0" smtClean="0">
-                          <a:ln>
-                            <a:noFill/>
-                          </a:ln>
-                          <a:solidFill>
-                            <a:srgbClr val="000000"/>
-                          </a:solidFill>
-                          <a:effectLst/>
-                          <a:latin typeface="Calibri" pitchFamily="34" charset="0"/>
-                          <a:cs typeface="Arial" charset="0"/>
-                        </a:rPr>
-                        <a:t>14 -</a:t>
-                      </a:r>
-                    </a:p>
-                    <a:p>
-                      <a:pPr marL="0" marR="0" lvl="0" indent="0" algn="l" defTabSz="914400" rtl="0" eaLnBrk="1" fontAlgn="base" latinLnBrk="0" hangingPunct="1">
-                        <a:lnSpc>
-                          <a:spcPct val="100000"/>
-                        </a:lnSpc>
-                        <a:spcBef>
-                          <a:spcPct val="0"/>
-                        </a:spcBef>
-                        <a:spcAft>
-                          <a:spcPct val="0"/>
-                        </a:spcAft>
-                        <a:buClrTx/>
-                        <a:buSzTx/>
-                        <a:buFontTx/>
-                        <a:buNone/>
-                        <a:tabLst/>
-                      </a:pPr>
-                      <a:r>
-                        <a:rPr kumimoji="0" lang="fr-FR" sz="900" b="0" i="0" u="none" strike="noStrike" cap="none" normalizeH="0" baseline="0" dirty="0" smtClean="0">
-                          <a:ln>
-                            <a:noFill/>
-                          </a:ln>
-                          <a:solidFill>
-                            <a:srgbClr val="000000"/>
-                          </a:solidFill>
-                          <a:effectLst/>
-                          <a:latin typeface="Calibri" pitchFamily="34" charset="0"/>
-                          <a:cs typeface="Arial" charset="0"/>
-                        </a:rPr>
-                        <a:t>15 -</a:t>
-                      </a:r>
-                      <a:endParaRPr kumimoji="0" lang="fr-FR" sz="1200" b="1" i="0" u="sng" strike="noStrike" cap="none" normalizeH="0" baseline="0" dirty="0" smtClean="0">
-                        <a:ln>
-                          <a:noFill/>
-                        </a:ln>
-                        <a:solidFill>
-                          <a:schemeClr val="tx1"/>
-                        </a:solidFill>
-                        <a:effectLst/>
-                        <a:latin typeface="Calibri" pitchFamily="34" charset="0"/>
-                        <a:cs typeface="Arial" charset="0"/>
-                      </a:endParaRPr>
-                    </a:p>
-                  </a:txBody>
-                  <a:tcPr horzOverflow="overflow">
-                    <a:lnL w="12700" cap="flat" cmpd="sng" algn="ctr">
-                      <a:solidFill>
-                        <a:schemeClr val="tx1"/>
-                      </a:solidFill>
-                      <a:prstDash val="solid"/>
-                      <a:round/>
-                      <a:headEnd type="none" w="med" len="med"/>
-                      <a:tailEnd type="none" w="med" len="med"/>
-                    </a:lnL>
-                    <a:lnR w="12700" cap="flat" cmpd="sng" algn="ctr">
-                      <a:solidFill>
-                        <a:schemeClr val="tx1"/>
-                      </a:solidFill>
-                      <a:prstDash val="solid"/>
-                      <a:round/>
-                      <a:headEnd type="none" w="med" len="med"/>
-                      <a:tailEnd type="none" w="med" len="med"/>
-                    </a:lnR>
-                    <a:lnT w="12700" cap="flat" cmpd="sng" algn="ctr">
-                      <a:solidFill>
-                        <a:schemeClr val="tx1"/>
-                      </a:solidFill>
-                      <a:prstDash val="solid"/>
-                      <a:round/>
-                      <a:headEnd type="none" w="med" len="med"/>
-                      <a:tailEnd type="none" w="med" len="med"/>
-                    </a:lnT>
-                    <a:lnB w="12700" cap="flat" cmpd="sng" algn="ctr">
-                      <a:solidFill>
-                        <a:schemeClr val="tx1"/>
-                      </a:solidFill>
-                      <a:prstDash val="solid"/>
-                      <a:round/>
-                      <a:headEnd type="none" w="med" len="med"/>
-                      <a:tailEnd type="none" w="med" len="med"/>
-                    </a:lnB>
-                    <a:lnTlToBr>
-                      <a:noFill/>
-                    </a:lnTlToBr>
-                    <a:lnBlToTr>
-                      <a:noFill/>
-                    </a:lnBlToTr>
-                    <a:noFill/>
-                  </a:tcPr>
-                </a:tc>
-                <a:tc>
-                  <a:txBody>
-                    <a:bodyPr/>
-                    <a:lstStyle/>
-                    <a:p>
-                      <a:pPr marL="0" marR="0" lvl="0" indent="0" algn="ctr" defTabSz="914400" rtl="0" eaLnBrk="1" fontAlgn="base" latinLnBrk="0" hangingPunct="1">
-                        <a:lnSpc>
-                          <a:spcPct val="100000"/>
-                        </a:lnSpc>
-                        <a:spcBef>
-                          <a:spcPct val="0"/>
-                        </a:spcBef>
-                        <a:spcAft>
-                          <a:spcPct val="0"/>
-                        </a:spcAft>
-                        <a:buClrTx/>
-                        <a:buSzTx/>
-                        <a:buFontTx/>
-                        <a:buNone/>
-                        <a:tabLst/>
-                      </a:pPr>
-                      <a:r>
-                        <a:rPr kumimoji="0" lang="fr-FR" sz="1200" b="1" i="0" u="sng" strike="noStrike" cap="none" normalizeH="0" baseline="0" dirty="0" err="1" smtClean="0">
-                          <a:ln>
-                            <a:noFill/>
-                          </a:ln>
-                          <a:solidFill>
-                            <a:schemeClr val="tx1"/>
-                          </a:solidFill>
-                          <a:effectLst/>
-                          <a:latin typeface="Calibri" pitchFamily="34" charset="0"/>
-                          <a:cs typeface="Arial" charset="0"/>
-                        </a:rPr>
-                        <a:t>Bumpers</a:t>
-                      </a:r>
-                      <a:r>
-                        <a:rPr kumimoji="0" lang="fr-FR" sz="1200" b="1" i="0" u="sng" strike="noStrike" cap="none" normalizeH="0" baseline="0" dirty="0" smtClean="0">
-                          <a:ln>
-                            <a:noFill/>
-                          </a:ln>
-                          <a:solidFill>
-                            <a:schemeClr val="tx1"/>
-                          </a:solidFill>
-                          <a:effectLst/>
-                          <a:latin typeface="Calibri" pitchFamily="34" charset="0"/>
-                          <a:cs typeface="Arial" charset="0"/>
-                        </a:rPr>
-                        <a:t> (SW)</a:t>
-                      </a:r>
-                    </a:p>
-                    <a:p>
-                      <a:pPr marL="0" marR="0" lvl="0" indent="0" algn="l" defTabSz="914400" rtl="0" eaLnBrk="1" fontAlgn="base" latinLnBrk="0" hangingPunct="1">
-                        <a:lnSpc>
-                          <a:spcPct val="100000"/>
-                        </a:lnSpc>
-                        <a:spcBef>
-                          <a:spcPct val="0"/>
-                        </a:spcBef>
-                        <a:spcAft>
-                          <a:spcPct val="0"/>
-                        </a:spcAft>
-                        <a:buClrTx/>
-                        <a:buSzTx/>
-                        <a:buFontTx/>
-                        <a:buNone/>
-                        <a:tabLst/>
-                      </a:pPr>
-                      <a:r>
-                        <a:rPr kumimoji="0" lang="fr-FR" sz="900" b="0" i="0" u="none" strike="noStrike" cap="none" normalizeH="0" baseline="0" dirty="0" smtClean="0">
-                          <a:ln>
-                            <a:noFill/>
-                          </a:ln>
-                          <a:solidFill>
-                            <a:srgbClr val="000000"/>
-                          </a:solidFill>
-                          <a:effectLst/>
-                          <a:latin typeface="Calibri" pitchFamily="34" charset="0"/>
-                          <a:cs typeface="Arial" charset="0"/>
-                        </a:rPr>
-                        <a:t>16 -</a:t>
-                      </a:r>
-                    </a:p>
-                    <a:p>
-                      <a:pPr marL="0" marR="0" lvl="0" indent="0" algn="l" defTabSz="914400" rtl="0" eaLnBrk="1" fontAlgn="base" latinLnBrk="0" hangingPunct="1">
-                        <a:lnSpc>
-                          <a:spcPct val="100000"/>
-                        </a:lnSpc>
-                        <a:spcBef>
-                          <a:spcPct val="0"/>
-                        </a:spcBef>
-                        <a:spcAft>
-                          <a:spcPct val="0"/>
-                        </a:spcAft>
-                        <a:buClrTx/>
-                        <a:buSzTx/>
-                        <a:buFontTx/>
-                        <a:buNone/>
-                        <a:tabLst/>
-                      </a:pPr>
-                      <a:r>
-                        <a:rPr kumimoji="0" lang="fr-FR" sz="900" b="0" i="0" u="none" strike="noStrike" cap="none" normalizeH="0" baseline="0" dirty="0" smtClean="0">
-                          <a:ln>
-                            <a:noFill/>
-                          </a:ln>
-                          <a:solidFill>
-                            <a:srgbClr val="000000"/>
-                          </a:solidFill>
-                          <a:effectLst/>
-                          <a:latin typeface="Calibri" pitchFamily="34" charset="0"/>
-                          <a:cs typeface="Arial" charset="0"/>
-                        </a:rPr>
-                        <a:t>17 -</a:t>
-                      </a:r>
-                    </a:p>
-                    <a:p>
-                      <a:pPr marL="0" marR="0" lvl="0" indent="0" algn="l" defTabSz="914400" rtl="0" eaLnBrk="1" fontAlgn="base" latinLnBrk="0" hangingPunct="1">
-                        <a:lnSpc>
-                          <a:spcPct val="100000"/>
-                        </a:lnSpc>
-                        <a:spcBef>
-                          <a:spcPct val="0"/>
-                        </a:spcBef>
-                        <a:spcAft>
-                          <a:spcPct val="0"/>
-                        </a:spcAft>
-                        <a:buClrTx/>
-                        <a:buSzTx/>
-                        <a:buFontTx/>
-                        <a:buNone/>
-                        <a:tabLst/>
-                      </a:pPr>
-                      <a:r>
-                        <a:rPr kumimoji="0" lang="fr-FR" sz="900" b="0" i="0" u="none" strike="noStrike" cap="none" normalizeH="0" baseline="0" dirty="0" smtClean="0">
-                          <a:ln>
-                            <a:noFill/>
-                          </a:ln>
-                          <a:solidFill>
-                            <a:srgbClr val="000000"/>
-                          </a:solidFill>
-                          <a:effectLst/>
-                          <a:latin typeface="Calibri" pitchFamily="34" charset="0"/>
-                          <a:cs typeface="Arial" charset="0"/>
-                        </a:rPr>
-                        <a:t>18 -</a:t>
-                      </a:r>
-                    </a:p>
-                    <a:p>
-                      <a:pPr marL="0" marR="0" lvl="0" indent="0" algn="l" defTabSz="914400" rtl="0" eaLnBrk="1" fontAlgn="base" latinLnBrk="0" hangingPunct="1">
-                        <a:lnSpc>
-                          <a:spcPct val="100000"/>
-                        </a:lnSpc>
-                        <a:spcBef>
-                          <a:spcPct val="0"/>
-                        </a:spcBef>
-                        <a:spcAft>
-                          <a:spcPct val="0"/>
-                        </a:spcAft>
-                        <a:buClrTx/>
-                        <a:buSzTx/>
-                        <a:buFontTx/>
-                        <a:buNone/>
-                        <a:tabLst/>
-                      </a:pPr>
-                      <a:r>
-                        <a:rPr kumimoji="0" lang="fr-FR" sz="900" b="0" i="0" u="none" strike="noStrike" cap="none" normalizeH="0" baseline="0" dirty="0" smtClean="0">
-                          <a:ln>
-                            <a:noFill/>
-                          </a:ln>
-                          <a:solidFill>
-                            <a:srgbClr val="000000"/>
-                          </a:solidFill>
-                          <a:effectLst/>
-                          <a:latin typeface="Calibri" pitchFamily="34" charset="0"/>
-                          <a:cs typeface="Arial" charset="0"/>
-                        </a:rPr>
-                        <a:t>19 -</a:t>
-                      </a:r>
-                    </a:p>
-                    <a:p>
-                      <a:pPr marL="0" marR="0" lvl="0" indent="0" algn="l" defTabSz="914400" rtl="0" eaLnBrk="1" fontAlgn="base" latinLnBrk="0" hangingPunct="1">
-                        <a:lnSpc>
-                          <a:spcPct val="100000"/>
-                        </a:lnSpc>
-                        <a:spcBef>
-                          <a:spcPct val="0"/>
-                        </a:spcBef>
-                        <a:spcAft>
-                          <a:spcPct val="0"/>
-                        </a:spcAft>
-                        <a:buClrTx/>
-                        <a:buSzTx/>
-                        <a:buFontTx/>
-                        <a:buNone/>
-                        <a:tabLst/>
-                      </a:pPr>
-                      <a:r>
-                        <a:rPr kumimoji="0" lang="fr-FR" sz="900" b="0" i="0" u="none" strike="noStrike" cap="none" normalizeH="0" baseline="0" dirty="0" smtClean="0">
-                          <a:ln>
-                            <a:noFill/>
-                          </a:ln>
-                          <a:solidFill>
-                            <a:srgbClr val="000000"/>
-                          </a:solidFill>
-                          <a:effectLst/>
-                          <a:latin typeface="Calibri" pitchFamily="34" charset="0"/>
-                          <a:cs typeface="Arial" charset="0"/>
-                        </a:rPr>
-                        <a:t>20 -</a:t>
-                      </a:r>
-                    </a:p>
-                    <a:p>
-                      <a:pPr marL="0" marR="0" lvl="0" indent="0" algn="l" defTabSz="914400" rtl="0" eaLnBrk="1" fontAlgn="base" latinLnBrk="0" hangingPunct="1">
-                        <a:lnSpc>
-                          <a:spcPct val="100000"/>
-                        </a:lnSpc>
-                        <a:spcBef>
-                          <a:spcPct val="0"/>
-                        </a:spcBef>
-                        <a:spcAft>
-                          <a:spcPct val="0"/>
-                        </a:spcAft>
-                        <a:buClrTx/>
-                        <a:buSzTx/>
-                        <a:buFontTx/>
-                        <a:buNone/>
-                        <a:tabLst/>
-                      </a:pPr>
-                      <a:r>
-                        <a:rPr kumimoji="0" lang="fr-FR" sz="900" b="0" i="0" u="none" strike="noStrike" cap="none" normalizeH="0" baseline="0" smtClean="0">
-                          <a:ln>
-                            <a:noFill/>
-                          </a:ln>
-                          <a:solidFill>
-                            <a:srgbClr val="000000"/>
-                          </a:solidFill>
-                          <a:effectLst/>
-                          <a:latin typeface="Calibri" pitchFamily="34" charset="0"/>
-                          <a:cs typeface="Arial" charset="0"/>
-                        </a:rPr>
-                        <a:t>21 -</a:t>
-                      </a:r>
-                    </a:p>
-                    <a:p>
-                      <a:pPr marL="0" marR="0" lvl="0" indent="0" algn="l" defTabSz="914400" rtl="0" eaLnBrk="1" fontAlgn="base" latinLnBrk="0" hangingPunct="1">
-                        <a:lnSpc>
-                          <a:spcPct val="100000"/>
-                        </a:lnSpc>
-                        <a:spcBef>
-                          <a:spcPct val="0"/>
-                        </a:spcBef>
-                        <a:spcAft>
-                          <a:spcPct val="0"/>
-                        </a:spcAft>
-                        <a:buClrTx/>
-                        <a:buSzTx/>
-                        <a:buFontTx/>
-                        <a:buNone/>
-                        <a:tabLst/>
-                      </a:pPr>
-                      <a:r>
-                        <a:rPr kumimoji="0" lang="fr-FR" sz="900" b="0" i="0" u="none" strike="noStrike" cap="none" normalizeH="0" baseline="0" dirty="0" smtClean="0">
-                          <a:ln>
-                            <a:noFill/>
-                          </a:ln>
-                          <a:solidFill>
-                            <a:srgbClr val="000000"/>
-                          </a:solidFill>
-                          <a:effectLst/>
-                          <a:latin typeface="Calibri" pitchFamily="34" charset="0"/>
-                          <a:cs typeface="Arial" charset="0"/>
-                        </a:rPr>
-                        <a:t>22 -</a:t>
-                      </a:r>
-                    </a:p>
-                    <a:p>
-                      <a:pPr marL="0" marR="0" lvl="0" indent="0" algn="l" defTabSz="914400" rtl="0" eaLnBrk="1" fontAlgn="base" latinLnBrk="0" hangingPunct="1">
-                        <a:lnSpc>
-                          <a:spcPct val="100000"/>
-                        </a:lnSpc>
-                        <a:spcBef>
-                          <a:spcPct val="0"/>
-                        </a:spcBef>
-                        <a:spcAft>
-                          <a:spcPct val="0"/>
-                        </a:spcAft>
-                        <a:buClrTx/>
-                        <a:buSzTx/>
-                        <a:buFontTx/>
-                        <a:buNone/>
-                        <a:tabLst/>
-                      </a:pPr>
-                      <a:r>
-                        <a:rPr kumimoji="0" lang="fr-FR" sz="900" b="0" i="0" u="none" strike="noStrike" cap="none" normalizeH="0" baseline="0" dirty="0" smtClean="0">
-                          <a:ln>
-                            <a:noFill/>
-                          </a:ln>
-                          <a:solidFill>
-                            <a:srgbClr val="000000"/>
-                          </a:solidFill>
-                          <a:effectLst/>
-                          <a:latin typeface="Calibri" pitchFamily="34" charset="0"/>
-                          <a:cs typeface="Arial" charset="0"/>
-                        </a:rPr>
-                        <a:t>23 -</a:t>
-                      </a:r>
-                      <a:endParaRPr kumimoji="0" lang="fr-FR" sz="900" b="1" i="0" u="sng" strike="noStrike" cap="none" normalizeH="0" baseline="0" dirty="0" smtClean="0">
-                        <a:ln>
-                          <a:noFill/>
-                        </a:ln>
-                        <a:solidFill>
-                          <a:schemeClr val="tx1"/>
-                        </a:solidFill>
-                        <a:effectLst/>
-                        <a:latin typeface="Calibri" pitchFamily="34" charset="0"/>
-                        <a:cs typeface="Arial" charset="0"/>
-                      </a:endParaRPr>
-                    </a:p>
-                  </a:txBody>
-                  <a:tcPr horzOverflow="overflow">
-                    <a:lnL w="12700" cap="flat" cmpd="sng" algn="ctr">
-                      <a:solidFill>
-                        <a:schemeClr val="tx1"/>
-                      </a:solidFill>
-                      <a:prstDash val="solid"/>
-                      <a:round/>
-                      <a:headEnd type="none" w="med" len="med"/>
-                      <a:tailEnd type="none" w="med" len="med"/>
-                    </a:lnL>
-                    <a:lnR w="12700" cap="flat" cmpd="sng" algn="ctr">
-                      <a:solidFill>
-                        <a:schemeClr val="tx1"/>
-                      </a:solidFill>
-                      <a:prstDash val="solid"/>
-                      <a:round/>
-                      <a:headEnd type="none" w="med" len="med"/>
-                      <a:tailEnd type="none" w="med" len="med"/>
-                    </a:lnR>
-                    <a:lnT w="12700" cap="flat" cmpd="sng" algn="ctr">
-                      <a:solidFill>
-                        <a:schemeClr val="tx1"/>
-                      </a:solidFill>
-                      <a:prstDash val="solid"/>
-                      <a:round/>
-                      <a:headEnd type="none" w="med" len="med"/>
-                      <a:tailEnd type="none" w="med" len="med"/>
-                    </a:lnT>
-                    <a:lnB w="12700" cap="flat" cmpd="sng" algn="ctr">
-                      <a:solidFill>
-                        <a:schemeClr val="tx1"/>
-                      </a:solidFill>
-                      <a:prstDash val="solid"/>
-                      <a:round/>
-                      <a:headEnd type="none" w="med" len="med"/>
-                      <a:tailEnd type="none" w="med" len="med"/>
-                    </a:lnB>
-                    <a:lnTlToBr>
-                      <a:noFill/>
-                    </a:lnTlToBr>
-                    <a:lnBlToTr>
-                      <a:noFill/>
-                    </a:lnBlToTr>
-                    <a:noFill/>
-                  </a:tcPr>
-                </a:tc>
-                <a:tc>
-                  <a:txBody>
-                    <a:bodyPr/>
-                    <a:lstStyle/>
-                    <a:p>
-                      <a:pPr marL="0" marR="0" lvl="0" indent="0" algn="ctr" defTabSz="914400" rtl="0" eaLnBrk="1" fontAlgn="base" latinLnBrk="0" hangingPunct="1">
-                        <a:lnSpc>
-                          <a:spcPct val="100000"/>
-                        </a:lnSpc>
-                        <a:spcBef>
-                          <a:spcPct val="0"/>
-                        </a:spcBef>
-                        <a:spcAft>
-                          <a:spcPct val="0"/>
-                        </a:spcAft>
-                        <a:buClrTx/>
-                        <a:buSzTx/>
-                        <a:buFontTx/>
-                        <a:buNone/>
-                        <a:tabLst/>
-                      </a:pPr>
-                      <a:r>
-                        <a:rPr kumimoji="0" lang="fr-FR" sz="1200" b="1" i="0" u="sng" strike="noStrike" cap="none" normalizeH="0" baseline="0" dirty="0" smtClean="0">
-                          <a:ln>
-                            <a:noFill/>
-                          </a:ln>
-                          <a:solidFill>
-                            <a:schemeClr val="tx1"/>
-                          </a:solidFill>
-                          <a:effectLst/>
-                          <a:latin typeface="Calibri" pitchFamily="34" charset="0"/>
-                          <a:cs typeface="Arial" charset="0"/>
-                        </a:rPr>
-                        <a:t>Not </a:t>
-                      </a:r>
-                      <a:r>
-                        <a:rPr kumimoji="0" lang="fr-FR" sz="1200" b="1" i="0" u="sng" strike="noStrike" cap="none" normalizeH="0" baseline="0" dirty="0" err="1" smtClean="0">
-                          <a:ln>
-                            <a:noFill/>
-                          </a:ln>
-                          <a:solidFill>
-                            <a:schemeClr val="tx1"/>
-                          </a:solidFill>
-                          <a:effectLst/>
-                          <a:latin typeface="Calibri" pitchFamily="34" charset="0"/>
-                          <a:cs typeface="Arial" charset="0"/>
-                        </a:rPr>
-                        <a:t>Used</a:t>
-                      </a:r>
-                      <a:endParaRPr kumimoji="0" lang="fr-FR" sz="1200" b="1" i="0" u="sng" strike="noStrike" cap="none" normalizeH="0" baseline="0" dirty="0" smtClean="0">
-                        <a:ln>
-                          <a:noFill/>
-                        </a:ln>
-                        <a:solidFill>
-                          <a:schemeClr val="tx1"/>
-                        </a:solidFill>
-                        <a:effectLst/>
-                        <a:latin typeface="Calibri" pitchFamily="34" charset="0"/>
-                        <a:cs typeface="Arial" charset="0"/>
-                      </a:endParaRPr>
-                    </a:p>
-                    <a:p>
-                      <a:pPr marL="0" marR="0" lvl="0" indent="0" algn="l" defTabSz="914400" rtl="0" eaLnBrk="1" fontAlgn="base" latinLnBrk="0" hangingPunct="1">
-                        <a:lnSpc>
-                          <a:spcPct val="100000"/>
-                        </a:lnSpc>
-                        <a:spcBef>
-                          <a:spcPct val="0"/>
-                        </a:spcBef>
-                        <a:spcAft>
-                          <a:spcPct val="0"/>
-                        </a:spcAft>
-                        <a:buClrTx/>
-                        <a:buSzTx/>
-                        <a:buFontTx/>
-                        <a:buNone/>
-                        <a:tabLst/>
-                      </a:pPr>
-                      <a:r>
-                        <a:rPr kumimoji="0" lang="fr-FR" sz="900" b="0" i="0" u="none" strike="noStrike" cap="none" normalizeH="0" baseline="0" dirty="0" smtClean="0">
-                          <a:ln>
-                            <a:noFill/>
-                          </a:ln>
-                          <a:solidFill>
-                            <a:srgbClr val="000000"/>
-                          </a:solidFill>
-                          <a:effectLst/>
-                          <a:latin typeface="Calibri" pitchFamily="34" charset="0"/>
-                          <a:cs typeface="Arial" charset="0"/>
-                        </a:rPr>
-                        <a:t>24 –</a:t>
-                      </a:r>
-                    </a:p>
-                    <a:p>
-                      <a:pPr marL="0" marR="0" lvl="0" indent="0" algn="l" defTabSz="914400" rtl="0" eaLnBrk="1" fontAlgn="base" latinLnBrk="0" hangingPunct="1">
-                        <a:lnSpc>
-                          <a:spcPct val="100000"/>
-                        </a:lnSpc>
-                        <a:spcBef>
-                          <a:spcPct val="0"/>
-                        </a:spcBef>
-                        <a:spcAft>
-                          <a:spcPct val="0"/>
-                        </a:spcAft>
-                        <a:buClrTx/>
-                        <a:buSzTx/>
-                        <a:buFontTx/>
-                        <a:buNone/>
-                        <a:tabLst/>
-                      </a:pPr>
-                      <a:r>
-                        <a:rPr kumimoji="0" lang="fr-FR" sz="900" b="0" i="0" u="none" strike="noStrike" cap="none" normalizeH="0" baseline="0" dirty="0" smtClean="0">
-                          <a:ln>
-                            <a:noFill/>
-                          </a:ln>
-                          <a:solidFill>
-                            <a:srgbClr val="000000"/>
-                          </a:solidFill>
-                          <a:effectLst/>
-                          <a:latin typeface="Calibri" pitchFamily="34" charset="0"/>
-                          <a:cs typeface="Arial" charset="0"/>
-                        </a:rPr>
-                        <a:t>25 –</a:t>
-                      </a:r>
-                    </a:p>
-                    <a:p>
-                      <a:pPr marL="0" marR="0" lvl="0" indent="0" algn="l" defTabSz="914400" rtl="0" eaLnBrk="1" fontAlgn="base" latinLnBrk="0" hangingPunct="1">
-                        <a:lnSpc>
-                          <a:spcPct val="100000"/>
-                        </a:lnSpc>
-                        <a:spcBef>
-                          <a:spcPct val="0"/>
-                        </a:spcBef>
-                        <a:spcAft>
-                          <a:spcPct val="0"/>
-                        </a:spcAft>
-                        <a:buClrTx/>
-                        <a:buSzTx/>
-                        <a:buFontTx/>
-                        <a:buNone/>
-                        <a:tabLst/>
-                      </a:pPr>
-                      <a:r>
-                        <a:rPr kumimoji="0" lang="fr-FR" sz="900" b="0" i="0" u="none" strike="noStrike" cap="none" normalizeH="0" baseline="0" dirty="0" smtClean="0">
-                          <a:ln>
-                            <a:noFill/>
-                          </a:ln>
-                          <a:solidFill>
-                            <a:srgbClr val="000000"/>
-                          </a:solidFill>
-                          <a:effectLst/>
-                          <a:latin typeface="Calibri" pitchFamily="34" charset="0"/>
-                          <a:cs typeface="Arial" charset="0"/>
-                        </a:rPr>
-                        <a:t>26 –</a:t>
-                      </a:r>
-                    </a:p>
-                    <a:p>
-                      <a:pPr marL="0" marR="0" lvl="0" indent="0" algn="l" defTabSz="914400" rtl="0" eaLnBrk="1" fontAlgn="base" latinLnBrk="0" hangingPunct="1">
-                        <a:lnSpc>
-                          <a:spcPct val="100000"/>
-                        </a:lnSpc>
-                        <a:spcBef>
-                          <a:spcPct val="0"/>
-                        </a:spcBef>
-                        <a:spcAft>
-                          <a:spcPct val="0"/>
-                        </a:spcAft>
-                        <a:buClrTx/>
-                        <a:buSzTx/>
-                        <a:buFontTx/>
-                        <a:buNone/>
-                        <a:tabLst/>
-                      </a:pPr>
-                      <a:r>
-                        <a:rPr kumimoji="0" lang="fr-FR" sz="900" b="0" i="0" u="none" strike="noStrike" cap="none" normalizeH="0" baseline="0" dirty="0" smtClean="0">
-                          <a:ln>
-                            <a:noFill/>
-                          </a:ln>
-                          <a:solidFill>
-                            <a:srgbClr val="000000"/>
-                          </a:solidFill>
-                          <a:effectLst/>
-                          <a:latin typeface="Calibri" pitchFamily="34" charset="0"/>
-                          <a:cs typeface="Arial" charset="0"/>
-                        </a:rPr>
-                        <a:t>27 –</a:t>
-                      </a:r>
-                    </a:p>
-                    <a:p>
-                      <a:pPr marL="0" marR="0" lvl="0" indent="0" algn="l" defTabSz="914400" rtl="0" eaLnBrk="1" fontAlgn="base" latinLnBrk="0" hangingPunct="1">
-                        <a:lnSpc>
-                          <a:spcPct val="100000"/>
-                        </a:lnSpc>
-                        <a:spcBef>
-                          <a:spcPct val="0"/>
-                        </a:spcBef>
-                        <a:spcAft>
-                          <a:spcPct val="0"/>
-                        </a:spcAft>
-                        <a:buClrTx/>
-                        <a:buSzTx/>
-                        <a:buFontTx/>
-                        <a:buNone/>
-                        <a:tabLst/>
-                      </a:pPr>
-                      <a:r>
-                        <a:rPr kumimoji="0" lang="fr-FR" sz="900" b="0" i="0" u="none" strike="noStrike" cap="none" normalizeH="0" baseline="0" dirty="0" smtClean="0">
-                          <a:ln>
-                            <a:noFill/>
-                          </a:ln>
-                          <a:solidFill>
-                            <a:srgbClr val="000000"/>
-                          </a:solidFill>
-                          <a:effectLst/>
-                          <a:latin typeface="Calibri" pitchFamily="34" charset="0"/>
-                          <a:cs typeface="Arial" charset="0"/>
-                        </a:rPr>
-                        <a:t>28 –</a:t>
-                      </a:r>
-                    </a:p>
-                    <a:p>
-                      <a:pPr marL="0" marR="0" lvl="0" indent="0" algn="l" defTabSz="914400" rtl="0" eaLnBrk="1" fontAlgn="base" latinLnBrk="0" hangingPunct="1">
-                        <a:lnSpc>
-                          <a:spcPct val="100000"/>
-                        </a:lnSpc>
-                        <a:spcBef>
-                          <a:spcPct val="0"/>
-                        </a:spcBef>
-                        <a:spcAft>
-                          <a:spcPct val="0"/>
-                        </a:spcAft>
-                        <a:buClrTx/>
-                        <a:buSzTx/>
-                        <a:buFontTx/>
-                        <a:buNone/>
-                        <a:tabLst/>
-                      </a:pPr>
-                      <a:r>
-                        <a:rPr kumimoji="0" lang="fr-FR" sz="900" b="0" i="0" u="none" strike="noStrike" cap="none" normalizeH="0" baseline="0" dirty="0" smtClean="0">
-                          <a:ln>
-                            <a:noFill/>
-                          </a:ln>
-                          <a:solidFill>
-                            <a:srgbClr val="000000"/>
-                          </a:solidFill>
-                          <a:effectLst/>
-                          <a:latin typeface="Calibri" pitchFamily="34" charset="0"/>
-                          <a:cs typeface="Arial" charset="0"/>
-                        </a:rPr>
-                        <a:t>29 –</a:t>
-                      </a:r>
-                    </a:p>
-                    <a:p>
-                      <a:pPr marL="0" marR="0" lvl="0" indent="0" algn="l" defTabSz="914400" rtl="0" eaLnBrk="1" fontAlgn="base" latinLnBrk="0" hangingPunct="1">
-                        <a:lnSpc>
-                          <a:spcPct val="100000"/>
-                        </a:lnSpc>
-                        <a:spcBef>
-                          <a:spcPct val="0"/>
-                        </a:spcBef>
-                        <a:spcAft>
-                          <a:spcPct val="0"/>
-                        </a:spcAft>
-                        <a:buClrTx/>
-                        <a:buSzTx/>
-                        <a:buFontTx/>
-                        <a:buNone/>
-                        <a:tabLst/>
-                      </a:pPr>
-                      <a:r>
-                        <a:rPr kumimoji="0" lang="fr-FR" sz="900" b="0" i="0" u="none" strike="noStrike" cap="none" normalizeH="0" baseline="0" dirty="0" smtClean="0">
-                          <a:ln>
-                            <a:noFill/>
-                          </a:ln>
-                          <a:solidFill>
-                            <a:srgbClr val="000000"/>
-                          </a:solidFill>
-                          <a:effectLst/>
-                          <a:latin typeface="Calibri" pitchFamily="34" charset="0"/>
-                          <a:cs typeface="Arial" charset="0"/>
-                        </a:rPr>
-                        <a:t>30 –</a:t>
-                      </a:r>
-                    </a:p>
-                    <a:p>
-                      <a:pPr marL="0" marR="0" lvl="0" indent="0" algn="l" defTabSz="914400" rtl="0" eaLnBrk="1" fontAlgn="base" latinLnBrk="0" hangingPunct="1">
-                        <a:lnSpc>
-                          <a:spcPct val="100000"/>
-                        </a:lnSpc>
-                        <a:spcBef>
-                          <a:spcPct val="0"/>
-                        </a:spcBef>
-                        <a:spcAft>
-                          <a:spcPct val="0"/>
-                        </a:spcAft>
-                        <a:buClrTx/>
-                        <a:buSzTx/>
-                        <a:buFontTx/>
-                        <a:buNone/>
-                        <a:tabLst/>
-                      </a:pPr>
-                      <a:r>
-                        <a:rPr kumimoji="0" lang="fr-FR" sz="900" b="0" i="0" u="none" strike="noStrike" cap="none" normalizeH="0" baseline="0" dirty="0" smtClean="0">
-                          <a:ln>
-                            <a:noFill/>
-                          </a:ln>
-                          <a:solidFill>
-                            <a:srgbClr val="000000"/>
-                          </a:solidFill>
-                          <a:effectLst/>
-                          <a:latin typeface="Calibri" pitchFamily="34" charset="0"/>
-                          <a:cs typeface="Arial" charset="0"/>
-                        </a:rPr>
-                        <a:t>31 -</a:t>
-                      </a:r>
-                      <a:endParaRPr kumimoji="0" lang="fr-FR" sz="1200" b="1" i="0" u="sng" strike="noStrike" cap="none" normalizeH="0" baseline="0" dirty="0" smtClean="0">
-                        <a:ln>
-                          <a:noFill/>
-                        </a:ln>
-                        <a:solidFill>
-                          <a:schemeClr val="tx1"/>
-                        </a:solidFill>
-                        <a:effectLst/>
-                        <a:latin typeface="Calibri" pitchFamily="34" charset="0"/>
-                        <a:cs typeface="Arial" charset="0"/>
-                      </a:endParaRPr>
                     </a:p>
                   </a:txBody>
                   <a:tcPr horzOverflow="overflow">
@@ -6928,15 +5100,13 @@
       <p:cxnSp>
         <p:nvCxnSpPr>
           <p:cNvPr id="20" name="Connecteur droit avec flèche 19"/>
-          <p:cNvCxnSpPr>
-            <a:stCxn id="0" idx="1"/>
-          </p:cNvCxnSpPr>
+          <p:cNvCxnSpPr/>
           <p:nvPr/>
         </p:nvCxnSpPr>
         <p:spPr>
           <a:xfrm>
             <a:off x="2555875" y="5267325"/>
-            <a:ext cx="360363" cy="106363"/>
+            <a:ext cx="389731" cy="465931"/>
           </a:xfrm>
           <a:prstGeom prst="straightConnector1">
             <a:avLst/>
@@ -6970,8 +5140,8 @@
         </p:nvCxnSpPr>
         <p:spPr bwMode="auto">
           <a:xfrm flipV="1">
-            <a:off x="6228184" y="2520950"/>
-            <a:ext cx="1587" cy="2347913"/>
+            <a:off x="6084168" y="3032919"/>
+            <a:ext cx="0" cy="2744291"/>
           </a:xfrm>
           <a:prstGeom prst="straightConnector1">
             <a:avLst/>
@@ -6999,15 +5169,13 @@
           <p:cNvPr id="26" name="Connecteur droit avec flèche 25"/>
           <p:cNvCxnSpPr>
             <a:cxnSpLocks noChangeShapeType="1"/>
-            <a:stCxn id="0" idx="1"/>
-            <a:endCxn id="0" idx="0"/>
           </p:cNvCxnSpPr>
           <p:nvPr/>
         </p:nvCxnSpPr>
         <p:spPr bwMode="auto">
           <a:xfrm>
-            <a:off x="6518275" y="2520950"/>
-            <a:ext cx="66675" cy="476250"/>
+            <a:off x="6588224" y="3032919"/>
+            <a:ext cx="0" cy="949404"/>
           </a:xfrm>
           <a:prstGeom prst="straightConnector1">
             <a:avLst/>
@@ -7035,15 +5203,13 @@
           <p:cNvPr id="28" name="Connecteur droit avec flèche 27"/>
           <p:cNvCxnSpPr>
             <a:cxnSpLocks noChangeShapeType="1"/>
-            <a:stCxn id="0" idx="0"/>
-            <a:endCxn id="0" idx="2"/>
           </p:cNvCxnSpPr>
           <p:nvPr/>
         </p:nvCxnSpPr>
         <p:spPr bwMode="auto">
           <a:xfrm flipV="1">
-            <a:off x="7559675" y="2520950"/>
-            <a:ext cx="290513" cy="476250"/>
+            <a:off x="7812360" y="3493095"/>
+            <a:ext cx="0" cy="511969"/>
           </a:xfrm>
           <a:prstGeom prst="straightConnector1">
             <a:avLst/>
@@ -7071,15 +5237,13 @@
           <p:cNvPr id="30" name="Connecteur droit avec flèche 29"/>
           <p:cNvCxnSpPr>
             <a:cxnSpLocks noChangeShapeType="1"/>
-            <a:stCxn id="0" idx="1"/>
-            <a:endCxn id="0" idx="1"/>
           </p:cNvCxnSpPr>
           <p:nvPr/>
         </p:nvCxnSpPr>
         <p:spPr bwMode="auto">
-          <a:xfrm flipH="1">
-            <a:off x="8675688" y="2520950"/>
-            <a:ext cx="4762" cy="2347913"/>
+          <a:xfrm>
+            <a:off x="8532440" y="3505357"/>
+            <a:ext cx="0" cy="2151542"/>
           </a:xfrm>
           <a:prstGeom prst="straightConnector1">
             <a:avLst/>
@@ -7180,7 +5344,7 @@
         </p:nvSpPr>
         <p:spPr>
           <a:xfrm>
-            <a:off x="3348038" y="3500438"/>
+            <a:off x="3923928" y="4629497"/>
             <a:ext cx="1943100" cy="503237"/>
           </a:xfrm>
           <a:prstGeom prst="ellipse">
@@ -7248,14 +5412,13 @@
           <p:cNvCxnSpPr>
             <a:cxnSpLocks noChangeShapeType="1"/>
             <a:stCxn id="61" idx="2"/>
-            <a:endCxn id="0" idx="3"/>
           </p:cNvCxnSpPr>
           <p:nvPr/>
         </p:nvCxnSpPr>
         <p:spPr bwMode="auto">
-          <a:xfrm flipH="1">
-            <a:off x="2555875" y="3752850"/>
-            <a:ext cx="779463" cy="857250"/>
+          <a:xfrm flipH="1" flipV="1">
+            <a:off x="2267844" y="4586461"/>
+            <a:ext cx="1656084" cy="294655"/>
           </a:xfrm>
           <a:prstGeom prst="straightConnector1">
             <a:avLst/>
@@ -7283,15 +5446,15 @@
           <p:cNvPr id="65" name="Connecteur droit avec flèche 64"/>
           <p:cNvCxnSpPr>
             <a:cxnSpLocks noChangeShapeType="1"/>
-            <a:stCxn id="0" idx="0"/>
+            <a:stCxn id="5" idx="2"/>
             <a:endCxn id="61" idx="0"/>
           </p:cNvCxnSpPr>
           <p:nvPr/>
         </p:nvCxnSpPr>
         <p:spPr bwMode="auto">
           <a:xfrm flipH="1">
-            <a:off x="4319588" y="2520950"/>
-            <a:ext cx="757237" cy="966788"/>
+            <a:off x="4895478" y="3028391"/>
+            <a:ext cx="900658" cy="1601106"/>
           </a:xfrm>
           <a:prstGeom prst="straightConnector1">
             <a:avLst/>
@@ -7675,13 +5838,15 @@
           <p:cNvPr id="31" name="Connecteur droit avec flèche 30"/>
           <p:cNvCxnSpPr>
             <a:cxnSpLocks noChangeShapeType="1"/>
+            <a:stCxn id="33" idx="2"/>
+            <a:endCxn id="5" idx="0"/>
           </p:cNvCxnSpPr>
           <p:nvPr/>
         </p:nvCxnSpPr>
         <p:spPr bwMode="auto">
-          <a:xfrm flipV="1">
-            <a:off x="5580112" y="2520951"/>
-            <a:ext cx="0" cy="1556121"/>
+          <a:xfrm flipH="1">
+            <a:off x="5796136" y="1581045"/>
+            <a:ext cx="1414" cy="520372"/>
           </a:xfrm>
           <a:prstGeom prst="straightConnector1">
             <a:avLst/>
@@ -7713,13 +5878,13 @@
           <p:nvPr>
             <p:extLst>
               <p:ext uri="{D42A27DB-BD31-4B8C-83A1-F6EECF244321}">
-                <p14:modId xmlns:p14="http://schemas.microsoft.com/office/powerpoint/2010/main" val="3629319386"/>
+                <p14:modId xmlns:p14="http://schemas.microsoft.com/office/powerpoint/2010/main" val="1719089058"/>
               </p:ext>
             </p:extLst>
           </p:nvPr>
         </p:nvGraphicFramePr>
         <p:xfrm>
-          <a:off x="3851920" y="4077072"/>
+          <a:off x="4753434" y="935967"/>
           <a:ext cx="2088232" cy="645078"/>
         </p:xfrm>
         <a:graphic>
@@ -7729,7 +5894,7 @@
               <a:tblGrid>
                 <a:gridCol w="2088232"/>
               </a:tblGrid>
-              <a:tr h="266265">
+              <a:tr h="119256">
                 <a:tc>
                   <a:txBody>
                     <a:bodyPr/>
@@ -7893,6 +6058,1335 @@
                         </a:rPr>
                         <a:t> Page 2</a:t>
                       </a:r>
+                    </a:p>
+                  </a:txBody>
+                  <a:tcPr horzOverflow="overflow">
+                    <a:lnL w="12700" cap="flat" cmpd="sng" algn="ctr">
+                      <a:solidFill>
+                        <a:schemeClr val="tx1"/>
+                      </a:solidFill>
+                      <a:prstDash val="solid"/>
+                      <a:round/>
+                      <a:headEnd type="none" w="med" len="med"/>
+                      <a:tailEnd type="none" w="med" len="med"/>
+                    </a:lnL>
+                    <a:lnR w="12700" cap="flat" cmpd="sng" algn="ctr">
+                      <a:solidFill>
+                        <a:schemeClr val="tx1"/>
+                      </a:solidFill>
+                      <a:prstDash val="solid"/>
+                      <a:round/>
+                      <a:headEnd type="none" w="med" len="med"/>
+                      <a:tailEnd type="none" w="med" len="med"/>
+                    </a:lnR>
+                    <a:lnT w="12700" cap="flat" cmpd="sng" algn="ctr">
+                      <a:solidFill>
+                        <a:schemeClr val="tx1"/>
+                      </a:solidFill>
+                      <a:prstDash val="solid"/>
+                      <a:round/>
+                      <a:headEnd type="none" w="med" len="med"/>
+                      <a:tailEnd type="none" w="med" len="med"/>
+                    </a:lnT>
+                    <a:lnB w="12700" cap="flat" cmpd="sng" algn="ctr">
+                      <a:solidFill>
+                        <a:schemeClr val="tx1"/>
+                      </a:solidFill>
+                      <a:prstDash val="solid"/>
+                      <a:round/>
+                      <a:headEnd type="none" w="med" len="med"/>
+                      <a:tailEnd type="none" w="med" len="med"/>
+                    </a:lnB>
+                    <a:lnTlToBr>
+                      <a:noFill/>
+                    </a:lnTlToBr>
+                    <a:lnBlToTr>
+                      <a:noFill/>
+                    </a:lnBlToTr>
+                    <a:noFill/>
+                  </a:tcPr>
+                </a:tc>
+              </a:tr>
+            </a:tbl>
+          </a:graphicData>
+        </a:graphic>
+      </p:graphicFrame>
+      <p:graphicFrame>
+        <p:nvGraphicFramePr>
+          <p:cNvPr id="25" name="Group 96"/>
+          <p:cNvGraphicFramePr>
+            <a:graphicFrameLocks noGrp="1"/>
+          </p:cNvGraphicFramePr>
+          <p:nvPr>
+            <p:extLst>
+              <p:ext uri="{D42A27DB-BD31-4B8C-83A1-F6EECF244321}">
+                <p14:modId xmlns:p14="http://schemas.microsoft.com/office/powerpoint/2010/main" val="2012638760"/>
+              </p:ext>
+            </p:extLst>
+          </p:nvPr>
+        </p:nvGraphicFramePr>
+        <p:xfrm>
+          <a:off x="2945606" y="5699010"/>
+          <a:ext cx="5759450" cy="648534"/>
+        </p:xfrm>
+        <a:graphic>
+          <a:graphicData uri="http://schemas.openxmlformats.org/drawingml/2006/table">
+            <a:tbl>
+              <a:tblPr/>
+              <a:tblGrid>
+                <a:gridCol w="5759450"/>
+              </a:tblGrid>
+              <a:tr h="255244">
+                <a:tc>
+                  <a:txBody>
+                    <a:bodyPr/>
+                    <a:lstStyle/>
+                    <a:p>
+                      <a:pPr marL="0" marR="0" lvl="0" indent="0" algn="ctr" defTabSz="914400" rtl="0" eaLnBrk="1" fontAlgn="base" latinLnBrk="0" hangingPunct="1">
+                        <a:lnSpc>
+                          <a:spcPct val="100000"/>
+                        </a:lnSpc>
+                        <a:spcBef>
+                          <a:spcPct val="0"/>
+                        </a:spcBef>
+                        <a:spcAft>
+                          <a:spcPct val="0"/>
+                        </a:spcAft>
+                        <a:buClrTx/>
+                        <a:buSzTx/>
+                        <a:buFontTx/>
+                        <a:buNone/>
+                        <a:tabLst/>
+                      </a:pPr>
+                      <a:r>
+                        <a:rPr kumimoji="0" lang="fr-FR" sz="1600" b="1" i="0" u="none" strike="noStrike" cap="none" normalizeH="0" baseline="0" dirty="0" smtClean="0">
+                          <a:ln>
+                            <a:noFill/>
+                          </a:ln>
+                          <a:solidFill>
+                            <a:schemeClr val="tx1"/>
+                          </a:solidFill>
+                          <a:effectLst/>
+                          <a:latin typeface="Calibri" pitchFamily="34" charset="0"/>
+                          <a:cs typeface="Arial" charset="0"/>
+                        </a:rPr>
+                        <a:t>App Flags (32 bits)</a:t>
+                      </a:r>
+                    </a:p>
+                  </a:txBody>
+                  <a:tcPr horzOverflow="overflow">
+                    <a:lnL w="12700" cap="flat" cmpd="sng" algn="ctr">
+                      <a:solidFill>
+                        <a:schemeClr val="tx1"/>
+                      </a:solidFill>
+                      <a:prstDash val="solid"/>
+                      <a:round/>
+                      <a:headEnd type="none" w="med" len="med"/>
+                      <a:tailEnd type="none" w="med" len="med"/>
+                    </a:lnL>
+                    <a:lnR w="12700" cap="flat" cmpd="sng" algn="ctr">
+                      <a:solidFill>
+                        <a:schemeClr val="tx1"/>
+                      </a:solidFill>
+                      <a:prstDash val="solid"/>
+                      <a:round/>
+                      <a:headEnd type="none" w="med" len="med"/>
+                      <a:tailEnd type="none" w="med" len="med"/>
+                    </a:lnR>
+                    <a:lnT w="12700" cap="flat" cmpd="sng" algn="ctr">
+                      <a:solidFill>
+                        <a:schemeClr val="tx1"/>
+                      </a:solidFill>
+                      <a:prstDash val="solid"/>
+                      <a:round/>
+                      <a:headEnd type="none" w="med" len="med"/>
+                      <a:tailEnd type="none" w="med" len="med"/>
+                    </a:lnT>
+                    <a:lnB w="12700" cap="flat" cmpd="sng" algn="ctr">
+                      <a:solidFill>
+                        <a:schemeClr val="tx1"/>
+                      </a:solidFill>
+                      <a:prstDash val="solid"/>
+                      <a:round/>
+                      <a:headEnd type="none" w="med" len="med"/>
+                      <a:tailEnd type="none" w="med" len="med"/>
+                    </a:lnB>
+                    <a:lnTlToBr>
+                      <a:noFill/>
+                    </a:lnTlToBr>
+                    <a:lnBlToTr>
+                      <a:noFill/>
+                    </a:lnBlToTr>
+                    <a:gradFill rotWithShape="1">
+                      <a:gsLst>
+                        <a:gs pos="0">
+                          <a:srgbClr val="FF8080"/>
+                        </a:gs>
+                        <a:gs pos="50000">
+                          <a:srgbClr val="FFB3B3"/>
+                        </a:gs>
+                        <a:gs pos="100000">
+                          <a:srgbClr val="FFDADA"/>
+                        </a:gs>
+                      </a:gsLst>
+                      <a:path path="rect">
+                        <a:fillToRect l="50000" t="50000" r="50000" b="50000"/>
+                      </a:path>
+                    </a:gradFill>
+                  </a:tcPr>
+                </a:tc>
+              </a:tr>
+              <a:tr h="313254">
+                <a:tc>
+                  <a:txBody>
+                    <a:bodyPr/>
+                    <a:lstStyle/>
+                    <a:p>
+                      <a:pPr marL="0" marR="0" lvl="0" indent="0" algn="ctr" defTabSz="914400" rtl="0" eaLnBrk="1" fontAlgn="base" latinLnBrk="0" hangingPunct="1">
+                        <a:lnSpc>
+                          <a:spcPct val="100000"/>
+                        </a:lnSpc>
+                        <a:spcBef>
+                          <a:spcPct val="0"/>
+                        </a:spcBef>
+                        <a:spcAft>
+                          <a:spcPct val="0"/>
+                        </a:spcAft>
+                        <a:buClrTx/>
+                        <a:buSzTx/>
+                        <a:buFontTx/>
+                        <a:buNone/>
+                        <a:tabLst/>
+                        <a:defRPr/>
+                      </a:pPr>
+                      <a:r>
+                        <a:rPr kumimoji="0" lang="fr-FR" sz="1200" b="0" i="0" u="none" strike="noStrike" kern="1200" cap="none" spc="0" normalizeH="0" baseline="0" noProof="0" dirty="0" err="1" smtClean="0">
+                          <a:ln>
+                            <a:noFill/>
+                          </a:ln>
+                          <a:solidFill>
+                            <a:prstClr val="black"/>
+                          </a:solidFill>
+                          <a:effectLst/>
+                          <a:uLnTx/>
+                          <a:uFillTx/>
+                          <a:latin typeface="Calibri" pitchFamily="34" charset="0"/>
+                          <a:ea typeface="+mn-ea"/>
+                          <a:cs typeface="Arial" charset="0"/>
+                        </a:rPr>
+                        <a:t>See</a:t>
+                      </a:r>
+                      <a:r>
+                        <a:rPr kumimoji="0" lang="fr-FR" sz="1200" b="0" i="0" u="none" strike="noStrike" kern="1200" cap="none" spc="0" normalizeH="0" baseline="0" noProof="0" dirty="0" smtClean="0">
+                          <a:ln>
+                            <a:noFill/>
+                          </a:ln>
+                          <a:solidFill>
+                            <a:prstClr val="black"/>
+                          </a:solidFill>
+                          <a:effectLst/>
+                          <a:uLnTx/>
+                          <a:uFillTx/>
+                          <a:latin typeface="Calibri" pitchFamily="34" charset="0"/>
+                          <a:ea typeface="+mn-ea"/>
+                          <a:cs typeface="Arial" charset="0"/>
+                        </a:rPr>
+                        <a:t> Page 2</a:t>
+                      </a:r>
+                    </a:p>
+                  </a:txBody>
+                  <a:tcPr horzOverflow="overflow">
+                    <a:lnL w="12700" cap="flat" cmpd="sng" algn="ctr">
+                      <a:solidFill>
+                        <a:schemeClr val="tx1"/>
+                      </a:solidFill>
+                      <a:prstDash val="solid"/>
+                      <a:round/>
+                      <a:headEnd type="none" w="med" len="med"/>
+                      <a:tailEnd type="none" w="med" len="med"/>
+                    </a:lnL>
+                    <a:lnR w="12700" cap="flat" cmpd="sng" algn="ctr">
+                      <a:solidFill>
+                        <a:schemeClr val="tx1"/>
+                      </a:solidFill>
+                      <a:prstDash val="solid"/>
+                      <a:round/>
+                      <a:headEnd type="none" w="med" len="med"/>
+                      <a:tailEnd type="none" w="med" len="med"/>
+                    </a:lnR>
+                    <a:lnT w="12700" cap="flat" cmpd="sng" algn="ctr">
+                      <a:solidFill>
+                        <a:schemeClr val="tx1"/>
+                      </a:solidFill>
+                      <a:prstDash val="solid"/>
+                      <a:round/>
+                      <a:headEnd type="none" w="med" len="med"/>
+                      <a:tailEnd type="none" w="med" len="med"/>
+                    </a:lnT>
+                    <a:lnB w="12700" cap="flat" cmpd="sng" algn="ctr">
+                      <a:solidFill>
+                        <a:schemeClr val="tx1"/>
+                      </a:solidFill>
+                      <a:prstDash val="solid"/>
+                      <a:round/>
+                      <a:headEnd type="none" w="med" len="med"/>
+                      <a:tailEnd type="none" w="med" len="med"/>
+                    </a:lnB>
+                    <a:lnTlToBr>
+                      <a:noFill/>
+                    </a:lnTlToBr>
+                    <a:lnBlToTr>
+                      <a:noFill/>
+                    </a:lnBlToTr>
+                    <a:noFill/>
+                  </a:tcPr>
+                </a:tc>
+              </a:tr>
+            </a:tbl>
+          </a:graphicData>
+        </a:graphic>
+      </p:graphicFrame>
+      <p:graphicFrame>
+        <p:nvGraphicFramePr>
+          <p:cNvPr id="11" name="Tableau 10"/>
+          <p:cNvGraphicFramePr>
+            <a:graphicFrameLocks noGrp="1"/>
+          </p:cNvGraphicFramePr>
+          <p:nvPr>
+            <p:extLst>
+              <p:ext uri="{D42A27DB-BD31-4B8C-83A1-F6EECF244321}">
+                <p14:modId xmlns:p14="http://schemas.microsoft.com/office/powerpoint/2010/main" val="2160783547"/>
+              </p:ext>
+            </p:extLst>
+          </p:nvPr>
+        </p:nvGraphicFramePr>
+        <p:xfrm>
+          <a:off x="6366916" y="3982323"/>
+          <a:ext cx="1947863" cy="1540193"/>
+        </p:xfrm>
+        <a:graphic>
+          <a:graphicData uri="http://schemas.openxmlformats.org/drawingml/2006/table">
+            <a:tbl>
+              <a:tblPr/>
+              <a:tblGrid>
+                <a:gridCol w="1947863"/>
+              </a:tblGrid>
+              <a:tr h="250825">
+                <a:tc>
+                  <a:txBody>
+                    <a:bodyPr/>
+                    <a:lstStyle/>
+                    <a:p>
+                      <a:pPr marL="0" marR="0" lvl="0" indent="0" algn="ctr" defTabSz="914400" rtl="0" eaLnBrk="1" fontAlgn="base" latinLnBrk="0" hangingPunct="1">
+                        <a:lnSpc>
+                          <a:spcPct val="100000"/>
+                        </a:lnSpc>
+                        <a:spcBef>
+                          <a:spcPct val="0"/>
+                        </a:spcBef>
+                        <a:spcAft>
+                          <a:spcPct val="0"/>
+                        </a:spcAft>
+                        <a:buClrTx/>
+                        <a:buSzTx/>
+                        <a:buFontTx/>
+                        <a:buNone/>
+                        <a:tabLst/>
+                      </a:pPr>
+                      <a:r>
+                        <a:rPr kumimoji="0" lang="fr-FR" sz="1600" b="1" i="0" u="none" strike="noStrike" cap="none" normalizeH="0" baseline="0" dirty="0" err="1" smtClean="0">
+                          <a:ln>
+                            <a:noFill/>
+                          </a:ln>
+                          <a:solidFill>
+                            <a:schemeClr val="tx1"/>
+                          </a:solidFill>
+                          <a:effectLst/>
+                          <a:latin typeface="Calibri" pitchFamily="34" charset="0"/>
+                          <a:cs typeface="Arial" charset="0"/>
+                        </a:rPr>
+                        <a:t>QSensors</a:t>
+                      </a:r>
+                      <a:endParaRPr kumimoji="0" lang="fr-FR" sz="1600" b="1" i="0" u="none" strike="noStrike" cap="none" normalizeH="0" baseline="0" dirty="0" smtClean="0">
+                        <a:ln>
+                          <a:noFill/>
+                        </a:ln>
+                        <a:solidFill>
+                          <a:schemeClr val="tx1"/>
+                        </a:solidFill>
+                        <a:effectLst/>
+                        <a:latin typeface="Calibri" pitchFamily="34" charset="0"/>
+                        <a:cs typeface="Arial" charset="0"/>
+                      </a:endParaRPr>
+                    </a:p>
+                  </a:txBody>
+                  <a:tcPr horzOverflow="overflow">
+                    <a:lnL w="12700" cap="flat" cmpd="sng" algn="ctr">
+                      <a:solidFill>
+                        <a:schemeClr val="tx1"/>
+                      </a:solidFill>
+                      <a:prstDash val="solid"/>
+                      <a:round/>
+                      <a:headEnd type="none" w="med" len="med"/>
+                      <a:tailEnd type="none" w="med" len="med"/>
+                    </a:lnL>
+                    <a:lnR w="12700" cap="flat" cmpd="sng" algn="ctr">
+                      <a:solidFill>
+                        <a:schemeClr val="tx1"/>
+                      </a:solidFill>
+                      <a:prstDash val="solid"/>
+                      <a:round/>
+                      <a:headEnd type="none" w="med" len="med"/>
+                      <a:tailEnd type="none" w="med" len="med"/>
+                    </a:lnR>
+                    <a:lnT w="12700" cap="flat" cmpd="sng" algn="ctr">
+                      <a:solidFill>
+                        <a:schemeClr val="tx1"/>
+                      </a:solidFill>
+                      <a:prstDash val="solid"/>
+                      <a:round/>
+                      <a:headEnd type="none" w="med" len="med"/>
+                      <a:tailEnd type="none" w="med" len="med"/>
+                    </a:lnT>
+                    <a:lnB w="12700" cap="flat" cmpd="sng" algn="ctr">
+                      <a:solidFill>
+                        <a:schemeClr val="tx1"/>
+                      </a:solidFill>
+                      <a:prstDash val="solid"/>
+                      <a:round/>
+                      <a:headEnd type="none" w="med" len="med"/>
+                      <a:tailEnd type="none" w="med" len="med"/>
+                    </a:lnB>
+                    <a:lnTlToBr>
+                      <a:noFill/>
+                    </a:lnTlToBr>
+                    <a:lnBlToTr>
+                      <a:noFill/>
+                    </a:lnBlToTr>
+                    <a:gradFill rotWithShape="1">
+                      <a:gsLst>
+                        <a:gs pos="0">
+                          <a:srgbClr val="FF8080"/>
+                        </a:gs>
+                        <a:gs pos="50000">
+                          <a:srgbClr val="FFB3B3"/>
+                        </a:gs>
+                        <a:gs pos="100000">
+                          <a:srgbClr val="FFDADA"/>
+                        </a:gs>
+                      </a:gsLst>
+                      <a:path path="rect">
+                        <a:fillToRect l="50000" t="50000" r="50000" b="50000"/>
+                      </a:path>
+                    </a:gradFill>
+                  </a:tcPr>
+                </a:tc>
+              </a:tr>
+              <a:tr h="1204913">
+                <a:tc>
+                  <a:txBody>
+                    <a:bodyPr/>
+                    <a:lstStyle/>
+                    <a:p>
+                      <a:pPr marL="0" marR="0" lvl="0" indent="0" algn="ctr" defTabSz="914400" rtl="0" eaLnBrk="1" fontAlgn="base" latinLnBrk="0" hangingPunct="1">
+                        <a:lnSpc>
+                          <a:spcPct val="100000"/>
+                        </a:lnSpc>
+                        <a:spcBef>
+                          <a:spcPct val="0"/>
+                        </a:spcBef>
+                        <a:spcAft>
+                          <a:spcPct val="0"/>
+                        </a:spcAft>
+                        <a:buClrTx/>
+                        <a:buSzTx/>
+                        <a:buFontTx/>
+                        <a:buChar char="-"/>
+                        <a:tabLst/>
+                      </a:pPr>
+                      <a:r>
+                        <a:rPr kumimoji="0" lang="fr-FR" sz="1200" b="0" i="0" u="none" strike="noStrike" cap="none" normalizeH="0" baseline="0" dirty="0" smtClean="0">
+                          <a:ln>
+                            <a:noFill/>
+                          </a:ln>
+                          <a:solidFill>
+                            <a:schemeClr val="tx1"/>
+                          </a:solidFill>
+                          <a:effectLst/>
+                          <a:latin typeface="Calibri" pitchFamily="34" charset="0"/>
+                          <a:cs typeface="Arial" charset="0"/>
+                        </a:rPr>
+                        <a:t>Queue </a:t>
+                      </a:r>
+                      <a:r>
+                        <a:rPr kumimoji="0" lang="fr-FR" sz="1200" b="0" i="0" u="none" strike="noStrike" cap="none" normalizeH="0" baseline="0" dirty="0" err="1" smtClean="0">
+                          <a:ln>
+                            <a:noFill/>
+                          </a:ln>
+                          <a:solidFill>
+                            <a:schemeClr val="tx1"/>
+                          </a:solidFill>
+                          <a:effectLst/>
+                          <a:latin typeface="Calibri" pitchFamily="34" charset="0"/>
+                          <a:cs typeface="Arial" charset="0"/>
+                        </a:rPr>
+                        <a:t>used</a:t>
+                      </a:r>
+                      <a:r>
+                        <a:rPr kumimoji="0" lang="fr-FR" sz="1200" b="0" i="0" u="none" strike="noStrike" cap="none" normalizeH="0" baseline="0" dirty="0" smtClean="0">
+                          <a:ln>
+                            <a:noFill/>
+                          </a:ln>
+                          <a:solidFill>
+                            <a:schemeClr val="tx1"/>
+                          </a:solidFill>
+                          <a:effectLst/>
+                          <a:latin typeface="Calibri" pitchFamily="34" charset="0"/>
+                          <a:cs typeface="Arial" charset="0"/>
+                        </a:rPr>
+                        <a:t> to </a:t>
+                      </a:r>
+                      <a:r>
+                        <a:rPr kumimoji="0" lang="fr-FR" sz="1200" b="0" i="0" u="none" strike="noStrike" cap="none" normalizeH="0" baseline="0" dirty="0" err="1" smtClean="0">
+                          <a:ln>
+                            <a:noFill/>
+                          </a:ln>
+                          <a:solidFill>
+                            <a:schemeClr val="tx1"/>
+                          </a:solidFill>
+                          <a:effectLst/>
+                          <a:latin typeface="Calibri" pitchFamily="34" charset="0"/>
+                          <a:cs typeface="Arial" charset="0"/>
+                        </a:rPr>
+                        <a:t>send</a:t>
+                      </a:r>
+                      <a:r>
+                        <a:rPr kumimoji="0" lang="fr-FR" sz="1200" b="0" i="0" u="none" strike="noStrike" cap="none" normalizeH="0" baseline="0" dirty="0" smtClean="0">
+                          <a:ln>
+                            <a:noFill/>
+                          </a:ln>
+                          <a:solidFill>
+                            <a:schemeClr val="tx1"/>
+                          </a:solidFill>
+                          <a:effectLst/>
+                          <a:latin typeface="Calibri" pitchFamily="34" charset="0"/>
+                          <a:cs typeface="Arial" charset="0"/>
+                        </a:rPr>
+                        <a:t> command </a:t>
+                      </a:r>
+                      <a:r>
+                        <a:rPr kumimoji="0" lang="fr-FR" sz="1200" b="0" i="0" u="none" strike="noStrike" cap="none" normalizeH="0" baseline="0" dirty="0" err="1" smtClean="0">
+                          <a:ln>
+                            <a:noFill/>
+                          </a:ln>
+                          <a:solidFill>
+                            <a:schemeClr val="tx1"/>
+                          </a:solidFill>
+                          <a:effectLst/>
+                          <a:latin typeface="Calibri" pitchFamily="34" charset="0"/>
+                          <a:cs typeface="Arial" charset="0"/>
+                        </a:rPr>
+                        <a:t>from</a:t>
+                      </a:r>
+                      <a:r>
+                        <a:rPr kumimoji="0" lang="fr-FR" sz="1200" b="0" i="0" u="none" strike="noStrike" cap="none" normalizeH="0" baseline="0" dirty="0" smtClean="0">
+                          <a:ln>
+                            <a:noFill/>
+                          </a:ln>
+                          <a:solidFill>
+                            <a:schemeClr val="tx1"/>
+                          </a:solidFill>
+                          <a:effectLst/>
+                          <a:latin typeface="Calibri" pitchFamily="34" charset="0"/>
+                          <a:cs typeface="Arial" charset="0"/>
+                        </a:rPr>
+                        <a:t> </a:t>
+                      </a:r>
+                      <a:r>
+                        <a:rPr kumimoji="0" lang="fr-FR" sz="1200" b="0" i="0" u="none" strike="noStrike" cap="none" normalizeH="0" baseline="0" dirty="0" err="1" smtClean="0">
+                          <a:ln>
+                            <a:noFill/>
+                          </a:ln>
+                          <a:solidFill>
+                            <a:schemeClr val="tx1"/>
+                          </a:solidFill>
+                          <a:effectLst/>
+                          <a:latin typeface="Calibri" pitchFamily="34" charset="0"/>
+                          <a:cs typeface="Arial" charset="0"/>
+                        </a:rPr>
+                        <a:t>TaskMain</a:t>
+                      </a:r>
+                      <a:r>
+                        <a:rPr kumimoji="0" lang="fr-FR" sz="1200" b="0" i="0" u="none" strike="noStrike" cap="none" normalizeH="0" baseline="0" dirty="0" smtClean="0">
+                          <a:ln>
+                            <a:noFill/>
+                          </a:ln>
+                          <a:solidFill>
+                            <a:schemeClr val="tx1"/>
+                          </a:solidFill>
+                          <a:effectLst/>
+                          <a:latin typeface="Calibri" pitchFamily="34" charset="0"/>
+                          <a:cs typeface="Arial" charset="0"/>
+                        </a:rPr>
+                        <a:t> to </a:t>
+                      </a:r>
+                      <a:r>
+                        <a:rPr kumimoji="0" lang="fr-FR" sz="1200" b="0" i="0" u="none" strike="noStrike" cap="none" normalizeH="0" baseline="0" dirty="0" err="1" smtClean="0">
+                          <a:ln>
+                            <a:noFill/>
+                          </a:ln>
+                          <a:solidFill>
+                            <a:schemeClr val="tx1"/>
+                          </a:solidFill>
+                          <a:effectLst/>
+                          <a:latin typeface="Calibri" pitchFamily="34" charset="0"/>
+                          <a:cs typeface="Arial" charset="0"/>
+                        </a:rPr>
+                        <a:t>TaskSensor</a:t>
+                      </a:r>
+                      <a:endParaRPr kumimoji="0" lang="fr-FR" sz="1200" b="0" i="0" u="none" strike="noStrike" cap="none" normalizeH="0" baseline="0" dirty="0" smtClean="0">
+                        <a:ln>
+                          <a:noFill/>
+                        </a:ln>
+                        <a:solidFill>
+                          <a:schemeClr val="tx1"/>
+                        </a:solidFill>
+                        <a:effectLst/>
+                        <a:latin typeface="Calibri" pitchFamily="34" charset="0"/>
+                        <a:cs typeface="Arial" charset="0"/>
+                      </a:endParaRPr>
+                    </a:p>
+                    <a:p>
+                      <a:pPr marL="0" marR="0" lvl="0" indent="0" algn="ctr" defTabSz="914400" rtl="0" eaLnBrk="1" fontAlgn="base" latinLnBrk="0" hangingPunct="1">
+                        <a:lnSpc>
+                          <a:spcPct val="100000"/>
+                        </a:lnSpc>
+                        <a:spcBef>
+                          <a:spcPct val="0"/>
+                        </a:spcBef>
+                        <a:spcAft>
+                          <a:spcPct val="0"/>
+                        </a:spcAft>
+                        <a:buClrTx/>
+                        <a:buSzTx/>
+                        <a:buFontTx/>
+                        <a:buChar char="-"/>
+                        <a:tabLst/>
+                      </a:pPr>
+                      <a:r>
+                        <a:rPr kumimoji="0" lang="fr-FR" sz="1200" b="0" i="0" u="none" strike="noStrike" cap="none" normalizeH="0" baseline="0" dirty="0" smtClean="0">
+                          <a:ln>
+                            <a:noFill/>
+                          </a:ln>
+                          <a:solidFill>
+                            <a:schemeClr val="tx1"/>
+                          </a:solidFill>
+                          <a:effectLst/>
+                          <a:latin typeface="Calibri" pitchFamily="34" charset="0"/>
+                          <a:cs typeface="Arial" charset="0"/>
+                        </a:rPr>
+                        <a:t> </a:t>
+                      </a:r>
+                      <a:r>
+                        <a:rPr kumimoji="0" lang="fr-FR" sz="1200" b="0" i="0" u="none" strike="noStrike" cap="none" normalizeH="0" baseline="0" dirty="0" err="1" smtClean="0">
+                          <a:ln>
+                            <a:noFill/>
+                          </a:ln>
+                          <a:solidFill>
+                            <a:schemeClr val="tx1"/>
+                          </a:solidFill>
+                          <a:effectLst/>
+                          <a:latin typeface="Calibri" pitchFamily="34" charset="0"/>
+                          <a:cs typeface="Arial" charset="0"/>
+                        </a:rPr>
+                        <a:t>Results</a:t>
+                      </a:r>
+                      <a:r>
+                        <a:rPr kumimoji="0" lang="fr-FR" sz="1200" b="0" i="0" u="none" strike="noStrike" cap="none" normalizeH="0" baseline="0" dirty="0" smtClean="0">
+                          <a:ln>
+                            <a:noFill/>
+                          </a:ln>
+                          <a:solidFill>
+                            <a:schemeClr val="tx1"/>
+                          </a:solidFill>
+                          <a:effectLst/>
+                          <a:latin typeface="Calibri" pitchFamily="34" charset="0"/>
+                          <a:cs typeface="Arial" charset="0"/>
+                        </a:rPr>
+                        <a:t> are sent by </a:t>
+                      </a:r>
+                      <a:r>
+                        <a:rPr kumimoji="0" lang="fr-FR" sz="1200" b="0" i="0" u="none" strike="noStrike" cap="none" normalizeH="0" baseline="0" dirty="0" err="1" smtClean="0">
+                          <a:ln>
+                            <a:noFill/>
+                          </a:ln>
+                          <a:solidFill>
+                            <a:schemeClr val="tx1"/>
+                          </a:solidFill>
+                          <a:effectLst/>
+                          <a:latin typeface="Calibri" pitchFamily="34" charset="0"/>
+                          <a:cs typeface="Arial" charset="0"/>
+                        </a:rPr>
+                        <a:t>using</a:t>
+                      </a:r>
+                      <a:r>
+                        <a:rPr kumimoji="0" lang="fr-FR" sz="1200" b="0" i="0" u="none" strike="noStrike" cap="none" normalizeH="0" baseline="0" dirty="0" smtClean="0">
+                          <a:ln>
+                            <a:noFill/>
+                          </a:ln>
+                          <a:solidFill>
+                            <a:schemeClr val="tx1"/>
+                          </a:solidFill>
+                          <a:effectLst/>
+                          <a:latin typeface="Calibri" pitchFamily="34" charset="0"/>
+                          <a:cs typeface="Arial" charset="0"/>
+                        </a:rPr>
+                        <a:t> ACTION_STATUS Flag</a:t>
+                      </a:r>
+                    </a:p>
+                  </a:txBody>
+                  <a:tcPr horzOverflow="overflow">
+                    <a:lnL w="12700" cap="flat" cmpd="sng" algn="ctr">
+                      <a:solidFill>
+                        <a:schemeClr val="tx1"/>
+                      </a:solidFill>
+                      <a:prstDash val="solid"/>
+                      <a:round/>
+                      <a:headEnd type="none" w="med" len="med"/>
+                      <a:tailEnd type="none" w="med" len="med"/>
+                    </a:lnL>
+                    <a:lnR w="12700" cap="flat" cmpd="sng" algn="ctr">
+                      <a:solidFill>
+                        <a:schemeClr val="tx1"/>
+                      </a:solidFill>
+                      <a:prstDash val="solid"/>
+                      <a:round/>
+                      <a:headEnd type="none" w="med" len="med"/>
+                      <a:tailEnd type="none" w="med" len="med"/>
+                    </a:lnR>
+                    <a:lnT w="12700" cap="flat" cmpd="sng" algn="ctr">
+                      <a:solidFill>
+                        <a:schemeClr val="tx1"/>
+                      </a:solidFill>
+                      <a:prstDash val="solid"/>
+                      <a:round/>
+                      <a:headEnd type="none" w="med" len="med"/>
+                      <a:tailEnd type="none" w="med" len="med"/>
+                    </a:lnT>
+                    <a:lnB w="12700" cap="flat" cmpd="sng" algn="ctr">
+                      <a:solidFill>
+                        <a:schemeClr val="tx1"/>
+                      </a:solidFill>
+                      <a:prstDash val="solid"/>
+                      <a:round/>
+                      <a:headEnd type="none" w="med" len="med"/>
+                      <a:tailEnd type="none" w="med" len="med"/>
+                    </a:lnB>
+                    <a:lnTlToBr>
+                      <a:noFill/>
+                    </a:lnTlToBr>
+                    <a:lnBlToTr>
+                      <a:noFill/>
+                    </a:lnBlToTr>
+                    <a:noFill/>
+                  </a:tcPr>
+                </a:tc>
+              </a:tr>
+            </a:tbl>
+          </a:graphicData>
+        </a:graphic>
+      </p:graphicFrame>
+      <p:graphicFrame>
+        <p:nvGraphicFramePr>
+          <p:cNvPr id="68" name="Tableau 67"/>
+          <p:cNvGraphicFramePr>
+            <a:graphicFrameLocks noGrp="1"/>
+          </p:cNvGraphicFramePr>
+          <p:nvPr>
+            <p:extLst>
+              <p:ext uri="{D42A27DB-BD31-4B8C-83A1-F6EECF244321}">
+                <p14:modId xmlns:p14="http://schemas.microsoft.com/office/powerpoint/2010/main" val="3594587673"/>
+              </p:ext>
+            </p:extLst>
+          </p:nvPr>
+        </p:nvGraphicFramePr>
+        <p:xfrm>
+          <a:off x="7015931" y="908720"/>
+          <a:ext cx="1660525" cy="975360"/>
+        </p:xfrm>
+        <a:graphic>
+          <a:graphicData uri="http://schemas.openxmlformats.org/drawingml/2006/table">
+            <a:tbl>
+              <a:tblPr/>
+              <a:tblGrid>
+                <a:gridCol w="1660525"/>
+              </a:tblGrid>
+              <a:tr h="291946">
+                <a:tc>
+                  <a:txBody>
+                    <a:bodyPr/>
+                    <a:lstStyle/>
+                    <a:p>
+                      <a:pPr marL="0" marR="0" lvl="0" indent="0" algn="ctr" defTabSz="914400" rtl="0" eaLnBrk="1" fontAlgn="base" latinLnBrk="0" hangingPunct="1">
+                        <a:lnSpc>
+                          <a:spcPct val="100000"/>
+                        </a:lnSpc>
+                        <a:spcBef>
+                          <a:spcPct val="0"/>
+                        </a:spcBef>
+                        <a:spcAft>
+                          <a:spcPct val="0"/>
+                        </a:spcAft>
+                        <a:buClrTx/>
+                        <a:buSzTx/>
+                        <a:buFontTx/>
+                        <a:buNone/>
+                        <a:tabLst/>
+                      </a:pPr>
+                      <a:r>
+                        <a:rPr kumimoji="0" lang="fr-FR" sz="1600" b="1" i="0" u="none" strike="noStrike" cap="none" normalizeH="0" baseline="0" dirty="0" err="1" smtClean="0">
+                          <a:ln>
+                            <a:noFill/>
+                          </a:ln>
+                          <a:solidFill>
+                            <a:schemeClr val="tx1"/>
+                          </a:solidFill>
+                          <a:effectLst/>
+                          <a:latin typeface="Calibri" pitchFamily="34" charset="0"/>
+                          <a:cs typeface="Arial" charset="0"/>
+                        </a:rPr>
+                        <a:t>TaskTest</a:t>
+                      </a:r>
+                      <a:endParaRPr kumimoji="0" lang="fr-FR" sz="1600" b="1" i="0" u="none" strike="noStrike" cap="none" normalizeH="0" baseline="0" dirty="0" smtClean="0">
+                        <a:ln>
+                          <a:noFill/>
+                        </a:ln>
+                        <a:solidFill>
+                          <a:schemeClr val="tx1"/>
+                        </a:solidFill>
+                        <a:effectLst/>
+                        <a:latin typeface="Calibri" pitchFamily="34" charset="0"/>
+                        <a:cs typeface="Arial" charset="0"/>
+                      </a:endParaRPr>
+                    </a:p>
+                  </a:txBody>
+                  <a:tcPr horzOverflow="overflow">
+                    <a:lnL w="12700" cap="flat" cmpd="sng" algn="ctr">
+                      <a:solidFill>
+                        <a:schemeClr val="tx1"/>
+                      </a:solidFill>
+                      <a:prstDash val="solid"/>
+                      <a:round/>
+                      <a:headEnd type="none" w="med" len="med"/>
+                      <a:tailEnd type="none" w="med" len="med"/>
+                    </a:lnL>
+                    <a:lnR w="12700" cap="flat" cmpd="sng" algn="ctr">
+                      <a:solidFill>
+                        <a:schemeClr val="tx1"/>
+                      </a:solidFill>
+                      <a:prstDash val="solid"/>
+                      <a:round/>
+                      <a:headEnd type="none" w="med" len="med"/>
+                      <a:tailEnd type="none" w="med" len="med"/>
+                    </a:lnR>
+                    <a:lnT w="12700" cap="flat" cmpd="sng" algn="ctr">
+                      <a:solidFill>
+                        <a:schemeClr val="tx1"/>
+                      </a:solidFill>
+                      <a:prstDash val="solid"/>
+                      <a:round/>
+                      <a:headEnd type="none" w="med" len="med"/>
+                      <a:tailEnd type="none" w="med" len="med"/>
+                    </a:lnT>
+                    <a:lnB w="12700" cap="flat" cmpd="sng" algn="ctr">
+                      <a:solidFill>
+                        <a:schemeClr val="tx1"/>
+                      </a:solidFill>
+                      <a:prstDash val="solid"/>
+                      <a:round/>
+                      <a:headEnd type="none" w="med" len="med"/>
+                      <a:tailEnd type="none" w="med" len="med"/>
+                    </a:lnB>
+                    <a:lnTlToBr>
+                      <a:noFill/>
+                    </a:lnTlToBr>
+                    <a:lnBlToTr>
+                      <a:noFill/>
+                    </a:lnBlToTr>
+                    <a:gradFill rotWithShape="1">
+                      <a:gsLst>
+                        <a:gs pos="0">
+                          <a:srgbClr val="83D3FF"/>
+                        </a:gs>
+                        <a:gs pos="50000">
+                          <a:srgbClr val="B5E2FF"/>
+                        </a:gs>
+                        <a:gs pos="100000">
+                          <a:srgbClr val="DBF0FF"/>
+                        </a:gs>
+                      </a:gsLst>
+                      <a:path path="rect">
+                        <a:fillToRect l="50000" t="50000" r="50000" b="50000"/>
+                      </a:path>
+                    </a:gradFill>
+                  </a:tcPr>
+                </a:tc>
+              </a:tr>
+              <a:tr h="623822">
+                <a:tc>
+                  <a:txBody>
+                    <a:bodyPr/>
+                    <a:lstStyle/>
+                    <a:p>
+                      <a:pPr marL="0" marR="0" lvl="0" indent="0" algn="ctr" defTabSz="914400" rtl="0" eaLnBrk="1" fontAlgn="base" latinLnBrk="0" hangingPunct="1">
+                        <a:lnSpc>
+                          <a:spcPct val="100000"/>
+                        </a:lnSpc>
+                        <a:spcBef>
+                          <a:spcPct val="0"/>
+                        </a:spcBef>
+                        <a:spcAft>
+                          <a:spcPct val="0"/>
+                        </a:spcAft>
+                        <a:buClrTx/>
+                        <a:buSzTx/>
+                        <a:buFontTx/>
+                        <a:buChar char="-"/>
+                        <a:tabLst/>
+                      </a:pPr>
+                      <a:r>
+                        <a:rPr kumimoji="0" lang="fr-FR" sz="1200" b="0" i="0" u="none" strike="noStrike" cap="none" normalizeH="0" baseline="0" dirty="0" smtClean="0">
+                          <a:ln>
+                            <a:noFill/>
+                          </a:ln>
+                          <a:solidFill>
+                            <a:schemeClr val="tx1"/>
+                          </a:solidFill>
+                          <a:effectLst/>
+                          <a:latin typeface="Calibri" pitchFamily="34" charset="0"/>
+                          <a:cs typeface="Arial" charset="0"/>
+                        </a:rPr>
+                        <a:t> </a:t>
+                      </a:r>
+                      <a:r>
+                        <a:rPr kumimoji="0" lang="fr-FR" sz="1200" b="0" i="0" u="none" strike="noStrike" cap="none" normalizeH="0" baseline="0" dirty="0" err="1" smtClean="0">
+                          <a:ln>
+                            <a:noFill/>
+                          </a:ln>
+                          <a:solidFill>
+                            <a:schemeClr val="tx1"/>
+                          </a:solidFill>
+                          <a:effectLst/>
+                          <a:latin typeface="Calibri" pitchFamily="34" charset="0"/>
+                          <a:cs typeface="Arial" charset="0"/>
+                        </a:rPr>
+                        <a:t>Only</a:t>
+                      </a:r>
+                      <a:r>
+                        <a:rPr kumimoji="0" lang="fr-FR" sz="1200" b="0" i="0" u="none" strike="noStrike" cap="none" normalizeH="0" baseline="0" dirty="0" smtClean="0">
+                          <a:ln>
+                            <a:noFill/>
+                          </a:ln>
+                          <a:solidFill>
+                            <a:schemeClr val="tx1"/>
+                          </a:solidFill>
+                          <a:effectLst/>
+                          <a:latin typeface="Calibri" pitchFamily="34" charset="0"/>
+                          <a:cs typeface="Arial" charset="0"/>
+                        </a:rPr>
+                        <a:t> for tests</a:t>
+                      </a:r>
+                    </a:p>
+                    <a:p>
+                      <a:pPr marL="0" marR="0" lvl="0" indent="0" algn="ctr" defTabSz="914400" rtl="0" eaLnBrk="1" fontAlgn="base" latinLnBrk="0" hangingPunct="1">
+                        <a:lnSpc>
+                          <a:spcPct val="100000"/>
+                        </a:lnSpc>
+                        <a:spcBef>
+                          <a:spcPct val="0"/>
+                        </a:spcBef>
+                        <a:spcAft>
+                          <a:spcPct val="0"/>
+                        </a:spcAft>
+                        <a:buClrTx/>
+                        <a:buSzTx/>
+                        <a:buFontTx/>
+                        <a:buChar char="-"/>
+                        <a:tabLst/>
+                      </a:pPr>
+                      <a:r>
+                        <a:rPr kumimoji="0" lang="fr-FR" sz="1200" b="0" i="0" u="none" strike="noStrike" cap="none" normalizeH="0" baseline="0" dirty="0" smtClean="0">
+                          <a:ln>
+                            <a:noFill/>
+                          </a:ln>
+                          <a:solidFill>
+                            <a:schemeClr val="tx1"/>
+                          </a:solidFill>
+                          <a:effectLst/>
+                          <a:latin typeface="Calibri" pitchFamily="34" charset="0"/>
+                          <a:cs typeface="Arial" charset="0"/>
+                        </a:rPr>
+                        <a:t> Do not use in production mode</a:t>
+                      </a:r>
+                      <a:endParaRPr kumimoji="0" lang="fr-FR" sz="1200" b="0" i="0" u="none" strike="noStrike" cap="none" normalizeH="0" baseline="0" dirty="0" smtClean="0">
+                        <a:ln>
+                          <a:noFill/>
+                        </a:ln>
+                        <a:solidFill>
+                          <a:schemeClr val="tx1"/>
+                        </a:solidFill>
+                        <a:effectLst/>
+                        <a:latin typeface="Calibri" pitchFamily="34" charset="0"/>
+                        <a:cs typeface="Arial" charset="0"/>
+                      </a:endParaRPr>
+                    </a:p>
+                  </a:txBody>
+                  <a:tcPr horzOverflow="overflow">
+                    <a:lnL w="12700" cap="flat" cmpd="sng" algn="ctr">
+                      <a:solidFill>
+                        <a:schemeClr val="tx1"/>
+                      </a:solidFill>
+                      <a:prstDash val="solid"/>
+                      <a:round/>
+                      <a:headEnd type="none" w="med" len="med"/>
+                      <a:tailEnd type="none" w="med" len="med"/>
+                    </a:lnL>
+                    <a:lnR w="12700" cap="flat" cmpd="sng" algn="ctr">
+                      <a:solidFill>
+                        <a:schemeClr val="tx1"/>
+                      </a:solidFill>
+                      <a:prstDash val="solid"/>
+                      <a:round/>
+                      <a:headEnd type="none" w="med" len="med"/>
+                      <a:tailEnd type="none" w="med" len="med"/>
+                    </a:lnR>
+                    <a:lnT w="12700" cap="flat" cmpd="sng" algn="ctr">
+                      <a:solidFill>
+                        <a:schemeClr val="tx1"/>
+                      </a:solidFill>
+                      <a:prstDash val="solid"/>
+                      <a:round/>
+                      <a:headEnd type="none" w="med" len="med"/>
+                      <a:tailEnd type="none" w="med" len="med"/>
+                    </a:lnT>
+                    <a:lnB w="12700" cap="flat" cmpd="sng" algn="ctr">
+                      <a:solidFill>
+                        <a:schemeClr val="tx1"/>
+                      </a:solidFill>
+                      <a:prstDash val="solid"/>
+                      <a:round/>
+                      <a:headEnd type="none" w="med" len="med"/>
+                      <a:tailEnd type="none" w="med" len="med"/>
+                    </a:lnB>
+                    <a:lnTlToBr>
+                      <a:noFill/>
+                    </a:lnTlToBr>
+                    <a:lnBlToTr>
+                      <a:noFill/>
+                    </a:lnBlToTr>
+                    <a:noFill/>
+                  </a:tcPr>
+                </a:tc>
+              </a:tr>
+            </a:tbl>
+          </a:graphicData>
+        </a:graphic>
+      </p:graphicFrame>
+      <p:graphicFrame>
+        <p:nvGraphicFramePr>
+          <p:cNvPr id="79" name="Tableau 78"/>
+          <p:cNvGraphicFramePr>
+            <a:graphicFrameLocks noGrp="1"/>
+          </p:cNvGraphicFramePr>
+          <p:nvPr>
+            <p:extLst>
+              <p:ext uri="{D42A27DB-BD31-4B8C-83A1-F6EECF244321}">
+                <p14:modId xmlns:p14="http://schemas.microsoft.com/office/powerpoint/2010/main" val="1235338568"/>
+              </p:ext>
+            </p:extLst>
+          </p:nvPr>
+        </p:nvGraphicFramePr>
+        <p:xfrm>
+          <a:off x="2916238" y="3017677"/>
+          <a:ext cx="1660525" cy="975360"/>
+        </p:xfrm>
+        <a:graphic>
+          <a:graphicData uri="http://schemas.openxmlformats.org/drawingml/2006/table">
+            <a:tbl>
+              <a:tblPr/>
+              <a:tblGrid>
+                <a:gridCol w="1660525"/>
+              </a:tblGrid>
+              <a:tr h="291946">
+                <a:tc>
+                  <a:txBody>
+                    <a:bodyPr/>
+                    <a:lstStyle/>
+                    <a:p>
+                      <a:pPr marL="0" marR="0" lvl="0" indent="0" algn="ctr" defTabSz="914400" rtl="0" eaLnBrk="1" fontAlgn="base" latinLnBrk="0" hangingPunct="1">
+                        <a:lnSpc>
+                          <a:spcPct val="100000"/>
+                        </a:lnSpc>
+                        <a:spcBef>
+                          <a:spcPct val="0"/>
+                        </a:spcBef>
+                        <a:spcAft>
+                          <a:spcPct val="0"/>
+                        </a:spcAft>
+                        <a:buClrTx/>
+                        <a:buSzTx/>
+                        <a:buFontTx/>
+                        <a:buNone/>
+                        <a:tabLst/>
+                      </a:pPr>
+                      <a:r>
+                        <a:rPr kumimoji="0" lang="fr-FR" sz="1600" b="1" i="0" u="none" strike="noStrike" cap="none" normalizeH="0" baseline="0" dirty="0" err="1" smtClean="0">
+                          <a:ln>
+                            <a:noFill/>
+                          </a:ln>
+                          <a:solidFill>
+                            <a:schemeClr val="tx1"/>
+                          </a:solidFill>
+                          <a:effectLst/>
+                          <a:latin typeface="Calibri" pitchFamily="34" charset="0"/>
+                          <a:cs typeface="Arial" charset="0"/>
+                        </a:rPr>
+                        <a:t>TaskDebug</a:t>
+                      </a:r>
+                      <a:endParaRPr kumimoji="0" lang="fr-FR" sz="1600" b="1" i="0" u="none" strike="noStrike" cap="none" normalizeH="0" baseline="0" dirty="0" smtClean="0">
+                        <a:ln>
+                          <a:noFill/>
+                        </a:ln>
+                        <a:solidFill>
+                          <a:schemeClr val="tx1"/>
+                        </a:solidFill>
+                        <a:effectLst/>
+                        <a:latin typeface="Calibri" pitchFamily="34" charset="0"/>
+                        <a:cs typeface="Arial" charset="0"/>
+                      </a:endParaRPr>
+                    </a:p>
+                  </a:txBody>
+                  <a:tcPr horzOverflow="overflow">
+                    <a:lnL w="12700" cap="flat" cmpd="sng" algn="ctr">
+                      <a:solidFill>
+                        <a:schemeClr val="tx1"/>
+                      </a:solidFill>
+                      <a:prstDash val="solid"/>
+                      <a:round/>
+                      <a:headEnd type="none" w="med" len="med"/>
+                      <a:tailEnd type="none" w="med" len="med"/>
+                    </a:lnL>
+                    <a:lnR w="12700" cap="flat" cmpd="sng" algn="ctr">
+                      <a:solidFill>
+                        <a:schemeClr val="tx1"/>
+                      </a:solidFill>
+                      <a:prstDash val="solid"/>
+                      <a:round/>
+                      <a:headEnd type="none" w="med" len="med"/>
+                      <a:tailEnd type="none" w="med" len="med"/>
+                    </a:lnR>
+                    <a:lnT w="12700" cap="flat" cmpd="sng" algn="ctr">
+                      <a:solidFill>
+                        <a:schemeClr val="tx1"/>
+                      </a:solidFill>
+                      <a:prstDash val="solid"/>
+                      <a:round/>
+                      <a:headEnd type="none" w="med" len="med"/>
+                      <a:tailEnd type="none" w="med" len="med"/>
+                    </a:lnT>
+                    <a:lnB w="12700" cap="flat" cmpd="sng" algn="ctr">
+                      <a:solidFill>
+                        <a:schemeClr val="tx1"/>
+                      </a:solidFill>
+                      <a:prstDash val="solid"/>
+                      <a:round/>
+                      <a:headEnd type="none" w="med" len="med"/>
+                      <a:tailEnd type="none" w="med" len="med"/>
+                    </a:lnB>
+                    <a:lnTlToBr>
+                      <a:noFill/>
+                    </a:lnTlToBr>
+                    <a:lnBlToTr>
+                      <a:noFill/>
+                    </a:lnBlToTr>
+                    <a:gradFill rotWithShape="1">
+                      <a:gsLst>
+                        <a:gs pos="0">
+                          <a:srgbClr val="83D3FF"/>
+                        </a:gs>
+                        <a:gs pos="50000">
+                          <a:srgbClr val="B5E2FF"/>
+                        </a:gs>
+                        <a:gs pos="100000">
+                          <a:srgbClr val="DBF0FF"/>
+                        </a:gs>
+                      </a:gsLst>
+                      <a:path path="rect">
+                        <a:fillToRect l="50000" t="50000" r="50000" b="50000"/>
+                      </a:path>
+                    </a:gradFill>
+                  </a:tcPr>
+                </a:tc>
+              </a:tr>
+              <a:tr h="623822">
+                <a:tc>
+                  <a:txBody>
+                    <a:bodyPr/>
+                    <a:lstStyle/>
+                    <a:p>
+                      <a:pPr marL="0" marR="0" lvl="0" indent="0" algn="ctr" defTabSz="914400" rtl="0" eaLnBrk="1" fontAlgn="base" latinLnBrk="0" hangingPunct="1">
+                        <a:lnSpc>
+                          <a:spcPct val="100000"/>
+                        </a:lnSpc>
+                        <a:spcBef>
+                          <a:spcPct val="0"/>
+                        </a:spcBef>
+                        <a:spcAft>
+                          <a:spcPct val="0"/>
+                        </a:spcAft>
+                        <a:buClrTx/>
+                        <a:buSzTx/>
+                        <a:buFontTx/>
+                        <a:buChar char="-"/>
+                        <a:tabLst/>
+                      </a:pPr>
+                      <a:r>
+                        <a:rPr kumimoji="0" lang="fr-FR" sz="1200" b="0" i="0" u="none" strike="noStrike" cap="none" normalizeH="0" baseline="0" dirty="0" smtClean="0">
+                          <a:ln>
+                            <a:noFill/>
+                          </a:ln>
+                          <a:solidFill>
+                            <a:schemeClr val="tx1"/>
+                          </a:solidFill>
+                          <a:effectLst/>
+                          <a:latin typeface="Calibri" pitchFamily="34" charset="0"/>
+                          <a:cs typeface="Arial" charset="0"/>
+                        </a:rPr>
+                        <a:t> </a:t>
+                      </a:r>
+                      <a:r>
+                        <a:rPr kumimoji="0" lang="fr-FR" sz="1200" b="0" i="0" u="none" strike="noStrike" cap="none" normalizeH="0" baseline="0" dirty="0" smtClean="0">
+                          <a:ln>
+                            <a:noFill/>
+                          </a:ln>
+                          <a:solidFill>
+                            <a:schemeClr val="tx1"/>
+                          </a:solidFill>
+                          <a:effectLst/>
+                          <a:latin typeface="Calibri" pitchFamily="34" charset="0"/>
+                          <a:cs typeface="Arial" charset="0"/>
+                        </a:rPr>
+                        <a:t>Display data (to </a:t>
+                      </a:r>
+                      <a:r>
+                        <a:rPr kumimoji="0" lang="fr-FR" sz="1200" b="0" i="0" u="none" strike="noStrike" cap="none" normalizeH="0" baseline="0" dirty="0" err="1" smtClean="0">
+                          <a:ln>
+                            <a:noFill/>
+                          </a:ln>
+                          <a:solidFill>
+                            <a:schemeClr val="tx1"/>
+                          </a:solidFill>
+                          <a:effectLst/>
+                          <a:latin typeface="Calibri" pitchFamily="34" charset="0"/>
+                          <a:cs typeface="Arial" charset="0"/>
+                        </a:rPr>
+                        <a:t>debug</a:t>
+                      </a:r>
+                      <a:r>
+                        <a:rPr kumimoji="0" lang="fr-FR" sz="1200" b="0" i="0" u="none" strike="noStrike" cap="none" normalizeH="0" baseline="0" dirty="0" smtClean="0">
+                          <a:ln>
+                            <a:noFill/>
+                          </a:ln>
+                          <a:solidFill>
+                            <a:schemeClr val="tx1"/>
+                          </a:solidFill>
+                          <a:effectLst/>
+                          <a:latin typeface="Calibri" pitchFamily="34" charset="0"/>
+                          <a:cs typeface="Arial" charset="0"/>
+                        </a:rPr>
+                        <a:t>) </a:t>
+                      </a:r>
+                      <a:r>
+                        <a:rPr kumimoji="0" lang="fr-FR" sz="1200" b="0" i="0" u="none" strike="noStrike" cap="none" normalizeH="0" baseline="0" dirty="0" err="1" smtClean="0">
+                          <a:ln>
+                            <a:noFill/>
+                          </a:ln>
+                          <a:solidFill>
+                            <a:schemeClr val="tx1"/>
+                          </a:solidFill>
+                          <a:effectLst/>
+                          <a:latin typeface="Calibri" pitchFamily="34" charset="0"/>
+                          <a:cs typeface="Arial" charset="0"/>
+                        </a:rPr>
+                        <a:t>from</a:t>
+                      </a:r>
+                      <a:r>
+                        <a:rPr kumimoji="0" lang="fr-FR" sz="1200" b="0" i="0" u="none" strike="noStrike" cap="none" normalizeH="0" baseline="0" dirty="0" smtClean="0">
+                          <a:ln>
+                            <a:noFill/>
+                          </a:ln>
+                          <a:solidFill>
+                            <a:schemeClr val="tx1"/>
+                          </a:solidFill>
+                          <a:effectLst/>
+                          <a:latin typeface="Calibri" pitchFamily="34" charset="0"/>
+                          <a:cs typeface="Arial" charset="0"/>
+                        </a:rPr>
+                        <a:t> all </a:t>
+                      </a:r>
+                      <a:r>
+                        <a:rPr kumimoji="0" lang="fr-FR" sz="1200" b="0" i="0" u="none" strike="noStrike" cap="none" normalizeH="0" baseline="0" dirty="0" err="1" smtClean="0">
+                          <a:ln>
+                            <a:noFill/>
+                          </a:ln>
+                          <a:solidFill>
+                            <a:schemeClr val="tx1"/>
+                          </a:solidFill>
+                          <a:effectLst/>
+                          <a:latin typeface="Calibri" pitchFamily="34" charset="0"/>
+                          <a:cs typeface="Arial" charset="0"/>
+                        </a:rPr>
+                        <a:t>other</a:t>
+                      </a:r>
+                      <a:r>
+                        <a:rPr kumimoji="0" lang="fr-FR" sz="1200" b="0" i="0" u="none" strike="noStrike" cap="none" normalizeH="0" baseline="0" dirty="0" smtClean="0">
+                          <a:ln>
+                            <a:noFill/>
+                          </a:ln>
+                          <a:solidFill>
+                            <a:schemeClr val="tx1"/>
+                          </a:solidFill>
+                          <a:effectLst/>
+                          <a:latin typeface="Calibri" pitchFamily="34" charset="0"/>
+                          <a:cs typeface="Arial" charset="0"/>
+                        </a:rPr>
+                        <a:t> </a:t>
+                      </a:r>
+                      <a:r>
+                        <a:rPr kumimoji="0" lang="fr-FR" sz="1200" b="0" i="0" u="none" strike="noStrike" cap="none" normalizeH="0" baseline="0" dirty="0" err="1" smtClean="0">
+                          <a:ln>
+                            <a:noFill/>
+                          </a:ln>
+                          <a:solidFill>
+                            <a:schemeClr val="tx1"/>
+                          </a:solidFill>
+                          <a:effectLst/>
+                          <a:latin typeface="Calibri" pitchFamily="34" charset="0"/>
+                          <a:cs typeface="Arial" charset="0"/>
+                        </a:rPr>
+                        <a:t>tasks</a:t>
+                      </a:r>
+                      <a:endParaRPr kumimoji="0" lang="fr-FR" sz="1200" b="0" i="0" u="none" strike="noStrike" cap="none" normalizeH="0" baseline="0" dirty="0" smtClean="0">
+                        <a:ln>
+                          <a:noFill/>
+                        </a:ln>
+                        <a:solidFill>
+                          <a:schemeClr val="tx1"/>
+                        </a:solidFill>
+                        <a:effectLst/>
+                        <a:latin typeface="Calibri" pitchFamily="34" charset="0"/>
+                        <a:cs typeface="Arial" charset="0"/>
+                      </a:endParaRPr>
                     </a:p>
                   </a:txBody>
                   <a:tcPr horzOverflow="overflow">
@@ -9537,6 +9031,1612 @@
                           <a:cs typeface="Arial" charset="0"/>
                         </a:rPr>
                         <a:t>30 -</a:t>
+                      </a:r>
+                    </a:p>
+                    <a:p>
+                      <a:pPr marL="0" marR="0" lvl="0" indent="0" algn="l" defTabSz="914400" rtl="0" eaLnBrk="1" fontAlgn="base" latinLnBrk="0" hangingPunct="1">
+                        <a:lnSpc>
+                          <a:spcPct val="100000"/>
+                        </a:lnSpc>
+                        <a:spcBef>
+                          <a:spcPct val="0"/>
+                        </a:spcBef>
+                        <a:spcAft>
+                          <a:spcPct val="0"/>
+                        </a:spcAft>
+                        <a:buClrTx/>
+                        <a:buSzTx/>
+                        <a:buFontTx/>
+                        <a:buNone/>
+                        <a:tabLst/>
+                      </a:pPr>
+                      <a:r>
+                        <a:rPr kumimoji="0" lang="fr-FR" sz="900" b="0" i="0" u="none" strike="noStrike" cap="none" normalizeH="0" baseline="0" dirty="0" smtClean="0">
+                          <a:ln>
+                            <a:noFill/>
+                          </a:ln>
+                          <a:solidFill>
+                            <a:srgbClr val="000000"/>
+                          </a:solidFill>
+                          <a:effectLst/>
+                          <a:latin typeface="Calibri" pitchFamily="34" charset="0"/>
+                          <a:cs typeface="Arial" charset="0"/>
+                        </a:rPr>
+                        <a:t>31 -</a:t>
+                      </a:r>
+                      <a:endParaRPr kumimoji="0" lang="fr-FR" sz="1200" b="1" i="0" u="sng" strike="noStrike" cap="none" normalizeH="0" baseline="0" dirty="0" smtClean="0">
+                        <a:ln>
+                          <a:noFill/>
+                        </a:ln>
+                        <a:solidFill>
+                          <a:schemeClr val="tx1"/>
+                        </a:solidFill>
+                        <a:effectLst/>
+                        <a:latin typeface="Calibri" pitchFamily="34" charset="0"/>
+                        <a:cs typeface="Arial" charset="0"/>
+                      </a:endParaRPr>
+                    </a:p>
+                  </a:txBody>
+                  <a:tcPr horzOverflow="overflow">
+                    <a:lnL w="12700" cap="flat" cmpd="sng" algn="ctr">
+                      <a:solidFill>
+                        <a:schemeClr val="tx1"/>
+                      </a:solidFill>
+                      <a:prstDash val="solid"/>
+                      <a:round/>
+                      <a:headEnd type="none" w="med" len="med"/>
+                      <a:tailEnd type="none" w="med" len="med"/>
+                    </a:lnL>
+                    <a:lnR w="12700" cap="flat" cmpd="sng" algn="ctr">
+                      <a:solidFill>
+                        <a:schemeClr val="tx1"/>
+                      </a:solidFill>
+                      <a:prstDash val="solid"/>
+                      <a:round/>
+                      <a:headEnd type="none" w="med" len="med"/>
+                      <a:tailEnd type="none" w="med" len="med"/>
+                    </a:lnR>
+                    <a:lnT w="12700" cap="flat" cmpd="sng" algn="ctr">
+                      <a:solidFill>
+                        <a:schemeClr val="tx1"/>
+                      </a:solidFill>
+                      <a:prstDash val="solid"/>
+                      <a:round/>
+                      <a:headEnd type="none" w="med" len="med"/>
+                      <a:tailEnd type="none" w="med" len="med"/>
+                    </a:lnT>
+                    <a:lnB w="12700" cap="flat" cmpd="sng" algn="ctr">
+                      <a:solidFill>
+                        <a:schemeClr val="tx1"/>
+                      </a:solidFill>
+                      <a:prstDash val="solid"/>
+                      <a:round/>
+                      <a:headEnd type="none" w="med" len="med"/>
+                      <a:tailEnd type="none" w="med" len="med"/>
+                    </a:lnB>
+                    <a:lnTlToBr>
+                      <a:noFill/>
+                    </a:lnTlToBr>
+                    <a:lnBlToTr>
+                      <a:noFill/>
+                    </a:lnBlToTr>
+                    <a:noFill/>
+                  </a:tcPr>
+                </a:tc>
+              </a:tr>
+            </a:tbl>
+          </a:graphicData>
+        </a:graphic>
+      </p:graphicFrame>
+      <p:graphicFrame>
+        <p:nvGraphicFramePr>
+          <p:cNvPr id="3" name="Group 96"/>
+          <p:cNvGraphicFramePr>
+            <a:graphicFrameLocks noGrp="1"/>
+          </p:cNvGraphicFramePr>
+          <p:nvPr>
+            <p:extLst>
+              <p:ext uri="{D42A27DB-BD31-4B8C-83A1-F6EECF244321}">
+                <p14:modId xmlns:p14="http://schemas.microsoft.com/office/powerpoint/2010/main" val="16262930"/>
+              </p:ext>
+            </p:extLst>
+          </p:nvPr>
+        </p:nvGraphicFramePr>
+        <p:xfrm>
+          <a:off x="1763688" y="2636912"/>
+          <a:ext cx="5759450" cy="1706880"/>
+        </p:xfrm>
+        <a:graphic>
+          <a:graphicData uri="http://schemas.openxmlformats.org/drawingml/2006/table">
+            <a:tbl>
+              <a:tblPr/>
+              <a:tblGrid>
+                <a:gridCol w="1439862"/>
+                <a:gridCol w="1439863"/>
+                <a:gridCol w="1439862"/>
+                <a:gridCol w="1439863"/>
+              </a:tblGrid>
+              <a:tr h="250825">
+                <a:tc gridSpan="4">
+                  <a:txBody>
+                    <a:bodyPr/>
+                    <a:lstStyle/>
+                    <a:p>
+                      <a:pPr marL="0" marR="0" lvl="0" indent="0" algn="ctr" defTabSz="914400" rtl="0" eaLnBrk="1" fontAlgn="base" latinLnBrk="0" hangingPunct="1">
+                        <a:lnSpc>
+                          <a:spcPct val="100000"/>
+                        </a:lnSpc>
+                        <a:spcBef>
+                          <a:spcPct val="0"/>
+                        </a:spcBef>
+                        <a:spcAft>
+                          <a:spcPct val="0"/>
+                        </a:spcAft>
+                        <a:buClrTx/>
+                        <a:buSzTx/>
+                        <a:buFontTx/>
+                        <a:buNone/>
+                        <a:tabLst/>
+                      </a:pPr>
+                      <a:r>
+                        <a:rPr kumimoji="0" lang="fr-FR" sz="1600" b="1" i="0" u="none" strike="noStrike" cap="none" normalizeH="0" baseline="0" dirty="0" smtClean="0">
+                          <a:ln>
+                            <a:noFill/>
+                          </a:ln>
+                          <a:solidFill>
+                            <a:schemeClr val="tx1"/>
+                          </a:solidFill>
+                          <a:effectLst/>
+                          <a:latin typeface="Calibri" pitchFamily="34" charset="0"/>
+                          <a:cs typeface="Arial" charset="0"/>
+                        </a:rPr>
+                        <a:t>App Flags (32 bits)</a:t>
+                      </a:r>
+                    </a:p>
+                  </a:txBody>
+                  <a:tcPr horzOverflow="overflow">
+                    <a:lnL w="12700" cap="flat" cmpd="sng" algn="ctr">
+                      <a:solidFill>
+                        <a:schemeClr val="tx1"/>
+                      </a:solidFill>
+                      <a:prstDash val="solid"/>
+                      <a:round/>
+                      <a:headEnd type="none" w="med" len="med"/>
+                      <a:tailEnd type="none" w="med" len="med"/>
+                    </a:lnL>
+                    <a:lnR w="12700" cap="flat" cmpd="sng" algn="ctr">
+                      <a:solidFill>
+                        <a:schemeClr val="tx1"/>
+                      </a:solidFill>
+                      <a:prstDash val="solid"/>
+                      <a:round/>
+                      <a:headEnd type="none" w="med" len="med"/>
+                      <a:tailEnd type="none" w="med" len="med"/>
+                    </a:lnR>
+                    <a:lnT w="12700" cap="flat" cmpd="sng" algn="ctr">
+                      <a:solidFill>
+                        <a:schemeClr val="tx1"/>
+                      </a:solidFill>
+                      <a:prstDash val="solid"/>
+                      <a:round/>
+                      <a:headEnd type="none" w="med" len="med"/>
+                      <a:tailEnd type="none" w="med" len="med"/>
+                    </a:lnT>
+                    <a:lnB w="12700" cap="flat" cmpd="sng" algn="ctr">
+                      <a:solidFill>
+                        <a:schemeClr val="tx1"/>
+                      </a:solidFill>
+                      <a:prstDash val="solid"/>
+                      <a:round/>
+                      <a:headEnd type="none" w="med" len="med"/>
+                      <a:tailEnd type="none" w="med" len="med"/>
+                    </a:lnB>
+                    <a:lnTlToBr>
+                      <a:noFill/>
+                    </a:lnTlToBr>
+                    <a:lnBlToTr>
+                      <a:noFill/>
+                    </a:lnBlToTr>
+                    <a:gradFill rotWithShape="1">
+                      <a:gsLst>
+                        <a:gs pos="0">
+                          <a:srgbClr val="FF8080"/>
+                        </a:gs>
+                        <a:gs pos="50000">
+                          <a:srgbClr val="FFB3B3"/>
+                        </a:gs>
+                        <a:gs pos="100000">
+                          <a:srgbClr val="FFDADA"/>
+                        </a:gs>
+                      </a:gsLst>
+                      <a:path path="rect">
+                        <a:fillToRect l="50000" t="50000" r="50000" b="50000"/>
+                      </a:path>
+                    </a:gradFill>
+                  </a:tcPr>
+                </a:tc>
+                <a:tc hMerge="1">
+                  <a:txBody>
+                    <a:bodyPr/>
+                    <a:lstStyle/>
+                    <a:p>
+                      <a:endParaRPr lang="fr-FR"/>
+                    </a:p>
+                  </a:txBody>
+                  <a:tcPr/>
+                </a:tc>
+                <a:tc hMerge="1">
+                  <a:txBody>
+                    <a:bodyPr/>
+                    <a:lstStyle/>
+                    <a:p>
+                      <a:endParaRPr lang="fr-FR"/>
+                    </a:p>
+                  </a:txBody>
+                  <a:tcPr/>
+                </a:tc>
+                <a:tc hMerge="1">
+                  <a:txBody>
+                    <a:bodyPr/>
+                    <a:lstStyle/>
+                    <a:p>
+                      <a:endParaRPr lang="fr-FR"/>
+                    </a:p>
+                  </a:txBody>
+                  <a:tcPr/>
+                </a:tc>
+              </a:tr>
+              <a:tr h="1204913">
+                <a:tc>
+                  <a:txBody>
+                    <a:bodyPr/>
+                    <a:lstStyle/>
+                    <a:p>
+                      <a:pPr marL="0" marR="0" lvl="0" indent="0" algn="ctr" defTabSz="914400" rtl="0" eaLnBrk="1" fontAlgn="base" latinLnBrk="0" hangingPunct="1">
+                        <a:lnSpc>
+                          <a:spcPct val="100000"/>
+                        </a:lnSpc>
+                        <a:spcBef>
+                          <a:spcPct val="0"/>
+                        </a:spcBef>
+                        <a:spcAft>
+                          <a:spcPct val="0"/>
+                        </a:spcAft>
+                        <a:buClrTx/>
+                        <a:buSzTx/>
+                        <a:buFontTx/>
+                        <a:buNone/>
+                        <a:tabLst/>
+                      </a:pPr>
+                      <a:r>
+                        <a:rPr kumimoji="0" lang="fr-FR" sz="1200" b="1" i="0" u="sng" strike="noStrike" cap="none" normalizeH="0" baseline="0" dirty="0" smtClean="0">
+                          <a:ln>
+                            <a:noFill/>
+                          </a:ln>
+                          <a:solidFill>
+                            <a:schemeClr val="tx1"/>
+                          </a:solidFill>
+                          <a:effectLst/>
+                          <a:latin typeface="Calibri" pitchFamily="34" charset="0"/>
+                          <a:cs typeface="Arial" charset="0"/>
+                        </a:rPr>
+                        <a:t>State</a:t>
+                      </a:r>
+                    </a:p>
+                    <a:p>
+                      <a:pPr marL="0" marR="0" lvl="0" indent="0" algn="l" defTabSz="914400" rtl="0" eaLnBrk="1" fontAlgn="base" latinLnBrk="0" hangingPunct="1">
+                        <a:lnSpc>
+                          <a:spcPct val="100000"/>
+                        </a:lnSpc>
+                        <a:spcBef>
+                          <a:spcPct val="0"/>
+                        </a:spcBef>
+                        <a:spcAft>
+                          <a:spcPct val="0"/>
+                        </a:spcAft>
+                        <a:buClrTx/>
+                        <a:buSzTx/>
+                        <a:buFontTx/>
+                        <a:buNone/>
+                        <a:tabLst/>
+                      </a:pPr>
+                      <a:r>
+                        <a:rPr kumimoji="0" lang="fr-FR" sz="900" b="0" i="0" u="none" strike="noStrike" cap="none" normalizeH="0" baseline="0" dirty="0" smtClean="0">
+                          <a:ln>
+                            <a:noFill/>
+                          </a:ln>
+                          <a:solidFill>
+                            <a:schemeClr val="tx1"/>
+                          </a:solidFill>
+                          <a:effectLst/>
+                          <a:latin typeface="Calibri" pitchFamily="34" charset="0"/>
+                          <a:cs typeface="Arial" charset="0"/>
+                        </a:rPr>
+                        <a:t>0 - START_BUTTON</a:t>
+                      </a:r>
+                    </a:p>
+                    <a:p>
+                      <a:pPr marL="0" marR="0" lvl="0" indent="0" algn="l" defTabSz="914400" rtl="0" eaLnBrk="1" fontAlgn="base" latinLnBrk="0" hangingPunct="1">
+                        <a:lnSpc>
+                          <a:spcPct val="100000"/>
+                        </a:lnSpc>
+                        <a:spcBef>
+                          <a:spcPct val="0"/>
+                        </a:spcBef>
+                        <a:spcAft>
+                          <a:spcPct val="0"/>
+                        </a:spcAft>
+                        <a:buClrTx/>
+                        <a:buSzTx/>
+                        <a:buFontTx/>
+                        <a:buNone/>
+                        <a:tabLst/>
+                      </a:pPr>
+                      <a:r>
+                        <a:rPr kumimoji="0" lang="fr-FR" sz="900" b="0" i="0" u="none" strike="noStrike" cap="none" normalizeH="0" baseline="0" dirty="0" smtClean="0">
+                          <a:ln>
+                            <a:noFill/>
+                          </a:ln>
+                          <a:solidFill>
+                            <a:schemeClr val="tx1"/>
+                          </a:solidFill>
+                          <a:effectLst/>
+                          <a:latin typeface="Calibri" pitchFamily="34" charset="0"/>
+                          <a:cs typeface="Arial" charset="0"/>
+                        </a:rPr>
+                        <a:t>1 - </a:t>
+                      </a:r>
+                    </a:p>
+                    <a:p>
+                      <a:pPr marL="0" marR="0" lvl="0" indent="0" algn="l" defTabSz="914400" rtl="0" eaLnBrk="1" fontAlgn="base" latinLnBrk="0" hangingPunct="1">
+                        <a:lnSpc>
+                          <a:spcPct val="100000"/>
+                        </a:lnSpc>
+                        <a:spcBef>
+                          <a:spcPct val="0"/>
+                        </a:spcBef>
+                        <a:spcAft>
+                          <a:spcPct val="0"/>
+                        </a:spcAft>
+                        <a:buClrTx/>
+                        <a:buSzTx/>
+                        <a:buFontTx/>
+                        <a:buNone/>
+                        <a:tabLst/>
+                      </a:pPr>
+                      <a:r>
+                        <a:rPr kumimoji="0" lang="fr-FR" sz="900" b="0" i="0" u="none" strike="noStrike" cap="none" normalizeH="0" baseline="0" dirty="0" smtClean="0">
+                          <a:ln>
+                            <a:noFill/>
+                          </a:ln>
+                          <a:solidFill>
+                            <a:schemeClr val="tx1"/>
+                          </a:solidFill>
+                          <a:effectLst/>
+                          <a:latin typeface="Calibri" pitchFamily="34" charset="0"/>
+                          <a:cs typeface="Arial" charset="0"/>
+                        </a:rPr>
+                        <a:t>2 -</a:t>
+                      </a:r>
+                    </a:p>
+                    <a:p>
+                      <a:pPr marL="0" marR="0" lvl="0" indent="0" algn="l" defTabSz="914400" rtl="0" eaLnBrk="1" fontAlgn="base" latinLnBrk="0" hangingPunct="1">
+                        <a:lnSpc>
+                          <a:spcPct val="100000"/>
+                        </a:lnSpc>
+                        <a:spcBef>
+                          <a:spcPct val="0"/>
+                        </a:spcBef>
+                        <a:spcAft>
+                          <a:spcPct val="0"/>
+                        </a:spcAft>
+                        <a:buClrTx/>
+                        <a:buSzTx/>
+                        <a:buFontTx/>
+                        <a:buNone/>
+                        <a:tabLst/>
+                      </a:pPr>
+                      <a:r>
+                        <a:rPr kumimoji="0" lang="fr-FR" sz="900" b="0" i="0" u="none" strike="noStrike" cap="none" normalizeH="0" baseline="0" dirty="0" smtClean="0">
+                          <a:ln>
+                            <a:noFill/>
+                          </a:ln>
+                          <a:solidFill>
+                            <a:schemeClr val="tx1"/>
+                          </a:solidFill>
+                          <a:effectLst/>
+                          <a:latin typeface="Calibri" pitchFamily="34" charset="0"/>
+                          <a:cs typeface="Arial" charset="0"/>
+                        </a:rPr>
+                        <a:t>3 -</a:t>
+                      </a:r>
+                    </a:p>
+                    <a:p>
+                      <a:pPr marL="0" marR="0" lvl="0" indent="0" algn="l" defTabSz="914400" rtl="0" eaLnBrk="1" fontAlgn="base" latinLnBrk="0" hangingPunct="1">
+                        <a:lnSpc>
+                          <a:spcPct val="100000"/>
+                        </a:lnSpc>
+                        <a:spcBef>
+                          <a:spcPct val="0"/>
+                        </a:spcBef>
+                        <a:spcAft>
+                          <a:spcPct val="0"/>
+                        </a:spcAft>
+                        <a:buClrTx/>
+                        <a:buSzTx/>
+                        <a:buFontTx/>
+                        <a:buNone/>
+                        <a:tabLst/>
+                      </a:pPr>
+                      <a:r>
+                        <a:rPr kumimoji="0" lang="fr-FR" sz="900" b="0" i="0" u="none" strike="noStrike" cap="none" normalizeH="0" baseline="0" dirty="0" smtClean="0">
+                          <a:ln>
+                            <a:noFill/>
+                          </a:ln>
+                          <a:solidFill>
+                            <a:schemeClr val="tx1"/>
+                          </a:solidFill>
+                          <a:effectLst/>
+                          <a:latin typeface="Calibri" pitchFamily="34" charset="0"/>
+                          <a:cs typeface="Arial" charset="0"/>
+                        </a:rPr>
+                        <a:t>4 -</a:t>
+                      </a:r>
+                    </a:p>
+                    <a:p>
+                      <a:pPr marL="0" marR="0" lvl="0" indent="0" algn="l" defTabSz="914400" rtl="0" eaLnBrk="1" fontAlgn="base" latinLnBrk="0" hangingPunct="1">
+                        <a:lnSpc>
+                          <a:spcPct val="100000"/>
+                        </a:lnSpc>
+                        <a:spcBef>
+                          <a:spcPct val="0"/>
+                        </a:spcBef>
+                        <a:spcAft>
+                          <a:spcPct val="0"/>
+                        </a:spcAft>
+                        <a:buClrTx/>
+                        <a:buSzTx/>
+                        <a:buFontTx/>
+                        <a:buNone/>
+                        <a:tabLst/>
+                      </a:pPr>
+                      <a:r>
+                        <a:rPr kumimoji="0" lang="fr-FR" sz="900" b="0" i="0" u="none" strike="noStrike" cap="none" normalizeH="0" baseline="0" dirty="0" smtClean="0">
+                          <a:ln>
+                            <a:noFill/>
+                          </a:ln>
+                          <a:solidFill>
+                            <a:schemeClr val="tx1"/>
+                          </a:solidFill>
+                          <a:effectLst/>
+                          <a:latin typeface="Calibri" pitchFamily="34" charset="0"/>
+                          <a:cs typeface="Arial" charset="0"/>
+                        </a:rPr>
+                        <a:t>5 -</a:t>
+                      </a:r>
+                    </a:p>
+                    <a:p>
+                      <a:pPr marL="0" marR="0" lvl="0" indent="0" algn="l" defTabSz="914400" rtl="0" eaLnBrk="1" fontAlgn="base" latinLnBrk="0" hangingPunct="1">
+                        <a:lnSpc>
+                          <a:spcPct val="100000"/>
+                        </a:lnSpc>
+                        <a:spcBef>
+                          <a:spcPct val="0"/>
+                        </a:spcBef>
+                        <a:spcAft>
+                          <a:spcPct val="0"/>
+                        </a:spcAft>
+                        <a:buClrTx/>
+                        <a:buSzTx/>
+                        <a:buFontTx/>
+                        <a:buNone/>
+                        <a:tabLst/>
+                      </a:pPr>
+                      <a:r>
+                        <a:rPr kumimoji="0" lang="fr-FR" sz="900" b="0" i="0" u="none" strike="noStrike" cap="none" normalizeH="0" baseline="0" dirty="0" smtClean="0">
+                          <a:ln>
+                            <a:noFill/>
+                          </a:ln>
+                          <a:solidFill>
+                            <a:schemeClr val="tx1"/>
+                          </a:solidFill>
+                          <a:effectLst/>
+                          <a:latin typeface="Calibri" pitchFamily="34" charset="0"/>
+                          <a:cs typeface="Arial" charset="0"/>
+                        </a:rPr>
+                        <a:t>6 – ACTION_STATUS</a:t>
+                      </a:r>
+                    </a:p>
+                    <a:p>
+                      <a:pPr marL="0" marR="0" lvl="0" indent="0" algn="l" defTabSz="914400" rtl="0" eaLnBrk="1" fontAlgn="base" latinLnBrk="0" hangingPunct="1">
+                        <a:lnSpc>
+                          <a:spcPct val="100000"/>
+                        </a:lnSpc>
+                        <a:spcBef>
+                          <a:spcPct val="0"/>
+                        </a:spcBef>
+                        <a:spcAft>
+                          <a:spcPct val="0"/>
+                        </a:spcAft>
+                        <a:buClrTx/>
+                        <a:buSzTx/>
+                        <a:buFontTx/>
+                        <a:buNone/>
+                        <a:tabLst/>
+                      </a:pPr>
+                      <a:r>
+                        <a:rPr kumimoji="0" lang="fr-FR" sz="900" b="0" i="0" u="none" strike="noStrike" cap="none" normalizeH="0" baseline="0" dirty="0" smtClean="0">
+                          <a:ln>
+                            <a:noFill/>
+                          </a:ln>
+                          <a:solidFill>
+                            <a:schemeClr val="tx1"/>
+                          </a:solidFill>
+                          <a:effectLst/>
+                          <a:latin typeface="Calibri" pitchFamily="34" charset="0"/>
+                          <a:cs typeface="Arial" charset="0"/>
+                        </a:rPr>
+                        <a:t>7 – TIMER_STATUS</a:t>
+                      </a:r>
+                    </a:p>
+                  </a:txBody>
+                  <a:tcPr horzOverflow="overflow">
+                    <a:lnL w="12700" cap="flat" cmpd="sng" algn="ctr">
+                      <a:solidFill>
+                        <a:schemeClr val="tx1"/>
+                      </a:solidFill>
+                      <a:prstDash val="solid"/>
+                      <a:round/>
+                      <a:headEnd type="none" w="med" len="med"/>
+                      <a:tailEnd type="none" w="med" len="med"/>
+                    </a:lnL>
+                    <a:lnR w="12700" cap="flat" cmpd="sng" algn="ctr">
+                      <a:solidFill>
+                        <a:schemeClr val="tx1"/>
+                      </a:solidFill>
+                      <a:prstDash val="solid"/>
+                      <a:round/>
+                      <a:headEnd type="none" w="med" len="med"/>
+                      <a:tailEnd type="none" w="med" len="med"/>
+                    </a:lnR>
+                    <a:lnT w="12700" cap="flat" cmpd="sng" algn="ctr">
+                      <a:solidFill>
+                        <a:schemeClr val="tx1"/>
+                      </a:solidFill>
+                      <a:prstDash val="solid"/>
+                      <a:round/>
+                      <a:headEnd type="none" w="med" len="med"/>
+                      <a:tailEnd type="none" w="med" len="med"/>
+                    </a:lnT>
+                    <a:lnB w="12700" cap="flat" cmpd="sng" algn="ctr">
+                      <a:solidFill>
+                        <a:schemeClr val="tx1"/>
+                      </a:solidFill>
+                      <a:prstDash val="solid"/>
+                      <a:round/>
+                      <a:headEnd type="none" w="med" len="med"/>
+                      <a:tailEnd type="none" w="med" len="med"/>
+                    </a:lnB>
+                    <a:lnTlToBr>
+                      <a:noFill/>
+                    </a:lnTlToBr>
+                    <a:lnBlToTr>
+                      <a:noFill/>
+                    </a:lnBlToTr>
+                    <a:noFill/>
+                  </a:tcPr>
+                </a:tc>
+                <a:tc>
+                  <a:txBody>
+                    <a:bodyPr/>
+                    <a:lstStyle/>
+                    <a:p>
+                      <a:pPr marL="0" marR="0" lvl="0" indent="0" algn="ctr" defTabSz="914400" rtl="0" eaLnBrk="1" fontAlgn="base" latinLnBrk="0" hangingPunct="1">
+                        <a:lnSpc>
+                          <a:spcPct val="100000"/>
+                        </a:lnSpc>
+                        <a:spcBef>
+                          <a:spcPct val="0"/>
+                        </a:spcBef>
+                        <a:spcAft>
+                          <a:spcPct val="0"/>
+                        </a:spcAft>
+                        <a:buClrTx/>
+                        <a:buSzTx/>
+                        <a:buFontTx/>
+                        <a:buNone/>
+                        <a:tabLst/>
+                      </a:pPr>
+                      <a:r>
+                        <a:rPr kumimoji="0" lang="fr-FR" sz="1200" b="1" i="0" u="sng" strike="noStrike" cap="none" normalizeH="0" baseline="0" dirty="0" err="1" smtClean="0">
+                          <a:ln>
+                            <a:noFill/>
+                          </a:ln>
+                          <a:solidFill>
+                            <a:schemeClr val="tx1"/>
+                          </a:solidFill>
+                          <a:effectLst/>
+                          <a:latin typeface="Calibri" pitchFamily="34" charset="0"/>
+                          <a:cs typeface="Arial" charset="0"/>
+                        </a:rPr>
+                        <a:t>Bumpers</a:t>
+                      </a:r>
+                      <a:r>
+                        <a:rPr kumimoji="0" lang="fr-FR" sz="1200" b="1" i="0" u="sng" strike="noStrike" cap="none" normalizeH="0" baseline="0" dirty="0" smtClean="0">
+                          <a:ln>
+                            <a:noFill/>
+                          </a:ln>
+                          <a:solidFill>
+                            <a:schemeClr val="tx1"/>
+                          </a:solidFill>
+                          <a:effectLst/>
+                          <a:latin typeface="Calibri" pitchFamily="34" charset="0"/>
+                          <a:cs typeface="Arial" charset="0"/>
+                        </a:rPr>
+                        <a:t> (GP2)</a:t>
+                      </a:r>
+                    </a:p>
+                    <a:p>
+                      <a:pPr marL="0" marR="0" lvl="0" indent="0" algn="l" defTabSz="914400" rtl="0" eaLnBrk="1" fontAlgn="base" latinLnBrk="0" hangingPunct="1">
+                        <a:lnSpc>
+                          <a:spcPct val="100000"/>
+                        </a:lnSpc>
+                        <a:spcBef>
+                          <a:spcPct val="0"/>
+                        </a:spcBef>
+                        <a:spcAft>
+                          <a:spcPct val="0"/>
+                        </a:spcAft>
+                        <a:buClrTx/>
+                        <a:buSzTx/>
+                        <a:buFontTx/>
+                        <a:buNone/>
+                        <a:tabLst/>
+                      </a:pPr>
+                      <a:r>
+                        <a:rPr kumimoji="0" lang="fr-FR" sz="900" b="0" i="0" u="none" strike="noStrike" cap="none" normalizeH="0" baseline="0" dirty="0" smtClean="0">
+                          <a:ln>
+                            <a:noFill/>
+                          </a:ln>
+                          <a:solidFill>
+                            <a:srgbClr val="000000"/>
+                          </a:solidFill>
+                          <a:effectLst/>
+                          <a:latin typeface="Calibri" pitchFamily="34" charset="0"/>
+                          <a:cs typeface="Arial" charset="0"/>
+                        </a:rPr>
+                        <a:t>8 - GP2_FRONT </a:t>
+                      </a:r>
+                    </a:p>
+                    <a:p>
+                      <a:pPr marL="0" marR="0" lvl="0" indent="0" algn="l" defTabSz="914400" rtl="0" eaLnBrk="1" fontAlgn="base" latinLnBrk="0" hangingPunct="1">
+                        <a:lnSpc>
+                          <a:spcPct val="100000"/>
+                        </a:lnSpc>
+                        <a:spcBef>
+                          <a:spcPct val="0"/>
+                        </a:spcBef>
+                        <a:spcAft>
+                          <a:spcPct val="0"/>
+                        </a:spcAft>
+                        <a:buClrTx/>
+                        <a:buSzTx/>
+                        <a:buFontTx/>
+                        <a:buNone/>
+                        <a:tabLst/>
+                      </a:pPr>
+                      <a:r>
+                        <a:rPr kumimoji="0" lang="fr-FR" sz="900" b="0" i="0" u="none" strike="noStrike" cap="none" normalizeH="0" baseline="0" dirty="0" smtClean="0">
+                          <a:ln>
+                            <a:noFill/>
+                          </a:ln>
+                          <a:solidFill>
+                            <a:srgbClr val="000000"/>
+                          </a:solidFill>
+                          <a:effectLst/>
+                          <a:latin typeface="Calibri" pitchFamily="34" charset="0"/>
+                          <a:cs typeface="Arial" charset="0"/>
+                        </a:rPr>
+                        <a:t>9 – GP2_BACK </a:t>
+                      </a:r>
+                    </a:p>
+                    <a:p>
+                      <a:pPr marL="0" marR="0" lvl="0" indent="0" algn="l" defTabSz="914400" rtl="0" eaLnBrk="1" fontAlgn="base" latinLnBrk="0" hangingPunct="1">
+                        <a:lnSpc>
+                          <a:spcPct val="100000"/>
+                        </a:lnSpc>
+                        <a:spcBef>
+                          <a:spcPct val="0"/>
+                        </a:spcBef>
+                        <a:spcAft>
+                          <a:spcPct val="0"/>
+                        </a:spcAft>
+                        <a:buClrTx/>
+                        <a:buSzTx/>
+                        <a:buFontTx/>
+                        <a:buNone/>
+                        <a:tabLst/>
+                      </a:pPr>
+                      <a:r>
+                        <a:rPr kumimoji="0" lang="fr-FR" sz="900" b="0" i="0" u="none" strike="noStrike" cap="none" normalizeH="0" baseline="0" dirty="0" smtClean="0">
+                          <a:ln>
+                            <a:noFill/>
+                          </a:ln>
+                          <a:solidFill>
+                            <a:srgbClr val="000000"/>
+                          </a:solidFill>
+                          <a:effectLst/>
+                          <a:latin typeface="Calibri" pitchFamily="34" charset="0"/>
+                          <a:cs typeface="Arial" charset="0"/>
+                        </a:rPr>
+                        <a:t>10 – GP2_HOLDER</a:t>
+                      </a:r>
+                    </a:p>
+                    <a:p>
+                      <a:pPr marL="0" marR="0" lvl="0" indent="0" algn="l" defTabSz="914400" rtl="0" eaLnBrk="1" fontAlgn="base" latinLnBrk="0" hangingPunct="1">
+                        <a:lnSpc>
+                          <a:spcPct val="100000"/>
+                        </a:lnSpc>
+                        <a:spcBef>
+                          <a:spcPct val="0"/>
+                        </a:spcBef>
+                        <a:spcAft>
+                          <a:spcPct val="0"/>
+                        </a:spcAft>
+                        <a:buClrTx/>
+                        <a:buSzTx/>
+                        <a:buFontTx/>
+                        <a:buNone/>
+                        <a:tabLst/>
+                      </a:pPr>
+                      <a:r>
+                        <a:rPr kumimoji="0" lang="fr-FR" sz="900" b="0" i="0" u="none" strike="noStrike" cap="none" normalizeH="0" baseline="0" dirty="0" smtClean="0">
+                          <a:ln>
+                            <a:noFill/>
+                          </a:ln>
+                          <a:solidFill>
+                            <a:srgbClr val="000000"/>
+                          </a:solidFill>
+                          <a:effectLst/>
+                          <a:latin typeface="Calibri" pitchFamily="34" charset="0"/>
+                          <a:cs typeface="Arial" charset="0"/>
+                        </a:rPr>
+                        <a:t>11 -</a:t>
+                      </a:r>
+                    </a:p>
+                    <a:p>
+                      <a:pPr marL="0" marR="0" lvl="0" indent="0" algn="l" defTabSz="914400" rtl="0" eaLnBrk="1" fontAlgn="base" latinLnBrk="0" hangingPunct="1">
+                        <a:lnSpc>
+                          <a:spcPct val="100000"/>
+                        </a:lnSpc>
+                        <a:spcBef>
+                          <a:spcPct val="0"/>
+                        </a:spcBef>
+                        <a:spcAft>
+                          <a:spcPct val="0"/>
+                        </a:spcAft>
+                        <a:buClrTx/>
+                        <a:buSzTx/>
+                        <a:buFontTx/>
+                        <a:buNone/>
+                        <a:tabLst/>
+                      </a:pPr>
+                      <a:r>
+                        <a:rPr kumimoji="0" lang="fr-FR" sz="900" b="0" i="0" u="none" strike="noStrike" cap="none" normalizeH="0" baseline="0" dirty="0" smtClean="0">
+                          <a:ln>
+                            <a:noFill/>
+                          </a:ln>
+                          <a:solidFill>
+                            <a:srgbClr val="000000"/>
+                          </a:solidFill>
+                          <a:effectLst/>
+                          <a:latin typeface="Calibri" pitchFamily="34" charset="0"/>
+                          <a:cs typeface="Arial" charset="0"/>
+                        </a:rPr>
+                        <a:t>12 -</a:t>
+                      </a:r>
+                    </a:p>
+                    <a:p>
+                      <a:pPr marL="0" marR="0" lvl="0" indent="0" algn="l" defTabSz="914400" rtl="0" eaLnBrk="1" fontAlgn="base" latinLnBrk="0" hangingPunct="1">
+                        <a:lnSpc>
+                          <a:spcPct val="100000"/>
+                        </a:lnSpc>
+                        <a:spcBef>
+                          <a:spcPct val="0"/>
+                        </a:spcBef>
+                        <a:spcAft>
+                          <a:spcPct val="0"/>
+                        </a:spcAft>
+                        <a:buClrTx/>
+                        <a:buSzTx/>
+                        <a:buFontTx/>
+                        <a:buNone/>
+                        <a:tabLst/>
+                      </a:pPr>
+                      <a:r>
+                        <a:rPr kumimoji="0" lang="fr-FR" sz="900" b="0" i="0" u="none" strike="noStrike" cap="none" normalizeH="0" baseline="0" dirty="0" smtClean="0">
+                          <a:ln>
+                            <a:noFill/>
+                          </a:ln>
+                          <a:solidFill>
+                            <a:srgbClr val="000000"/>
+                          </a:solidFill>
+                          <a:effectLst/>
+                          <a:latin typeface="Calibri" pitchFamily="34" charset="0"/>
+                          <a:cs typeface="Arial" charset="0"/>
+                        </a:rPr>
+                        <a:t>13 -</a:t>
+                      </a:r>
+                    </a:p>
+                    <a:p>
+                      <a:pPr marL="0" marR="0" lvl="0" indent="0" algn="l" defTabSz="914400" rtl="0" eaLnBrk="1" fontAlgn="base" latinLnBrk="0" hangingPunct="1">
+                        <a:lnSpc>
+                          <a:spcPct val="100000"/>
+                        </a:lnSpc>
+                        <a:spcBef>
+                          <a:spcPct val="0"/>
+                        </a:spcBef>
+                        <a:spcAft>
+                          <a:spcPct val="0"/>
+                        </a:spcAft>
+                        <a:buClrTx/>
+                        <a:buSzTx/>
+                        <a:buFontTx/>
+                        <a:buNone/>
+                        <a:tabLst/>
+                      </a:pPr>
+                      <a:r>
+                        <a:rPr kumimoji="0" lang="fr-FR" sz="900" b="0" i="0" u="none" strike="noStrike" cap="none" normalizeH="0" baseline="0" dirty="0" smtClean="0">
+                          <a:ln>
+                            <a:noFill/>
+                          </a:ln>
+                          <a:solidFill>
+                            <a:srgbClr val="000000"/>
+                          </a:solidFill>
+                          <a:effectLst/>
+                          <a:latin typeface="Calibri" pitchFamily="34" charset="0"/>
+                          <a:cs typeface="Arial" charset="0"/>
+                        </a:rPr>
+                        <a:t>14 -</a:t>
+                      </a:r>
+                    </a:p>
+                    <a:p>
+                      <a:pPr marL="0" marR="0" lvl="0" indent="0" algn="l" defTabSz="914400" rtl="0" eaLnBrk="1" fontAlgn="base" latinLnBrk="0" hangingPunct="1">
+                        <a:lnSpc>
+                          <a:spcPct val="100000"/>
+                        </a:lnSpc>
+                        <a:spcBef>
+                          <a:spcPct val="0"/>
+                        </a:spcBef>
+                        <a:spcAft>
+                          <a:spcPct val="0"/>
+                        </a:spcAft>
+                        <a:buClrTx/>
+                        <a:buSzTx/>
+                        <a:buFontTx/>
+                        <a:buNone/>
+                        <a:tabLst/>
+                      </a:pPr>
+                      <a:r>
+                        <a:rPr kumimoji="0" lang="fr-FR" sz="900" b="0" i="0" u="none" strike="noStrike" cap="none" normalizeH="0" baseline="0" dirty="0" smtClean="0">
+                          <a:ln>
+                            <a:noFill/>
+                          </a:ln>
+                          <a:solidFill>
+                            <a:srgbClr val="000000"/>
+                          </a:solidFill>
+                          <a:effectLst/>
+                          <a:latin typeface="Calibri" pitchFamily="34" charset="0"/>
+                          <a:cs typeface="Arial" charset="0"/>
+                        </a:rPr>
+                        <a:t>15 -</a:t>
+                      </a:r>
+                      <a:endParaRPr kumimoji="0" lang="fr-FR" sz="1200" b="1" i="0" u="sng" strike="noStrike" cap="none" normalizeH="0" baseline="0" dirty="0" smtClean="0">
+                        <a:ln>
+                          <a:noFill/>
+                        </a:ln>
+                        <a:solidFill>
+                          <a:schemeClr val="tx1"/>
+                        </a:solidFill>
+                        <a:effectLst/>
+                        <a:latin typeface="Calibri" pitchFamily="34" charset="0"/>
+                        <a:cs typeface="Arial" charset="0"/>
+                      </a:endParaRPr>
+                    </a:p>
+                  </a:txBody>
+                  <a:tcPr horzOverflow="overflow">
+                    <a:lnL w="12700" cap="flat" cmpd="sng" algn="ctr">
+                      <a:solidFill>
+                        <a:schemeClr val="tx1"/>
+                      </a:solidFill>
+                      <a:prstDash val="solid"/>
+                      <a:round/>
+                      <a:headEnd type="none" w="med" len="med"/>
+                      <a:tailEnd type="none" w="med" len="med"/>
+                    </a:lnL>
+                    <a:lnR w="12700" cap="flat" cmpd="sng" algn="ctr">
+                      <a:solidFill>
+                        <a:schemeClr val="tx1"/>
+                      </a:solidFill>
+                      <a:prstDash val="solid"/>
+                      <a:round/>
+                      <a:headEnd type="none" w="med" len="med"/>
+                      <a:tailEnd type="none" w="med" len="med"/>
+                    </a:lnR>
+                    <a:lnT w="12700" cap="flat" cmpd="sng" algn="ctr">
+                      <a:solidFill>
+                        <a:schemeClr val="tx1"/>
+                      </a:solidFill>
+                      <a:prstDash val="solid"/>
+                      <a:round/>
+                      <a:headEnd type="none" w="med" len="med"/>
+                      <a:tailEnd type="none" w="med" len="med"/>
+                    </a:lnT>
+                    <a:lnB w="12700" cap="flat" cmpd="sng" algn="ctr">
+                      <a:solidFill>
+                        <a:schemeClr val="tx1"/>
+                      </a:solidFill>
+                      <a:prstDash val="solid"/>
+                      <a:round/>
+                      <a:headEnd type="none" w="med" len="med"/>
+                      <a:tailEnd type="none" w="med" len="med"/>
+                    </a:lnB>
+                    <a:lnTlToBr>
+                      <a:noFill/>
+                    </a:lnTlToBr>
+                    <a:lnBlToTr>
+                      <a:noFill/>
+                    </a:lnBlToTr>
+                    <a:noFill/>
+                  </a:tcPr>
+                </a:tc>
+                <a:tc>
+                  <a:txBody>
+                    <a:bodyPr/>
+                    <a:lstStyle/>
+                    <a:p>
+                      <a:pPr marL="0" marR="0" lvl="0" indent="0" algn="ctr" defTabSz="914400" rtl="0" eaLnBrk="1" fontAlgn="base" latinLnBrk="0" hangingPunct="1">
+                        <a:lnSpc>
+                          <a:spcPct val="100000"/>
+                        </a:lnSpc>
+                        <a:spcBef>
+                          <a:spcPct val="0"/>
+                        </a:spcBef>
+                        <a:spcAft>
+                          <a:spcPct val="0"/>
+                        </a:spcAft>
+                        <a:buClrTx/>
+                        <a:buSzTx/>
+                        <a:buFontTx/>
+                        <a:buNone/>
+                        <a:tabLst/>
+                      </a:pPr>
+                      <a:r>
+                        <a:rPr kumimoji="0" lang="fr-FR" sz="1200" b="1" i="0" u="sng" strike="noStrike" cap="none" normalizeH="0" baseline="0" dirty="0" err="1" smtClean="0">
+                          <a:ln>
+                            <a:noFill/>
+                          </a:ln>
+                          <a:solidFill>
+                            <a:schemeClr val="tx1"/>
+                          </a:solidFill>
+                          <a:effectLst/>
+                          <a:latin typeface="Calibri" pitchFamily="34" charset="0"/>
+                          <a:cs typeface="Arial" charset="0"/>
+                        </a:rPr>
+                        <a:t>Bumpers</a:t>
+                      </a:r>
+                      <a:r>
+                        <a:rPr kumimoji="0" lang="fr-FR" sz="1200" b="1" i="0" u="sng" strike="noStrike" cap="none" normalizeH="0" baseline="0" dirty="0" smtClean="0">
+                          <a:ln>
+                            <a:noFill/>
+                          </a:ln>
+                          <a:solidFill>
+                            <a:schemeClr val="tx1"/>
+                          </a:solidFill>
+                          <a:effectLst/>
+                          <a:latin typeface="Calibri" pitchFamily="34" charset="0"/>
+                          <a:cs typeface="Arial" charset="0"/>
+                        </a:rPr>
+                        <a:t> (SW)</a:t>
+                      </a:r>
+                    </a:p>
+                    <a:p>
+                      <a:pPr marL="0" marR="0" lvl="0" indent="0" algn="l" defTabSz="914400" rtl="0" eaLnBrk="1" fontAlgn="base" latinLnBrk="0" hangingPunct="1">
+                        <a:lnSpc>
+                          <a:spcPct val="100000"/>
+                        </a:lnSpc>
+                        <a:spcBef>
+                          <a:spcPct val="0"/>
+                        </a:spcBef>
+                        <a:spcAft>
+                          <a:spcPct val="0"/>
+                        </a:spcAft>
+                        <a:buClrTx/>
+                        <a:buSzTx/>
+                        <a:buFontTx/>
+                        <a:buNone/>
+                        <a:tabLst/>
+                      </a:pPr>
+                      <a:r>
+                        <a:rPr kumimoji="0" lang="fr-FR" sz="900" b="0" i="0" u="none" strike="noStrike" cap="none" normalizeH="0" baseline="0" dirty="0" smtClean="0">
+                          <a:ln>
+                            <a:noFill/>
+                          </a:ln>
+                          <a:solidFill>
+                            <a:srgbClr val="000000"/>
+                          </a:solidFill>
+                          <a:effectLst/>
+                          <a:latin typeface="Calibri" pitchFamily="34" charset="0"/>
+                          <a:cs typeface="Arial" charset="0"/>
+                        </a:rPr>
+                        <a:t>16 -</a:t>
+                      </a:r>
+                    </a:p>
+                    <a:p>
+                      <a:pPr marL="0" marR="0" lvl="0" indent="0" algn="l" defTabSz="914400" rtl="0" eaLnBrk="1" fontAlgn="base" latinLnBrk="0" hangingPunct="1">
+                        <a:lnSpc>
+                          <a:spcPct val="100000"/>
+                        </a:lnSpc>
+                        <a:spcBef>
+                          <a:spcPct val="0"/>
+                        </a:spcBef>
+                        <a:spcAft>
+                          <a:spcPct val="0"/>
+                        </a:spcAft>
+                        <a:buClrTx/>
+                        <a:buSzTx/>
+                        <a:buFontTx/>
+                        <a:buNone/>
+                        <a:tabLst/>
+                      </a:pPr>
+                      <a:r>
+                        <a:rPr kumimoji="0" lang="fr-FR" sz="900" b="0" i="0" u="none" strike="noStrike" cap="none" normalizeH="0" baseline="0" dirty="0" smtClean="0">
+                          <a:ln>
+                            <a:noFill/>
+                          </a:ln>
+                          <a:solidFill>
+                            <a:srgbClr val="000000"/>
+                          </a:solidFill>
+                          <a:effectLst/>
+                          <a:latin typeface="Calibri" pitchFamily="34" charset="0"/>
+                          <a:cs typeface="Arial" charset="0"/>
+                        </a:rPr>
+                        <a:t>17 -</a:t>
+                      </a:r>
+                    </a:p>
+                    <a:p>
+                      <a:pPr marL="0" marR="0" lvl="0" indent="0" algn="l" defTabSz="914400" rtl="0" eaLnBrk="1" fontAlgn="base" latinLnBrk="0" hangingPunct="1">
+                        <a:lnSpc>
+                          <a:spcPct val="100000"/>
+                        </a:lnSpc>
+                        <a:spcBef>
+                          <a:spcPct val="0"/>
+                        </a:spcBef>
+                        <a:spcAft>
+                          <a:spcPct val="0"/>
+                        </a:spcAft>
+                        <a:buClrTx/>
+                        <a:buSzTx/>
+                        <a:buFontTx/>
+                        <a:buNone/>
+                        <a:tabLst/>
+                      </a:pPr>
+                      <a:r>
+                        <a:rPr kumimoji="0" lang="fr-FR" sz="900" b="0" i="0" u="none" strike="noStrike" cap="none" normalizeH="0" baseline="0" dirty="0" smtClean="0">
+                          <a:ln>
+                            <a:noFill/>
+                          </a:ln>
+                          <a:solidFill>
+                            <a:srgbClr val="000000"/>
+                          </a:solidFill>
+                          <a:effectLst/>
+                          <a:latin typeface="Calibri" pitchFamily="34" charset="0"/>
+                          <a:cs typeface="Arial" charset="0"/>
+                        </a:rPr>
+                        <a:t>18 -</a:t>
+                      </a:r>
+                    </a:p>
+                    <a:p>
+                      <a:pPr marL="0" marR="0" lvl="0" indent="0" algn="l" defTabSz="914400" rtl="0" eaLnBrk="1" fontAlgn="base" latinLnBrk="0" hangingPunct="1">
+                        <a:lnSpc>
+                          <a:spcPct val="100000"/>
+                        </a:lnSpc>
+                        <a:spcBef>
+                          <a:spcPct val="0"/>
+                        </a:spcBef>
+                        <a:spcAft>
+                          <a:spcPct val="0"/>
+                        </a:spcAft>
+                        <a:buClrTx/>
+                        <a:buSzTx/>
+                        <a:buFontTx/>
+                        <a:buNone/>
+                        <a:tabLst/>
+                      </a:pPr>
+                      <a:r>
+                        <a:rPr kumimoji="0" lang="fr-FR" sz="900" b="0" i="0" u="none" strike="noStrike" cap="none" normalizeH="0" baseline="0" dirty="0" smtClean="0">
+                          <a:ln>
+                            <a:noFill/>
+                          </a:ln>
+                          <a:solidFill>
+                            <a:srgbClr val="000000"/>
+                          </a:solidFill>
+                          <a:effectLst/>
+                          <a:latin typeface="Calibri" pitchFamily="34" charset="0"/>
+                          <a:cs typeface="Arial" charset="0"/>
+                        </a:rPr>
+                        <a:t>19 -</a:t>
+                      </a:r>
+                    </a:p>
+                    <a:p>
+                      <a:pPr marL="0" marR="0" lvl="0" indent="0" algn="l" defTabSz="914400" rtl="0" eaLnBrk="1" fontAlgn="base" latinLnBrk="0" hangingPunct="1">
+                        <a:lnSpc>
+                          <a:spcPct val="100000"/>
+                        </a:lnSpc>
+                        <a:spcBef>
+                          <a:spcPct val="0"/>
+                        </a:spcBef>
+                        <a:spcAft>
+                          <a:spcPct val="0"/>
+                        </a:spcAft>
+                        <a:buClrTx/>
+                        <a:buSzTx/>
+                        <a:buFontTx/>
+                        <a:buNone/>
+                        <a:tabLst/>
+                      </a:pPr>
+                      <a:r>
+                        <a:rPr kumimoji="0" lang="fr-FR" sz="900" b="0" i="0" u="none" strike="noStrike" cap="none" normalizeH="0" baseline="0" dirty="0" smtClean="0">
+                          <a:ln>
+                            <a:noFill/>
+                          </a:ln>
+                          <a:solidFill>
+                            <a:srgbClr val="000000"/>
+                          </a:solidFill>
+                          <a:effectLst/>
+                          <a:latin typeface="Calibri" pitchFamily="34" charset="0"/>
+                          <a:cs typeface="Arial" charset="0"/>
+                        </a:rPr>
+                        <a:t>20 -</a:t>
+                      </a:r>
+                    </a:p>
+                    <a:p>
+                      <a:pPr marL="0" marR="0" lvl="0" indent="0" algn="l" defTabSz="914400" rtl="0" eaLnBrk="1" fontAlgn="base" latinLnBrk="0" hangingPunct="1">
+                        <a:lnSpc>
+                          <a:spcPct val="100000"/>
+                        </a:lnSpc>
+                        <a:spcBef>
+                          <a:spcPct val="0"/>
+                        </a:spcBef>
+                        <a:spcAft>
+                          <a:spcPct val="0"/>
+                        </a:spcAft>
+                        <a:buClrTx/>
+                        <a:buSzTx/>
+                        <a:buFontTx/>
+                        <a:buNone/>
+                        <a:tabLst/>
+                      </a:pPr>
+                      <a:r>
+                        <a:rPr kumimoji="0" lang="fr-FR" sz="900" b="0" i="0" u="none" strike="noStrike" cap="none" normalizeH="0" baseline="0" smtClean="0">
+                          <a:ln>
+                            <a:noFill/>
+                          </a:ln>
+                          <a:solidFill>
+                            <a:srgbClr val="000000"/>
+                          </a:solidFill>
+                          <a:effectLst/>
+                          <a:latin typeface="Calibri" pitchFamily="34" charset="0"/>
+                          <a:cs typeface="Arial" charset="0"/>
+                        </a:rPr>
+                        <a:t>21 -</a:t>
+                      </a:r>
+                    </a:p>
+                    <a:p>
+                      <a:pPr marL="0" marR="0" lvl="0" indent="0" algn="l" defTabSz="914400" rtl="0" eaLnBrk="1" fontAlgn="base" latinLnBrk="0" hangingPunct="1">
+                        <a:lnSpc>
+                          <a:spcPct val="100000"/>
+                        </a:lnSpc>
+                        <a:spcBef>
+                          <a:spcPct val="0"/>
+                        </a:spcBef>
+                        <a:spcAft>
+                          <a:spcPct val="0"/>
+                        </a:spcAft>
+                        <a:buClrTx/>
+                        <a:buSzTx/>
+                        <a:buFontTx/>
+                        <a:buNone/>
+                        <a:tabLst/>
+                      </a:pPr>
+                      <a:r>
+                        <a:rPr kumimoji="0" lang="fr-FR" sz="900" b="0" i="0" u="none" strike="noStrike" cap="none" normalizeH="0" baseline="0" dirty="0" smtClean="0">
+                          <a:ln>
+                            <a:noFill/>
+                          </a:ln>
+                          <a:solidFill>
+                            <a:srgbClr val="000000"/>
+                          </a:solidFill>
+                          <a:effectLst/>
+                          <a:latin typeface="Calibri" pitchFamily="34" charset="0"/>
+                          <a:cs typeface="Arial" charset="0"/>
+                        </a:rPr>
+                        <a:t>22 -</a:t>
+                      </a:r>
+                    </a:p>
+                    <a:p>
+                      <a:pPr marL="0" marR="0" lvl="0" indent="0" algn="l" defTabSz="914400" rtl="0" eaLnBrk="1" fontAlgn="base" latinLnBrk="0" hangingPunct="1">
+                        <a:lnSpc>
+                          <a:spcPct val="100000"/>
+                        </a:lnSpc>
+                        <a:spcBef>
+                          <a:spcPct val="0"/>
+                        </a:spcBef>
+                        <a:spcAft>
+                          <a:spcPct val="0"/>
+                        </a:spcAft>
+                        <a:buClrTx/>
+                        <a:buSzTx/>
+                        <a:buFontTx/>
+                        <a:buNone/>
+                        <a:tabLst/>
+                      </a:pPr>
+                      <a:r>
+                        <a:rPr kumimoji="0" lang="fr-FR" sz="900" b="0" i="0" u="none" strike="noStrike" cap="none" normalizeH="0" baseline="0" dirty="0" smtClean="0">
+                          <a:ln>
+                            <a:noFill/>
+                          </a:ln>
+                          <a:solidFill>
+                            <a:srgbClr val="000000"/>
+                          </a:solidFill>
+                          <a:effectLst/>
+                          <a:latin typeface="Calibri" pitchFamily="34" charset="0"/>
+                          <a:cs typeface="Arial" charset="0"/>
+                        </a:rPr>
+                        <a:t>23 -</a:t>
+                      </a:r>
+                      <a:endParaRPr kumimoji="0" lang="fr-FR" sz="900" b="1" i="0" u="sng" strike="noStrike" cap="none" normalizeH="0" baseline="0" dirty="0" smtClean="0">
+                        <a:ln>
+                          <a:noFill/>
+                        </a:ln>
+                        <a:solidFill>
+                          <a:schemeClr val="tx1"/>
+                        </a:solidFill>
+                        <a:effectLst/>
+                        <a:latin typeface="Calibri" pitchFamily="34" charset="0"/>
+                        <a:cs typeface="Arial" charset="0"/>
+                      </a:endParaRPr>
+                    </a:p>
+                  </a:txBody>
+                  <a:tcPr horzOverflow="overflow">
+                    <a:lnL w="12700" cap="flat" cmpd="sng" algn="ctr">
+                      <a:solidFill>
+                        <a:schemeClr val="tx1"/>
+                      </a:solidFill>
+                      <a:prstDash val="solid"/>
+                      <a:round/>
+                      <a:headEnd type="none" w="med" len="med"/>
+                      <a:tailEnd type="none" w="med" len="med"/>
+                    </a:lnL>
+                    <a:lnR w="12700" cap="flat" cmpd="sng" algn="ctr">
+                      <a:solidFill>
+                        <a:schemeClr val="tx1"/>
+                      </a:solidFill>
+                      <a:prstDash val="solid"/>
+                      <a:round/>
+                      <a:headEnd type="none" w="med" len="med"/>
+                      <a:tailEnd type="none" w="med" len="med"/>
+                    </a:lnR>
+                    <a:lnT w="12700" cap="flat" cmpd="sng" algn="ctr">
+                      <a:solidFill>
+                        <a:schemeClr val="tx1"/>
+                      </a:solidFill>
+                      <a:prstDash val="solid"/>
+                      <a:round/>
+                      <a:headEnd type="none" w="med" len="med"/>
+                      <a:tailEnd type="none" w="med" len="med"/>
+                    </a:lnT>
+                    <a:lnB w="12700" cap="flat" cmpd="sng" algn="ctr">
+                      <a:solidFill>
+                        <a:schemeClr val="tx1"/>
+                      </a:solidFill>
+                      <a:prstDash val="solid"/>
+                      <a:round/>
+                      <a:headEnd type="none" w="med" len="med"/>
+                      <a:tailEnd type="none" w="med" len="med"/>
+                    </a:lnB>
+                    <a:lnTlToBr>
+                      <a:noFill/>
+                    </a:lnTlToBr>
+                    <a:lnBlToTr>
+                      <a:noFill/>
+                    </a:lnBlToTr>
+                    <a:noFill/>
+                  </a:tcPr>
+                </a:tc>
+                <a:tc>
+                  <a:txBody>
+                    <a:bodyPr/>
+                    <a:lstStyle/>
+                    <a:p>
+                      <a:pPr marL="0" marR="0" lvl="0" indent="0" algn="ctr" defTabSz="914400" rtl="0" eaLnBrk="1" fontAlgn="base" latinLnBrk="0" hangingPunct="1">
+                        <a:lnSpc>
+                          <a:spcPct val="100000"/>
+                        </a:lnSpc>
+                        <a:spcBef>
+                          <a:spcPct val="0"/>
+                        </a:spcBef>
+                        <a:spcAft>
+                          <a:spcPct val="0"/>
+                        </a:spcAft>
+                        <a:buClrTx/>
+                        <a:buSzTx/>
+                        <a:buFontTx/>
+                        <a:buNone/>
+                        <a:tabLst/>
+                      </a:pPr>
+                      <a:r>
+                        <a:rPr kumimoji="0" lang="fr-FR" sz="1200" b="1" i="0" u="sng" strike="noStrike" cap="none" normalizeH="0" baseline="0" dirty="0" smtClean="0">
+                          <a:ln>
+                            <a:noFill/>
+                          </a:ln>
+                          <a:solidFill>
+                            <a:schemeClr val="tx1"/>
+                          </a:solidFill>
+                          <a:effectLst/>
+                          <a:latin typeface="Calibri" pitchFamily="34" charset="0"/>
+                          <a:cs typeface="Arial" charset="0"/>
+                        </a:rPr>
+                        <a:t>Not </a:t>
+                      </a:r>
+                      <a:r>
+                        <a:rPr kumimoji="0" lang="fr-FR" sz="1200" b="1" i="0" u="sng" strike="noStrike" cap="none" normalizeH="0" baseline="0" dirty="0" err="1" smtClean="0">
+                          <a:ln>
+                            <a:noFill/>
+                          </a:ln>
+                          <a:solidFill>
+                            <a:schemeClr val="tx1"/>
+                          </a:solidFill>
+                          <a:effectLst/>
+                          <a:latin typeface="Calibri" pitchFamily="34" charset="0"/>
+                          <a:cs typeface="Arial" charset="0"/>
+                        </a:rPr>
+                        <a:t>Used</a:t>
+                      </a:r>
+                      <a:endParaRPr kumimoji="0" lang="fr-FR" sz="1200" b="1" i="0" u="sng" strike="noStrike" cap="none" normalizeH="0" baseline="0" dirty="0" smtClean="0">
+                        <a:ln>
+                          <a:noFill/>
+                        </a:ln>
+                        <a:solidFill>
+                          <a:schemeClr val="tx1"/>
+                        </a:solidFill>
+                        <a:effectLst/>
+                        <a:latin typeface="Calibri" pitchFamily="34" charset="0"/>
+                        <a:cs typeface="Arial" charset="0"/>
+                      </a:endParaRPr>
+                    </a:p>
+                    <a:p>
+                      <a:pPr marL="0" marR="0" lvl="0" indent="0" algn="l" defTabSz="914400" rtl="0" eaLnBrk="1" fontAlgn="base" latinLnBrk="0" hangingPunct="1">
+                        <a:lnSpc>
+                          <a:spcPct val="100000"/>
+                        </a:lnSpc>
+                        <a:spcBef>
+                          <a:spcPct val="0"/>
+                        </a:spcBef>
+                        <a:spcAft>
+                          <a:spcPct val="0"/>
+                        </a:spcAft>
+                        <a:buClrTx/>
+                        <a:buSzTx/>
+                        <a:buFontTx/>
+                        <a:buNone/>
+                        <a:tabLst/>
+                      </a:pPr>
+                      <a:r>
+                        <a:rPr kumimoji="0" lang="fr-FR" sz="900" b="0" i="0" u="none" strike="noStrike" cap="none" normalizeH="0" baseline="0" dirty="0" smtClean="0">
+                          <a:ln>
+                            <a:noFill/>
+                          </a:ln>
+                          <a:solidFill>
+                            <a:srgbClr val="000000"/>
+                          </a:solidFill>
+                          <a:effectLst/>
+                          <a:latin typeface="Calibri" pitchFamily="34" charset="0"/>
+                          <a:cs typeface="Arial" charset="0"/>
+                        </a:rPr>
+                        <a:t>24 –</a:t>
+                      </a:r>
+                    </a:p>
+                    <a:p>
+                      <a:pPr marL="0" marR="0" lvl="0" indent="0" algn="l" defTabSz="914400" rtl="0" eaLnBrk="1" fontAlgn="base" latinLnBrk="0" hangingPunct="1">
+                        <a:lnSpc>
+                          <a:spcPct val="100000"/>
+                        </a:lnSpc>
+                        <a:spcBef>
+                          <a:spcPct val="0"/>
+                        </a:spcBef>
+                        <a:spcAft>
+                          <a:spcPct val="0"/>
+                        </a:spcAft>
+                        <a:buClrTx/>
+                        <a:buSzTx/>
+                        <a:buFontTx/>
+                        <a:buNone/>
+                        <a:tabLst/>
+                      </a:pPr>
+                      <a:r>
+                        <a:rPr kumimoji="0" lang="fr-FR" sz="900" b="0" i="0" u="none" strike="noStrike" cap="none" normalizeH="0" baseline="0" dirty="0" smtClean="0">
+                          <a:ln>
+                            <a:noFill/>
+                          </a:ln>
+                          <a:solidFill>
+                            <a:srgbClr val="000000"/>
+                          </a:solidFill>
+                          <a:effectLst/>
+                          <a:latin typeface="Calibri" pitchFamily="34" charset="0"/>
+                          <a:cs typeface="Arial" charset="0"/>
+                        </a:rPr>
+                        <a:t>25 –</a:t>
+                      </a:r>
+                    </a:p>
+                    <a:p>
+                      <a:pPr marL="0" marR="0" lvl="0" indent="0" algn="l" defTabSz="914400" rtl="0" eaLnBrk="1" fontAlgn="base" latinLnBrk="0" hangingPunct="1">
+                        <a:lnSpc>
+                          <a:spcPct val="100000"/>
+                        </a:lnSpc>
+                        <a:spcBef>
+                          <a:spcPct val="0"/>
+                        </a:spcBef>
+                        <a:spcAft>
+                          <a:spcPct val="0"/>
+                        </a:spcAft>
+                        <a:buClrTx/>
+                        <a:buSzTx/>
+                        <a:buFontTx/>
+                        <a:buNone/>
+                        <a:tabLst/>
+                      </a:pPr>
+                      <a:r>
+                        <a:rPr kumimoji="0" lang="fr-FR" sz="900" b="0" i="0" u="none" strike="noStrike" cap="none" normalizeH="0" baseline="0" dirty="0" smtClean="0">
+                          <a:ln>
+                            <a:noFill/>
+                          </a:ln>
+                          <a:solidFill>
+                            <a:srgbClr val="000000"/>
+                          </a:solidFill>
+                          <a:effectLst/>
+                          <a:latin typeface="Calibri" pitchFamily="34" charset="0"/>
+                          <a:cs typeface="Arial" charset="0"/>
+                        </a:rPr>
+                        <a:t>26 –</a:t>
+                      </a:r>
+                    </a:p>
+                    <a:p>
+                      <a:pPr marL="0" marR="0" lvl="0" indent="0" algn="l" defTabSz="914400" rtl="0" eaLnBrk="1" fontAlgn="base" latinLnBrk="0" hangingPunct="1">
+                        <a:lnSpc>
+                          <a:spcPct val="100000"/>
+                        </a:lnSpc>
+                        <a:spcBef>
+                          <a:spcPct val="0"/>
+                        </a:spcBef>
+                        <a:spcAft>
+                          <a:spcPct val="0"/>
+                        </a:spcAft>
+                        <a:buClrTx/>
+                        <a:buSzTx/>
+                        <a:buFontTx/>
+                        <a:buNone/>
+                        <a:tabLst/>
+                      </a:pPr>
+                      <a:r>
+                        <a:rPr kumimoji="0" lang="fr-FR" sz="900" b="0" i="0" u="none" strike="noStrike" cap="none" normalizeH="0" baseline="0" dirty="0" smtClean="0">
+                          <a:ln>
+                            <a:noFill/>
+                          </a:ln>
+                          <a:solidFill>
+                            <a:srgbClr val="000000"/>
+                          </a:solidFill>
+                          <a:effectLst/>
+                          <a:latin typeface="Calibri" pitchFamily="34" charset="0"/>
+                          <a:cs typeface="Arial" charset="0"/>
+                        </a:rPr>
+                        <a:t>27 –</a:t>
+                      </a:r>
+                    </a:p>
+                    <a:p>
+                      <a:pPr marL="0" marR="0" lvl="0" indent="0" algn="l" defTabSz="914400" rtl="0" eaLnBrk="1" fontAlgn="base" latinLnBrk="0" hangingPunct="1">
+                        <a:lnSpc>
+                          <a:spcPct val="100000"/>
+                        </a:lnSpc>
+                        <a:spcBef>
+                          <a:spcPct val="0"/>
+                        </a:spcBef>
+                        <a:spcAft>
+                          <a:spcPct val="0"/>
+                        </a:spcAft>
+                        <a:buClrTx/>
+                        <a:buSzTx/>
+                        <a:buFontTx/>
+                        <a:buNone/>
+                        <a:tabLst/>
+                      </a:pPr>
+                      <a:r>
+                        <a:rPr kumimoji="0" lang="fr-FR" sz="900" b="0" i="0" u="none" strike="noStrike" cap="none" normalizeH="0" baseline="0" dirty="0" smtClean="0">
+                          <a:ln>
+                            <a:noFill/>
+                          </a:ln>
+                          <a:solidFill>
+                            <a:srgbClr val="000000"/>
+                          </a:solidFill>
+                          <a:effectLst/>
+                          <a:latin typeface="Calibri" pitchFamily="34" charset="0"/>
+                          <a:cs typeface="Arial" charset="0"/>
+                        </a:rPr>
+                        <a:t>28 –</a:t>
+                      </a:r>
+                    </a:p>
+                    <a:p>
+                      <a:pPr marL="0" marR="0" lvl="0" indent="0" algn="l" defTabSz="914400" rtl="0" eaLnBrk="1" fontAlgn="base" latinLnBrk="0" hangingPunct="1">
+                        <a:lnSpc>
+                          <a:spcPct val="100000"/>
+                        </a:lnSpc>
+                        <a:spcBef>
+                          <a:spcPct val="0"/>
+                        </a:spcBef>
+                        <a:spcAft>
+                          <a:spcPct val="0"/>
+                        </a:spcAft>
+                        <a:buClrTx/>
+                        <a:buSzTx/>
+                        <a:buFontTx/>
+                        <a:buNone/>
+                        <a:tabLst/>
+                      </a:pPr>
+                      <a:r>
+                        <a:rPr kumimoji="0" lang="fr-FR" sz="900" b="0" i="0" u="none" strike="noStrike" cap="none" normalizeH="0" baseline="0" dirty="0" smtClean="0">
+                          <a:ln>
+                            <a:noFill/>
+                          </a:ln>
+                          <a:solidFill>
+                            <a:srgbClr val="000000"/>
+                          </a:solidFill>
+                          <a:effectLst/>
+                          <a:latin typeface="Calibri" pitchFamily="34" charset="0"/>
+                          <a:cs typeface="Arial" charset="0"/>
+                        </a:rPr>
+                        <a:t>29 –</a:t>
+                      </a:r>
+                    </a:p>
+                    <a:p>
+                      <a:pPr marL="0" marR="0" lvl="0" indent="0" algn="l" defTabSz="914400" rtl="0" eaLnBrk="1" fontAlgn="base" latinLnBrk="0" hangingPunct="1">
+                        <a:lnSpc>
+                          <a:spcPct val="100000"/>
+                        </a:lnSpc>
+                        <a:spcBef>
+                          <a:spcPct val="0"/>
+                        </a:spcBef>
+                        <a:spcAft>
+                          <a:spcPct val="0"/>
+                        </a:spcAft>
+                        <a:buClrTx/>
+                        <a:buSzTx/>
+                        <a:buFontTx/>
+                        <a:buNone/>
+                        <a:tabLst/>
+                      </a:pPr>
+                      <a:r>
+                        <a:rPr kumimoji="0" lang="fr-FR" sz="900" b="0" i="0" u="none" strike="noStrike" cap="none" normalizeH="0" baseline="0" dirty="0" smtClean="0">
+                          <a:ln>
+                            <a:noFill/>
+                          </a:ln>
+                          <a:solidFill>
+                            <a:srgbClr val="000000"/>
+                          </a:solidFill>
+                          <a:effectLst/>
+                          <a:latin typeface="Calibri" pitchFamily="34" charset="0"/>
+                          <a:cs typeface="Arial" charset="0"/>
+                        </a:rPr>
+                        <a:t>30 –</a:t>
                       </a:r>
                     </a:p>
                     <a:p>
